--- a/Документация/Отчет Поляков М.Е.pptx
+++ b/Документация/Отчет Поляков М.Е.pptx
@@ -1,54 +1,50 @@
 
 <file path=ppt/presentation.xml><?xml version="1.0" encoding="utf-8"?>
-<p:presentation xmlns:a="http://schemas.openxmlformats.org/drawingml/2006/main" xmlns:r="http://schemas.openxmlformats.org/officeDocument/2006/relationships" xmlns:p="http://schemas.openxmlformats.org/presentationml/2006/main" strictFirstAndLastChars="0" embedTrueTypeFonts="1" saveSubsetFonts="1" autoCompressPictures="0">
+<p:presentation xmlns:a="http://schemas.openxmlformats.org/drawingml/2006/main" xmlns:r="http://schemas.openxmlformats.org/officeDocument/2006/relationships" xmlns:p="http://schemas.openxmlformats.org/presentationml/2006/main" strictFirstAndLastChars="0" embedTrueTypeFonts="1" autoCompressPictures="0">
   <p:sldMasterIdLst>
     <p:sldMasterId id="2147483659" r:id="rId1"/>
   </p:sldMasterIdLst>
   <p:notesMasterIdLst>
-    <p:notesMasterId r:id="rId19"/>
+    <p:notesMasterId r:id="rId18"/>
   </p:notesMasterIdLst>
   <p:sldIdLst>
     <p:sldId id="256" r:id="rId2"/>
     <p:sldId id="258" r:id="rId3"/>
-    <p:sldId id="259" r:id="rId4"/>
-    <p:sldId id="260" r:id="rId5"/>
-    <p:sldId id="261" r:id="rId6"/>
-    <p:sldId id="269" r:id="rId7"/>
-    <p:sldId id="262" r:id="rId8"/>
-    <p:sldId id="263" r:id="rId9"/>
-    <p:sldId id="264" r:id="rId10"/>
-    <p:sldId id="265" r:id="rId11"/>
-    <p:sldId id="270" r:id="rId12"/>
-    <p:sldId id="271" r:id="rId13"/>
-    <p:sldId id="274" r:id="rId14"/>
-    <p:sldId id="275" r:id="rId15"/>
-    <p:sldId id="272" r:id="rId16"/>
-    <p:sldId id="273" r:id="rId17"/>
-    <p:sldId id="266" r:id="rId18"/>
+    <p:sldId id="260" r:id="rId4"/>
+    <p:sldId id="261" r:id="rId5"/>
+    <p:sldId id="269" r:id="rId6"/>
+    <p:sldId id="262" r:id="rId7"/>
+    <p:sldId id="263" r:id="rId8"/>
+    <p:sldId id="264" r:id="rId9"/>
+    <p:sldId id="265" r:id="rId10"/>
+    <p:sldId id="270" r:id="rId11"/>
+    <p:sldId id="271" r:id="rId12"/>
+    <p:sldId id="274" r:id="rId13"/>
+    <p:sldId id="275" r:id="rId14"/>
+    <p:sldId id="272" r:id="rId15"/>
+    <p:sldId id="273" r:id="rId16"/>
+    <p:sldId id="266" r:id="rId17"/>
   </p:sldIdLst>
   <p:sldSz cx="12190413" cy="6858000"/>
   <p:notesSz cx="6858000" cy="9144000"/>
   <p:embeddedFontLst>
     <p:embeddedFont>
-      <p:font typeface="Lucida Sans" pitchFamily="34" charset="0"/>
+      <p:font typeface="Abadi" panose="020B0604020104020204" pitchFamily="34" charset="0"/>
+      <p:regular r:id="rId19"/>
+    </p:embeddedFont>
+    <p:embeddedFont>
+      <p:font typeface="Book Antiqua" panose="02040602050305030304" pitchFamily="18" charset="0"/>
       <p:regular r:id="rId20"/>
       <p:bold r:id="rId21"/>
       <p:italic r:id="rId22"/>
       <p:boldItalic r:id="rId23"/>
     </p:embeddedFont>
     <p:embeddedFont>
-      <p:font typeface="Calibri" pitchFamily="34" charset="0"/>
+      <p:font typeface="Lucida Sans" panose="020B0602030504020204" pitchFamily="34" charset="0"/>
       <p:regular r:id="rId24"/>
       <p:bold r:id="rId25"/>
       <p:italic r:id="rId26"/>
       <p:boldItalic r:id="rId27"/>
-    </p:embeddedFont>
-    <p:embeddedFont>
-      <p:font typeface="Book Antiqua" pitchFamily="18" charset="0"/>
-      <p:regular r:id="rId28"/>
-      <p:bold r:id="rId29"/>
-      <p:italic r:id="rId30"/>
-      <p:boldItalic r:id="rId31"/>
     </p:embeddedFont>
   </p:embeddedFontLst>
   <p:defaultTextStyle>
@@ -282,7 +278,7 @@
   </p:defaultTextStyle>
   <p:extLst>
     <p:ext uri="{EFAFB233-063F-42B5-8137-9DF3F51BA10A}">
-      <p15:sldGuideLst xmlns:ahyp="http://schemas.microsoft.com/office/drawing/2018/hyperlinkcolor" xmlns:p15="http://schemas.microsoft.com/office/powerpoint/2012/main" xmlns:p14="http://schemas.microsoft.com/office/powerpoint/2010/main" xmlns:com="http://schemas.openxmlformats.org/drawingml/2006/compatibility" xmlns:pvml="urn:schemas-microsoft-com:office:powerpoint" xmlns:v="urn:schemas-microsoft-com:vml" xmlns:o="urn:schemas-microsoft-com:office:office" xmlns:dgm="http://schemas.openxmlformats.org/drawingml/2006/diagram" xmlns:c="http://schemas.openxmlformats.org/drawingml/2006/chart" xmlns:mv="urn:schemas-microsoft-com:mac:vml" xmlns:mc="http://schemas.openxmlformats.org/markup-compatibility/2006" xmlns="">
+      <p15:sldGuideLst xmlns:p15="http://schemas.microsoft.com/office/powerpoint/2012/main">
         <p15:guide id="1" orient="horz" pos="2160">
           <p15:clr>
             <a:srgbClr val="000000"/>
@@ -501,7 +497,7 @@
             </a:lvl9pPr>
           </a:lstStyle>
           <a:p>
-            <a:endParaRPr/>
+            <a:endParaRPr dirty="0"/>
           </a:p>
         </p:txBody>
       </p:sp>
@@ -544,7 +540,7 @@
           <a:srgbClr val="000000"/>
         </a:solidFill>
         <a:latin typeface="Arial"/>
-        <a:ea typeface="Arial"/>
+        <a:ea typeface="Abadi" panose="020B0604020104020204" pitchFamily="34" charset="0"/>
         <a:cs typeface="Arial"/>
         <a:sym typeface="Arial"/>
       </a:defRPr>
@@ -796,7 +792,9 @@
               </a:spcAft>
               <a:buNone/>
             </a:pPr>
-            <a:endParaRPr/>
+            <a:endParaRPr dirty="0">
+              <a:latin typeface="Abadi" panose="020B0604020104020204" pitchFamily="34" charset="0"/>
+            </a:endParaRPr>
           </a:p>
         </p:txBody>
       </p:sp>
@@ -812,8 +810,8 @@
         </p:nvSpPr>
         <p:spPr>
           <a:xfrm>
-            <a:off x="1143225" y="685800"/>
-            <a:ext cx="4572225" cy="3429000"/>
+            <a:off x="382588" y="685800"/>
+            <a:ext cx="6092825" cy="3429000"/>
           </a:xfrm>
           <a:custGeom>
             <a:avLst/>
@@ -900,7 +898,9 @@
               </a:spcAft>
               <a:buNone/>
             </a:pPr>
-            <a:endParaRPr/>
+            <a:endParaRPr dirty="0">
+              <a:latin typeface="Abadi" panose="020B0604020104020204" pitchFamily="34" charset="0"/>
+            </a:endParaRPr>
           </a:p>
         </p:txBody>
       </p:sp>
@@ -1004,7 +1004,9 @@
               </a:spcAft>
               <a:buNone/>
             </a:pPr>
-            <a:endParaRPr/>
+            <a:endParaRPr dirty="0">
+              <a:latin typeface="Abadi" panose="020B0604020104020204" pitchFamily="34" charset="0"/>
+            </a:endParaRPr>
           </a:p>
         </p:txBody>
       </p:sp>
@@ -1058,110 +1060,6 @@
 </file>
 
 <file path=ppt/notesSlides/notesSlide3.xml><?xml version="1.0" encoding="utf-8"?>
-<p:notes xmlns:a="http://schemas.openxmlformats.org/drawingml/2006/main" xmlns:r="http://schemas.openxmlformats.org/officeDocument/2006/relationships" xmlns:p="http://schemas.openxmlformats.org/presentationml/2006/main" showMasterSp="0" showMasterPhAnim="0">
-  <p:cSld>
-    <p:spTree>
-      <p:nvGrpSpPr>
-        <p:cNvPr id="1" name="Shape 100"/>
-        <p:cNvGrpSpPr/>
-        <p:nvPr/>
-      </p:nvGrpSpPr>
-      <p:grpSpPr>
-        <a:xfrm>
-          <a:off x="0" y="0"/>
-          <a:ext cx="0" cy="0"/>
-          <a:chOff x="0" y="0"/>
-          <a:chExt cx="0" cy="0"/>
-        </a:xfrm>
-      </p:grpSpPr>
-      <p:sp>
-        <p:nvSpPr>
-          <p:cNvPr id="101" name="Google Shape;101;p5:notes"/>
-          <p:cNvSpPr txBox="1">
-            <a:spLocks noGrp="1"/>
-          </p:cNvSpPr>
-          <p:nvPr>
-            <p:ph type="body" idx="1"/>
-          </p:nvPr>
-        </p:nvSpPr>
-        <p:spPr>
-          <a:xfrm>
-            <a:off x="685800" y="4343400"/>
-            <a:ext cx="5486400" cy="4114800"/>
-          </a:xfrm>
-          <a:prstGeom prst="rect">
-            <a:avLst/>
-          </a:prstGeom>
-        </p:spPr>
-        <p:txBody>
-          <a:bodyPr spcFirstLastPara="1" wrap="square" lIns="91425" tIns="91425" rIns="91425" bIns="91425" anchor="t" anchorCtr="0">
-            <a:noAutofit/>
-          </a:bodyPr>
-          <a:lstStyle/>
-          <a:p>
-            <a:pPr marL="0" lvl="0" indent="0" algn="l" rtl="0">
-              <a:spcBef>
-                <a:spcPts val="0"/>
-              </a:spcBef>
-              <a:spcAft>
-                <a:spcPts val="0"/>
-              </a:spcAft>
-              <a:buNone/>
-            </a:pPr>
-            <a:endParaRPr/>
-          </a:p>
-        </p:txBody>
-      </p:sp>
-      <p:sp>
-        <p:nvSpPr>
-          <p:cNvPr id="102" name="Google Shape;102;p5:notes"/>
-          <p:cNvSpPr>
-            <a:spLocks noGrp="1" noRot="1" noChangeAspect="1"/>
-          </p:cNvSpPr>
-          <p:nvPr>
-            <p:ph type="sldImg" idx="2"/>
-          </p:nvPr>
-        </p:nvSpPr>
-        <p:spPr>
-          <a:xfrm>
-            <a:off x="1143225" y="685800"/>
-            <a:ext cx="4572225" cy="3429000"/>
-          </a:xfrm>
-          <a:custGeom>
-            <a:avLst/>
-            <a:gdLst/>
-            <a:ahLst/>
-            <a:cxnLst/>
-            <a:rect l="l" t="t" r="r" b="b"/>
-            <a:pathLst>
-              <a:path w="120000" h="120000" extrusionOk="0">
-                <a:moveTo>
-                  <a:pt x="0" y="0"/>
-                </a:moveTo>
-                <a:lnTo>
-                  <a:pt x="120000" y="0"/>
-                </a:lnTo>
-                <a:lnTo>
-                  <a:pt x="120000" y="120000"/>
-                </a:lnTo>
-                <a:lnTo>
-                  <a:pt x="0" y="120000"/>
-                </a:lnTo>
-                <a:close/>
-              </a:path>
-            </a:pathLst>
-          </a:custGeom>
-        </p:spPr>
-      </p:sp>
-    </p:spTree>
-  </p:cSld>
-  <p:clrMapOvr>
-    <a:masterClrMapping/>
-  </p:clrMapOvr>
-</p:notes>
-</file>
-
-<file path=ppt/notesSlides/notesSlide4.xml><?xml version="1.0" encoding="utf-8"?>
 <p:notes xmlns:a="http://schemas.openxmlformats.org/drawingml/2006/main" xmlns:r="http://schemas.openxmlformats.org/officeDocument/2006/relationships" xmlns:p="http://schemas.openxmlformats.org/presentationml/2006/main" showMasterSp="0" showMasterPhAnim="0">
   <p:cSld>
     <p:spTree>
@@ -1253,7 +1151,9 @@
               </a:spcAft>
               <a:buNone/>
             </a:pPr>
-            <a:endParaRPr/>
+            <a:endParaRPr dirty="0">
+              <a:latin typeface="Abadi" panose="020B0604020104020204" pitchFamily="34" charset="0"/>
+            </a:endParaRPr>
           </a:p>
         </p:txBody>
       </p:sp>
@@ -1265,7 +1165,7 @@
 </p:notes>
 </file>
 
-<file path=ppt/notesSlides/notesSlide5.xml><?xml version="1.0" encoding="utf-8"?>
+<file path=ppt/notesSlides/notesSlide4.xml><?xml version="1.0" encoding="utf-8"?>
 <p:notes xmlns:a="http://schemas.openxmlformats.org/drawingml/2006/main" xmlns:r="http://schemas.openxmlformats.org/officeDocument/2006/relationships" xmlns:p="http://schemas.openxmlformats.org/presentationml/2006/main" showMasterSp="0" showMasterPhAnim="0">
   <p:cSld>
     <p:spTree>
@@ -1357,7 +1257,9 @@
               </a:spcAft>
               <a:buNone/>
             </a:pPr>
-            <a:endParaRPr/>
+            <a:endParaRPr dirty="0">
+              <a:latin typeface="Abadi" panose="020B0604020104020204" pitchFamily="34" charset="0"/>
+            </a:endParaRPr>
           </a:p>
         </p:txBody>
       </p:sp>
@@ -1369,7 +1271,7 @@
 </p:notes>
 </file>
 
-<file path=ppt/notesSlides/notesSlide6.xml><?xml version="1.0" encoding="utf-8"?>
+<file path=ppt/notesSlides/notesSlide5.xml><?xml version="1.0" encoding="utf-8"?>
 <p:notes xmlns:a="http://schemas.openxmlformats.org/drawingml/2006/main" xmlns:r="http://schemas.openxmlformats.org/officeDocument/2006/relationships" xmlns:p="http://schemas.openxmlformats.org/presentationml/2006/main" showMasterSp="0" showMasterPhAnim="0">
   <p:cSld>
     <p:spTree>
@@ -1461,7 +1363,9 @@
               </a:spcAft>
               <a:buNone/>
             </a:pPr>
-            <a:endParaRPr/>
+            <a:endParaRPr dirty="0">
+              <a:latin typeface="Abadi" panose="020B0604020104020204" pitchFamily="34" charset="0"/>
+            </a:endParaRPr>
           </a:p>
         </p:txBody>
       </p:sp>
@@ -1473,7 +1377,7 @@
 </p:notes>
 </file>
 
-<file path=ppt/notesSlides/notesSlide7.xml><?xml version="1.0" encoding="utf-8"?>
+<file path=ppt/notesSlides/notesSlide6.xml><?xml version="1.0" encoding="utf-8"?>
 <p:notes xmlns:a="http://schemas.openxmlformats.org/drawingml/2006/main" xmlns:r="http://schemas.openxmlformats.org/officeDocument/2006/relationships" xmlns:p="http://schemas.openxmlformats.org/presentationml/2006/main" showMasterSp="0" showMasterPhAnim="0">
   <p:cSld>
     <p:spTree>
@@ -1565,7 +1469,9 @@
               </a:spcAft>
               <a:buNone/>
             </a:pPr>
-            <a:endParaRPr/>
+            <a:endParaRPr dirty="0">
+              <a:latin typeface="Abadi" panose="020B0604020104020204" pitchFamily="34" charset="0"/>
+            </a:endParaRPr>
           </a:p>
         </p:txBody>
       </p:sp>
@@ -1577,7 +1483,7 @@
 </p:notes>
 </file>
 
-<file path=ppt/notesSlides/notesSlide8.xml><?xml version="1.0" encoding="utf-8"?>
+<file path=ppt/notesSlides/notesSlide7.xml><?xml version="1.0" encoding="utf-8"?>
 <p:notes xmlns:a="http://schemas.openxmlformats.org/drawingml/2006/main" xmlns:r="http://schemas.openxmlformats.org/officeDocument/2006/relationships" xmlns:p="http://schemas.openxmlformats.org/presentationml/2006/main" showMasterSp="0" showMasterPhAnim="0">
   <p:cSld>
     <p:spTree>
@@ -1669,7 +1575,9 @@
               </a:spcAft>
               <a:buNone/>
             </a:pPr>
-            <a:endParaRPr/>
+            <a:endParaRPr dirty="0">
+              <a:latin typeface="Abadi" panose="020B0604020104020204" pitchFamily="34" charset="0"/>
+            </a:endParaRPr>
           </a:p>
         </p:txBody>
       </p:sp>
@@ -1681,7 +1589,7 @@
 </p:notes>
 </file>
 
-<file path=ppt/notesSlides/notesSlide9.xml><?xml version="1.0" encoding="utf-8"?>
+<file path=ppt/notesSlides/notesSlide8.xml><?xml version="1.0" encoding="utf-8"?>
 <p:notes xmlns:a="http://schemas.openxmlformats.org/drawingml/2006/main" xmlns:r="http://schemas.openxmlformats.org/officeDocument/2006/relationships" xmlns:p="http://schemas.openxmlformats.org/presentationml/2006/main" showMasterSp="0" showMasterPhAnim="0">
   <p:cSld>
     <p:spTree>
@@ -1773,11 +1681,79 @@
               </a:spcAft>
               <a:buNone/>
             </a:pPr>
-            <a:endParaRPr/>
+            <a:endParaRPr dirty="0">
+              <a:latin typeface="Abadi" panose="020B0604020104020204" pitchFamily="34" charset="0"/>
+            </a:endParaRPr>
           </a:p>
         </p:txBody>
       </p:sp>
     </p:spTree>
+  </p:cSld>
+  <p:clrMapOvr>
+    <a:masterClrMapping/>
+  </p:clrMapOvr>
+</p:notes>
+</file>
+
+<file path=ppt/notesSlides/notesSlide9.xml><?xml version="1.0" encoding="utf-8"?>
+<p:notes xmlns:a="http://schemas.openxmlformats.org/drawingml/2006/main" xmlns:r="http://schemas.openxmlformats.org/officeDocument/2006/relationships" xmlns:p="http://schemas.openxmlformats.org/presentationml/2006/main">
+  <p:cSld>
+    <p:spTree>
+      <p:nvGrpSpPr>
+        <p:cNvPr id="1" name=""/>
+        <p:cNvGrpSpPr/>
+        <p:nvPr/>
+      </p:nvGrpSpPr>
+      <p:grpSpPr>
+        <a:xfrm>
+          <a:off x="0" y="0"/>
+          <a:ext cx="0" cy="0"/>
+          <a:chOff x="0" y="0"/>
+          <a:chExt cx="0" cy="0"/>
+        </a:xfrm>
+      </p:grpSpPr>
+      <p:sp>
+        <p:nvSpPr>
+          <p:cNvPr id="2" name="Образ слайда 1"/>
+          <p:cNvSpPr>
+            <a:spLocks noGrp="1" noRot="1" noChangeAspect="1"/>
+          </p:cNvSpPr>
+          <p:nvPr>
+            <p:ph type="sldImg"/>
+          </p:nvPr>
+        </p:nvSpPr>
+        <p:spPr>
+          <a:xfrm>
+            <a:off x="382588" y="685800"/>
+            <a:ext cx="6092825" cy="3429000"/>
+          </a:xfrm>
+        </p:spPr>
+      </p:sp>
+      <p:sp>
+        <p:nvSpPr>
+          <p:cNvPr id="3" name="Заметки 2"/>
+          <p:cNvSpPr>
+            <a:spLocks noGrp="1"/>
+          </p:cNvSpPr>
+          <p:nvPr>
+            <p:ph type="body" idx="1"/>
+          </p:nvPr>
+        </p:nvSpPr>
+        <p:spPr/>
+        <p:txBody>
+          <a:bodyPr/>
+          <a:lstStyle/>
+          <a:p>
+            <a:endParaRPr lang="ru-RU" dirty="0"/>
+          </a:p>
+        </p:txBody>
+      </p:sp>
+    </p:spTree>
+    <p:extLst>
+      <p:ext uri="{BB962C8B-B14F-4D97-AF65-F5344CB8AC3E}">
+        <p14:creationId xmlns:p14="http://schemas.microsoft.com/office/powerpoint/2010/main" val="1834580168"/>
+      </p:ext>
+    </p:extLst>
   </p:cSld>
   <p:clrMapOvr>
     <a:masterClrMapping/>
@@ -2072,7 +2048,7 @@
             </a:lvl9pPr>
           </a:lstStyle>
           <a:p>
-            <a:endParaRPr/>
+            <a:endParaRPr dirty="0"/>
           </a:p>
         </p:txBody>
       </p:sp>
@@ -2205,7 +2181,7 @@
             </a:lvl9pPr>
           </a:lstStyle>
           <a:p>
-            <a:endParaRPr/>
+            <a:endParaRPr dirty="0"/>
           </a:p>
         </p:txBody>
       </p:sp>
@@ -2315,7 +2291,7 @@
               <a:rPr lang="ru-RU"/>
               <a:t>‹#›</a:t>
             </a:fld>
-            <a:endParaRPr/>
+            <a:endParaRPr dirty="0"/>
           </a:p>
         </p:txBody>
       </p:sp>
@@ -2879,7 +2855,7 @@
             </a:lvl9pPr>
           </a:lstStyle>
           <a:p>
-            <a:endParaRPr/>
+            <a:endParaRPr dirty="0"/>
           </a:p>
         </p:txBody>
       </p:sp>
@@ -3012,7 +2988,7 @@
             </a:lvl9pPr>
           </a:lstStyle>
           <a:p>
-            <a:endParaRPr/>
+            <a:endParaRPr dirty="0"/>
           </a:p>
         </p:txBody>
       </p:sp>
@@ -3122,7 +3098,7 @@
               <a:rPr lang="ru-RU"/>
               <a:t>‹#›</a:t>
             </a:fld>
-            <a:endParaRPr/>
+            <a:endParaRPr dirty="0"/>
           </a:p>
         </p:txBody>
       </p:sp>
@@ -3549,7 +3525,7 @@
             </a:lvl9pPr>
           </a:lstStyle>
           <a:p>
-            <a:endParaRPr/>
+            <a:endParaRPr dirty="0"/>
           </a:p>
         </p:txBody>
       </p:sp>
@@ -3682,7 +3658,7 @@
             </a:lvl9pPr>
           </a:lstStyle>
           <a:p>
-            <a:endParaRPr/>
+            <a:endParaRPr dirty="0"/>
           </a:p>
         </p:txBody>
       </p:sp>
@@ -3792,7 +3768,7 @@
               <a:rPr lang="ru-RU"/>
               <a:t>‹#›</a:t>
             </a:fld>
-            <a:endParaRPr/>
+            <a:endParaRPr dirty="0"/>
           </a:p>
         </p:txBody>
       </p:sp>
@@ -4219,7 +4195,7 @@
             </a:lvl9pPr>
           </a:lstStyle>
           <a:p>
-            <a:endParaRPr/>
+            <a:endParaRPr dirty="0"/>
           </a:p>
         </p:txBody>
       </p:sp>
@@ -4352,7 +4328,7 @@
             </a:lvl9pPr>
           </a:lstStyle>
           <a:p>
-            <a:endParaRPr/>
+            <a:endParaRPr dirty="0"/>
           </a:p>
         </p:txBody>
       </p:sp>
@@ -4462,7 +4438,7 @@
               <a:rPr lang="ru-RU"/>
               <a:t>‹#›</a:t>
             </a:fld>
-            <a:endParaRPr/>
+            <a:endParaRPr dirty="0"/>
           </a:p>
         </p:txBody>
       </p:sp>
@@ -4931,7 +4907,7 @@
             </a:lvl9pPr>
           </a:lstStyle>
           <a:p>
-            <a:endParaRPr/>
+            <a:endParaRPr dirty="0"/>
           </a:p>
         </p:txBody>
       </p:sp>
@@ -5064,7 +5040,7 @@
             </a:lvl9pPr>
           </a:lstStyle>
           <a:p>
-            <a:endParaRPr/>
+            <a:endParaRPr dirty="0"/>
           </a:p>
         </p:txBody>
       </p:sp>
@@ -5174,7 +5150,7 @@
               <a:rPr lang="ru-RU"/>
               <a:t>‹#›</a:t>
             </a:fld>
-            <a:endParaRPr/>
+            <a:endParaRPr dirty="0"/>
           </a:p>
         </p:txBody>
       </p:sp>
@@ -5734,7 +5710,7 @@
             </a:lvl9pPr>
           </a:lstStyle>
           <a:p>
-            <a:endParaRPr/>
+            <a:endParaRPr dirty="0"/>
           </a:p>
         </p:txBody>
       </p:sp>
@@ -5867,7 +5843,7 @@
             </a:lvl9pPr>
           </a:lstStyle>
           <a:p>
-            <a:endParaRPr/>
+            <a:endParaRPr dirty="0"/>
           </a:p>
         </p:txBody>
       </p:sp>
@@ -5977,7 +5953,7 @@
               <a:rPr lang="ru-RU"/>
               <a:t>‹#›</a:t>
             </a:fld>
-            <a:endParaRPr/>
+            <a:endParaRPr dirty="0"/>
           </a:p>
         </p:txBody>
       </p:sp>
@@ -6812,7 +6788,7 @@
             </a:lvl9pPr>
           </a:lstStyle>
           <a:p>
-            <a:endParaRPr/>
+            <a:endParaRPr dirty="0"/>
           </a:p>
         </p:txBody>
       </p:sp>
@@ -6945,7 +6921,7 @@
             </a:lvl9pPr>
           </a:lstStyle>
           <a:p>
-            <a:endParaRPr/>
+            <a:endParaRPr dirty="0"/>
           </a:p>
         </p:txBody>
       </p:sp>
@@ -7055,7 +7031,7 @@
               <a:rPr lang="ru-RU"/>
               <a:t>‹#›</a:t>
             </a:fld>
-            <a:endParaRPr/>
+            <a:endParaRPr dirty="0"/>
           </a:p>
         </p:txBody>
       </p:sp>
@@ -7349,7 +7325,7 @@
             </a:lvl9pPr>
           </a:lstStyle>
           <a:p>
-            <a:endParaRPr/>
+            <a:endParaRPr dirty="0"/>
           </a:p>
         </p:txBody>
       </p:sp>
@@ -7482,7 +7458,7 @@
             </a:lvl9pPr>
           </a:lstStyle>
           <a:p>
-            <a:endParaRPr/>
+            <a:endParaRPr dirty="0"/>
           </a:p>
         </p:txBody>
       </p:sp>
@@ -7592,7 +7568,7 @@
               <a:rPr lang="ru-RU"/>
               <a:t>‹#›</a:t>
             </a:fld>
-            <a:endParaRPr/>
+            <a:endParaRPr dirty="0"/>
           </a:p>
         </p:txBody>
       </p:sp>
@@ -7750,7 +7726,7 @@
             </a:lvl9pPr>
           </a:lstStyle>
           <a:p>
-            <a:endParaRPr/>
+            <a:endParaRPr dirty="0"/>
           </a:p>
         </p:txBody>
       </p:sp>
@@ -7883,7 +7859,7 @@
             </a:lvl9pPr>
           </a:lstStyle>
           <a:p>
-            <a:endParaRPr/>
+            <a:endParaRPr dirty="0"/>
           </a:p>
         </p:txBody>
       </p:sp>
@@ -7993,7 +7969,7 @@
               <a:rPr lang="ru-RU"/>
               <a:t>‹#›</a:t>
             </a:fld>
-            <a:endParaRPr/>
+            <a:endParaRPr dirty="0"/>
           </a:p>
         </p:txBody>
       </p:sp>
@@ -8558,7 +8534,7 @@
             </a:lvl9pPr>
           </a:lstStyle>
           <a:p>
-            <a:endParaRPr/>
+            <a:endParaRPr dirty="0"/>
           </a:p>
         </p:txBody>
       </p:sp>
@@ -8691,7 +8667,7 @@
             </a:lvl9pPr>
           </a:lstStyle>
           <a:p>
-            <a:endParaRPr/>
+            <a:endParaRPr dirty="0"/>
           </a:p>
         </p:txBody>
       </p:sp>
@@ -8801,7 +8777,7 @@
               <a:rPr lang="ru-RU"/>
               <a:t>‹#›</a:t>
             </a:fld>
-            <a:endParaRPr/>
+            <a:endParaRPr dirty="0"/>
           </a:p>
         </p:txBody>
       </p:sp>
@@ -9268,7 +9244,7 @@
             </a:lvl9pPr>
           </a:lstStyle>
           <a:p>
-            <a:endParaRPr/>
+            <a:endParaRPr dirty="0"/>
           </a:p>
         </p:txBody>
       </p:sp>
@@ -9401,7 +9377,7 @@
             </a:lvl9pPr>
           </a:lstStyle>
           <a:p>
-            <a:endParaRPr/>
+            <a:endParaRPr dirty="0"/>
           </a:p>
         </p:txBody>
       </p:sp>
@@ -9511,7 +9487,7 @@
               <a:rPr lang="ru-RU"/>
               <a:t>‹#›</a:t>
             </a:fld>
-            <a:endParaRPr/>
+            <a:endParaRPr dirty="0"/>
           </a:p>
         </p:txBody>
       </p:sp>
@@ -10140,7 +10116,7 @@
             </a:lvl9pPr>
           </a:lstStyle>
           <a:p>
-            <a:endParaRPr/>
+            <a:endParaRPr dirty="0"/>
           </a:p>
         </p:txBody>
       </p:sp>
@@ -10345,7 +10321,7 @@
             </a:lvl9pPr>
           </a:lstStyle>
           <a:p>
-            <a:endParaRPr/>
+            <a:endParaRPr dirty="0"/>
           </a:p>
         </p:txBody>
       </p:sp>
@@ -10527,7 +10503,7 @@
               <a:rPr lang="ru-RU"/>
               <a:t>‹#›</a:t>
             </a:fld>
-            <a:endParaRPr/>
+            <a:endParaRPr dirty="0"/>
           </a:p>
         </p:txBody>
       </p:sp>
@@ -11292,7 +11268,7 @@
               <a:buNone/>
             </a:pPr>
             <a:r>
-              <a:rPr lang="ru-RU" sz="2000" b="0" i="0" u="none" strike="noStrike" cap="none">
+              <a:rPr lang="ru-RU" sz="2000" b="0" i="0" u="none" strike="noStrike" cap="none" dirty="0">
                 <a:solidFill>
                   <a:schemeClr val="lt1"/>
                 </a:solidFill>
@@ -11303,7 +11279,9 @@
               </a:rPr>
               <a:t>МИНИСТЕРСТВО ОБРАЗОВАНИЯ КИРОВСКОЙ ОБЛАСТИ</a:t>
             </a:r>
-            <a:endParaRPr/>
+            <a:endParaRPr dirty="0">
+              <a:latin typeface="Abadi" panose="020B0604020104020204" pitchFamily="34" charset="0"/>
+            </a:endParaRPr>
           </a:p>
           <a:p>
             <a:pPr marL="0" marR="0" lvl="0" indent="0" algn="ctr" rtl="0">
@@ -11316,7 +11294,7 @@
               <a:buNone/>
             </a:pPr>
             <a:r>
-              <a:rPr lang="ru-RU" sz="2000" b="0" i="0" u="none" strike="noStrike" cap="none">
+              <a:rPr lang="ru-RU" sz="2000" b="0" i="0" u="none" strike="noStrike" cap="none" dirty="0">
                 <a:solidFill>
                   <a:schemeClr val="lt1"/>
                 </a:solidFill>
@@ -11327,7 +11305,9 @@
               </a:rPr>
               <a:t>Кировское областное государственное профессиональное</a:t>
             </a:r>
-            <a:endParaRPr/>
+            <a:endParaRPr dirty="0">
+              <a:latin typeface="Abadi" panose="020B0604020104020204" pitchFamily="34" charset="0"/>
+            </a:endParaRPr>
           </a:p>
           <a:p>
             <a:pPr marL="0" marR="0" lvl="0" indent="0" algn="ctr" rtl="0">
@@ -11340,7 +11320,7 @@
               <a:buNone/>
             </a:pPr>
             <a:r>
-              <a:rPr lang="ru-RU" sz="2000" b="0" i="0" u="none" strike="noStrike" cap="none">
+              <a:rPr lang="ru-RU" sz="2000" b="0" i="0" u="none" strike="noStrike" cap="none" dirty="0">
                 <a:solidFill>
                   <a:schemeClr val="lt1"/>
                 </a:solidFill>
@@ -11351,7 +11331,9 @@
               </a:rPr>
               <a:t>образовательное бюджетное учреждение </a:t>
             </a:r>
-            <a:endParaRPr/>
+            <a:endParaRPr dirty="0">
+              <a:latin typeface="Abadi" panose="020B0604020104020204" pitchFamily="34" charset="0"/>
+            </a:endParaRPr>
           </a:p>
           <a:p>
             <a:pPr marL="0" marR="0" lvl="0" indent="0" algn="ctr" rtl="0">
@@ -11364,7 +11346,7 @@
               <a:buNone/>
             </a:pPr>
             <a:r>
-              <a:rPr lang="ru-RU" sz="2000" b="0" i="0" u="none" strike="noStrike" cap="none">
+              <a:rPr lang="ru-RU" sz="2000" b="0" i="0" u="none" strike="noStrike" cap="none" dirty="0">
                 <a:solidFill>
                   <a:schemeClr val="lt1"/>
                 </a:solidFill>
@@ -11375,7 +11357,9 @@
               </a:rPr>
               <a:t>«Слободской колледж педагогики и социальных отношений»</a:t>
             </a:r>
-            <a:endParaRPr/>
+            <a:endParaRPr dirty="0">
+              <a:latin typeface="Abadi" panose="020B0604020104020204" pitchFamily="34" charset="0"/>
+            </a:endParaRPr>
           </a:p>
           <a:p>
             <a:pPr marL="0" marR="0" lvl="0" indent="0" algn="l" rtl="0">
@@ -11387,7 +11371,7 @@
               </a:spcAft>
               <a:buNone/>
             </a:pPr>
-            <a:endParaRPr sz="2000">
+            <a:endParaRPr sz="2000" dirty="0">
               <a:solidFill>
                 <a:schemeClr val="lt1"/>
               </a:solidFill>
@@ -11473,7 +11457,7 @@
               <a:buNone/>
             </a:pPr>
             <a:r>
-              <a:rPr lang="ru-RU" sz="2800" b="1" u="none">
+              <a:rPr lang="ru-RU" sz="2800" b="1" u="none" dirty="0">
                 <a:solidFill>
                   <a:schemeClr val="lt1"/>
                 </a:solidFill>
@@ -11485,7 +11469,7 @@
               <a:t>ОТЧЕТ</a:t>
             </a:r>
             <a:br>
-              <a:rPr lang="ru-RU" sz="2800" b="1" u="none">
+              <a:rPr lang="ru-RU" sz="2800" b="1" u="none" dirty="0">
                 <a:solidFill>
                   <a:schemeClr val="lt1"/>
                 </a:solidFill>
@@ -11496,7 +11480,7 @@
               </a:rPr>
             </a:br>
             <a:r>
-              <a:rPr lang="ru-RU" sz="2800" b="1" u="none">
+              <a:rPr lang="ru-RU" sz="2800" b="1" u="none" dirty="0">
                 <a:solidFill>
                   <a:schemeClr val="lt1"/>
                 </a:solidFill>
@@ -11508,7 +11492,7 @@
               <a:t> по учебной практике </a:t>
             </a:r>
             <a:br>
-              <a:rPr lang="ru-RU" sz="2800" b="1" u="none">
+              <a:rPr lang="ru-RU" sz="2800" b="1" u="none" dirty="0">
                 <a:solidFill>
                   <a:schemeClr val="lt1"/>
                 </a:solidFill>
@@ -11519,7 +11503,7 @@
               </a:rPr>
             </a:br>
             <a:r>
-              <a:rPr lang="ru-RU" sz="2800" b="1">
+              <a:rPr lang="ru-RU" sz="2800" b="1" dirty="0">
                 <a:solidFill>
                   <a:schemeClr val="lt1"/>
                 </a:solidFill>
@@ -11528,9 +11512,9 @@
                 <a:cs typeface="Times New Roman"/>
                 <a:sym typeface="Times New Roman"/>
               </a:rPr>
-              <a:t>ПМ 02. Разработка и администрирование баз данных</a:t>
+              <a:t>ПМ 02. Осуществление интеграции программных модулей</a:t>
             </a:r>
-            <a:endParaRPr sz="2800" b="1">
+            <a:endParaRPr sz="2800" b="1" dirty="0">
               <a:solidFill>
                 <a:schemeClr val="lt1"/>
               </a:solidFill>
@@ -11555,81 +11539,7 @@
               <a:buFont typeface="Times New Roman"/>
               <a:buNone/>
             </a:pPr>
-            <a:r>
-              <a:rPr lang="ru-RU" sz="2800" b="1">
-                <a:solidFill>
-                  <a:schemeClr val="lt1"/>
-                </a:solidFill>
-                <a:latin typeface="Times New Roman"/>
-                <a:ea typeface="Times New Roman"/>
-                <a:cs typeface="Times New Roman"/>
-                <a:sym typeface="Times New Roman"/>
-              </a:rPr>
-              <a:t>Тема: «Разработка базы данных </a:t>
-            </a:r>
-            <a:endParaRPr sz="2800" b="1">
-              <a:solidFill>
-                <a:schemeClr val="lt1"/>
-              </a:solidFill>
-              <a:latin typeface="Times New Roman"/>
-              <a:ea typeface="Times New Roman"/>
-              <a:cs typeface="Times New Roman"/>
-              <a:sym typeface="Times New Roman"/>
-            </a:endParaRPr>
-          </a:p>
-          <a:p>
-            <a:pPr marL="0" marR="0" lvl="0" indent="0" algn="ctr" rtl="0">
-              <a:spcBef>
-                <a:spcPts val="0"/>
-              </a:spcBef>
-              <a:spcAft>
-                <a:spcPts val="0"/>
-              </a:spcAft>
-              <a:buClr>
-                <a:schemeClr val="lt1"/>
-              </a:buClr>
-              <a:buSzPts val="2800"/>
-              <a:buFont typeface="Times New Roman"/>
-              <a:buNone/>
-            </a:pPr>
-            <a:r>
-              <a:rPr lang="ru-RU" sz="2800" b="1">
-                <a:solidFill>
-                  <a:schemeClr val="lt1"/>
-                </a:solidFill>
-                <a:latin typeface="Times New Roman"/>
-                <a:ea typeface="Times New Roman"/>
-                <a:cs typeface="Times New Roman"/>
-                <a:sym typeface="Times New Roman"/>
-              </a:rPr>
-              <a:t>«Медицинская лаборатория»</a:t>
-            </a:r>
-            <a:endParaRPr sz="2800" b="1">
-              <a:solidFill>
-                <a:schemeClr val="lt1"/>
-              </a:solidFill>
-              <a:latin typeface="Times New Roman"/>
-              <a:ea typeface="Times New Roman"/>
-              <a:cs typeface="Times New Roman"/>
-              <a:sym typeface="Times New Roman"/>
-            </a:endParaRPr>
-          </a:p>
-          <a:p>
-            <a:pPr marL="0" marR="0" lvl="0" indent="0" algn="ctr" rtl="0">
-              <a:spcBef>
-                <a:spcPts val="0"/>
-              </a:spcBef>
-              <a:spcAft>
-                <a:spcPts val="0"/>
-              </a:spcAft>
-              <a:buClr>
-                <a:schemeClr val="lt1"/>
-              </a:buClr>
-              <a:buSzPts val="2800"/>
-              <a:buFont typeface="Times New Roman"/>
-              <a:buNone/>
-            </a:pPr>
-            <a:endParaRPr sz="2800" b="1">
+            <a:endParaRPr sz="2800" b="1" dirty="0">
               <a:solidFill>
                 <a:schemeClr val="lt1"/>
               </a:solidFill>
@@ -11688,7 +11598,7 @@
               <a:buNone/>
             </a:pPr>
             <a:r>
-              <a:rPr lang="ru-RU" sz="1400" b="0" u="none">
+              <a:rPr lang="ru-RU" sz="1400" b="0" u="none" dirty="0">
                 <a:solidFill>
                   <a:schemeClr val="lt1"/>
                 </a:solidFill>
@@ -11699,7 +11609,9 @@
               </a:rPr>
               <a:t>Студент очного отделения</a:t>
             </a:r>
-            <a:endParaRPr/>
+            <a:endParaRPr dirty="0">
+              <a:latin typeface="Abadi" panose="020B0604020104020204" pitchFamily="34" charset="0"/>
+            </a:endParaRPr>
           </a:p>
           <a:p>
             <a:pPr marL="3150870" marR="0" lvl="0" indent="0" algn="l" rtl="0">
@@ -11717,7 +11629,7 @@
               <a:buNone/>
             </a:pPr>
             <a:r>
-              <a:rPr lang="ru-RU" sz="1400" b="0" u="none">
+              <a:rPr lang="ru-RU" sz="1400" b="0" u="none" dirty="0">
                 <a:solidFill>
                   <a:schemeClr val="lt1"/>
                 </a:solidFill>
@@ -11729,7 +11641,7 @@
               <a:t>Поляков</a:t>
             </a:r>
             <a:r>
-              <a:rPr lang="ru-RU">
+              <a:rPr lang="ru-RU" dirty="0">
                 <a:solidFill>
                   <a:schemeClr val="lt1"/>
                 </a:solidFill>
@@ -11741,7 +11653,7 @@
               <a:t> </a:t>
             </a:r>
             <a:r>
-              <a:rPr lang="ru-RU" sz="1400" b="0" u="none">
+              <a:rPr lang="ru-RU" sz="1400" b="0" u="none" dirty="0">
                 <a:solidFill>
                   <a:schemeClr val="lt1"/>
                 </a:solidFill>
@@ -11752,7 +11664,7 @@
               </a:rPr>
               <a:t>Максим Евгеньевич</a:t>
             </a:r>
-            <a:endParaRPr sz="1400" b="0" u="none">
+            <a:endParaRPr sz="1400" b="0" u="none" dirty="0">
               <a:solidFill>
                 <a:schemeClr val="lt1"/>
               </a:solidFill>
@@ -11778,7 +11690,7 @@
               <a:buNone/>
             </a:pPr>
             <a:r>
-              <a:rPr lang="ru-RU" sz="1400" b="0" u="none">
+              <a:rPr lang="ru-RU" sz="1400" b="0" u="none" dirty="0">
                 <a:solidFill>
                   <a:schemeClr val="lt1"/>
                 </a:solidFill>
@@ -11789,7 +11701,9 @@
               </a:rPr>
               <a:t>Группа 21П-1</a:t>
             </a:r>
-            <a:endParaRPr/>
+            <a:endParaRPr dirty="0">
+              <a:latin typeface="Abadi" panose="020B0604020104020204" pitchFamily="34" charset="0"/>
+            </a:endParaRPr>
           </a:p>
           <a:p>
             <a:pPr marL="3150870" marR="0" lvl="0" indent="0" algn="l" rtl="0">
@@ -11807,7 +11721,7 @@
               <a:buNone/>
             </a:pPr>
             <a:r>
-              <a:rPr lang="ru-RU" sz="1400" b="0" u="none">
+              <a:rPr lang="ru-RU" sz="1400" b="0" u="none" dirty="0">
                 <a:solidFill>
                   <a:schemeClr val="lt1"/>
                 </a:solidFill>
@@ -11818,7 +11732,9 @@
               </a:rPr>
               <a:t>Специальность  09.02.07 </a:t>
             </a:r>
-            <a:endParaRPr/>
+            <a:endParaRPr dirty="0">
+              <a:latin typeface="Abadi" panose="020B0604020104020204" pitchFamily="34" charset="0"/>
+            </a:endParaRPr>
           </a:p>
           <a:p>
             <a:pPr marL="3150870" marR="0" lvl="0" indent="0" algn="l" rtl="0">
@@ -11836,7 +11752,7 @@
               <a:buNone/>
             </a:pPr>
             <a:r>
-              <a:rPr lang="ru-RU" sz="1400" b="0" u="none">
+              <a:rPr lang="ru-RU" sz="1400" b="0" u="none" dirty="0">
                 <a:solidFill>
                   <a:schemeClr val="lt1"/>
                 </a:solidFill>
@@ -11847,7 +11763,9 @@
               </a:rPr>
               <a:t>Информационные системы и программирование </a:t>
             </a:r>
-            <a:endParaRPr/>
+            <a:endParaRPr dirty="0">
+              <a:latin typeface="Abadi" panose="020B0604020104020204" pitchFamily="34" charset="0"/>
+            </a:endParaRPr>
           </a:p>
           <a:p>
             <a:pPr marL="3150870" marR="0" lvl="0" indent="0" algn="l" rtl="0">
@@ -11865,7 +11783,7 @@
               <a:buNone/>
             </a:pPr>
             <a:r>
-              <a:rPr lang="ru-RU" sz="1400" b="0" u="none">
+              <a:rPr lang="ru-RU" sz="1400" b="0" u="none" dirty="0">
                 <a:solidFill>
                   <a:schemeClr val="lt1"/>
                 </a:solidFill>
@@ -11876,7 +11794,9 @@
               </a:rPr>
               <a:t>Руководитель практики от колледжа:</a:t>
             </a:r>
-            <a:endParaRPr/>
+            <a:endParaRPr dirty="0">
+              <a:latin typeface="Abadi" panose="020B0604020104020204" pitchFamily="34" charset="0"/>
+            </a:endParaRPr>
           </a:p>
           <a:p>
             <a:pPr marL="3150870" marR="0" lvl="0" indent="0" algn="l" rtl="0">
@@ -11894,7 +11814,7 @@
               <a:buNone/>
             </a:pPr>
             <a:r>
-              <a:rPr lang="ru-RU">
+              <a:rPr lang="ru-RU" dirty="0">
                 <a:solidFill>
                   <a:schemeClr val="lt1"/>
                 </a:solidFill>
@@ -11905,7 +11825,9 @@
               </a:rPr>
               <a:t>Калинин Арсений Олегович</a:t>
             </a:r>
-            <a:endParaRPr/>
+            <a:endParaRPr dirty="0">
+              <a:latin typeface="Abadi" panose="020B0604020104020204" pitchFamily="34" charset="0"/>
+            </a:endParaRPr>
           </a:p>
         </p:txBody>
       </p:sp>
@@ -11918,364 +11840,6 @@
 </file>
 
 <file path=ppt/slides/slide10.xml><?xml version="1.0" encoding="utf-8"?>
-<p:sld xmlns:a="http://schemas.openxmlformats.org/drawingml/2006/main" xmlns:r="http://schemas.openxmlformats.org/officeDocument/2006/relationships" xmlns:p="http://schemas.openxmlformats.org/presentationml/2006/main">
-  <p:cSld>
-    <p:spTree>
-      <p:nvGrpSpPr>
-        <p:cNvPr id="1" name="Shape 149"/>
-        <p:cNvGrpSpPr/>
-        <p:nvPr/>
-      </p:nvGrpSpPr>
-      <p:grpSpPr>
-        <a:xfrm>
-          <a:off x="0" y="0"/>
-          <a:ext cx="0" cy="0"/>
-          <a:chOff x="0" y="0"/>
-          <a:chExt cx="0" cy="0"/>
-        </a:xfrm>
-      </p:grpSpPr>
-      <p:sp>
-        <p:nvSpPr>
-          <p:cNvPr id="150" name="Google Shape;150;p22"/>
-          <p:cNvSpPr txBox="1">
-            <a:spLocks noGrp="1"/>
-          </p:cNvSpPr>
-          <p:nvPr>
-            <p:ph type="title"/>
-          </p:nvPr>
-        </p:nvSpPr>
-        <p:spPr>
-          <a:xfrm>
-            <a:off x="609521" y="274638"/>
-            <a:ext cx="10971300" cy="1143000"/>
-          </a:xfrm>
-          <a:prstGeom prst="rect">
-            <a:avLst/>
-          </a:prstGeom>
-        </p:spPr>
-        <p:txBody>
-          <a:bodyPr spcFirstLastPara="1" wrap="square" lIns="91425" tIns="45700" rIns="91425" bIns="45700" anchor="ctr" anchorCtr="0">
-            <a:normAutofit/>
-          </a:bodyPr>
-          <a:lstStyle/>
-          <a:p>
-            <a:pPr lvl="0">
-              <a:spcBef>
-                <a:spcPts val="560"/>
-              </a:spcBef>
-            </a:pPr>
-            <a:r>
-              <a:rPr lang="ru-RU" sz="3200" dirty="0">
-                <a:solidFill>
-                  <a:schemeClr val="lt1"/>
-                </a:solidFill>
-                <a:latin typeface="Book Antiqua"/>
-                <a:ea typeface="Book Antiqua"/>
-                <a:cs typeface="Book Antiqua"/>
-                <a:sym typeface="Book Antiqua"/>
-              </a:rPr>
-              <a:t>Руководство оператора</a:t>
-            </a:r>
-            <a:r>
-              <a:rPr lang="en-US" sz="3200" dirty="0">
-                <a:solidFill>
-                  <a:schemeClr val="lt1"/>
-                </a:solidFill>
-                <a:latin typeface="Book Antiqua"/>
-                <a:ea typeface="Book Antiqua"/>
-                <a:cs typeface="Book Antiqua"/>
-                <a:sym typeface="Book Antiqua"/>
-              </a:rPr>
-              <a:t> </a:t>
-            </a:r>
-            <a:r>
-              <a:rPr lang="ru-RU" sz="3200" dirty="0">
-                <a:solidFill>
-                  <a:schemeClr val="lt1"/>
-                </a:solidFill>
-                <a:latin typeface="Book Antiqua"/>
-                <a:ea typeface="Book Antiqua"/>
-                <a:cs typeface="Book Antiqua"/>
-                <a:sym typeface="Book Antiqua"/>
-              </a:rPr>
-              <a:t>по программе </a:t>
-            </a:r>
-            <a:br>
-              <a:rPr lang="ru-RU" sz="3200" dirty="0">
-                <a:solidFill>
-                  <a:schemeClr val="lt1"/>
-                </a:solidFill>
-                <a:latin typeface="Book Antiqua"/>
-                <a:ea typeface="Book Antiqua"/>
-                <a:cs typeface="Book Antiqua"/>
-                <a:sym typeface="Book Antiqua"/>
-              </a:rPr>
-            </a:br>
-            <a:r>
-              <a:rPr lang="ru-RU" sz="3200" dirty="0">
-                <a:solidFill>
-                  <a:schemeClr val="lt1"/>
-                </a:solidFill>
-                <a:latin typeface="Book Antiqua"/>
-                <a:ea typeface="Book Antiqua"/>
-                <a:cs typeface="Book Antiqua"/>
-                <a:sym typeface="Book Antiqua"/>
-              </a:rPr>
-              <a:t>Телефонный справочник</a:t>
-            </a:r>
-            <a:endParaRPr sz="3200" dirty="0">
-              <a:latin typeface="Book Antiqua"/>
-              <a:ea typeface="Book Antiqua"/>
-              <a:cs typeface="Book Antiqua"/>
-              <a:sym typeface="Book Antiqua"/>
-            </a:endParaRPr>
-          </a:p>
-        </p:txBody>
-      </p:sp>
-      <p:pic>
-        <p:nvPicPr>
-          <p:cNvPr id="3074" name="Picture 2"/>
-          <p:cNvPicPr>
-            <a:picLocks noChangeAspect="1" noChangeArrowheads="1"/>
-          </p:cNvPicPr>
-          <p:nvPr/>
-        </p:nvPicPr>
-        <p:blipFill>
-          <a:blip r:embed="rId3">
-            <a:extLst>
-              <a:ext uri="{28A0092B-C50C-407E-A947-70E740481C1C}">
-                <a14:useLocalDpi xmlns:a14="http://schemas.microsoft.com/office/drawing/2010/main" val="0"/>
-              </a:ext>
-            </a:extLst>
-          </a:blip>
-          <a:srcRect/>
-          <a:stretch>
-            <a:fillRect/>
-          </a:stretch>
-        </p:blipFill>
-        <p:spPr bwMode="auto">
-          <a:xfrm>
-            <a:off x="449983" y="1741095"/>
-            <a:ext cx="4638675" cy="3762375"/>
-          </a:xfrm>
-          <a:prstGeom prst="rect">
-            <a:avLst/>
-          </a:prstGeom>
-          <a:noFill/>
-          <a:ln>
-            <a:noFill/>
-          </a:ln>
-          <a:effectLst/>
-          <a:extLst>
-            <a:ext uri="{909E8E84-426E-40DD-AFC4-6F175D3DCCD1}">
-              <a14:hiddenFill xmlns:a14="http://schemas.microsoft.com/office/drawing/2010/main">
-                <a:solidFill>
-                  <a:schemeClr val="accent1"/>
-                </a:solidFill>
-              </a14:hiddenFill>
-            </a:ext>
-            <a:ext uri="{91240B29-F687-4F45-9708-019B960494DF}">
-              <a14:hiddenLine xmlns:a14="http://schemas.microsoft.com/office/drawing/2010/main" w="9525">
-                <a:solidFill>
-                  <a:schemeClr val="tx1"/>
-                </a:solidFill>
-                <a:miter lim="800000"/>
-                <a:headEnd/>
-                <a:tailEnd/>
-              </a14:hiddenLine>
-            </a:ext>
-            <a:ext uri="{AF507438-7753-43E0-B8FC-AC1667EBCBE1}">
-              <a14:hiddenEffects xmlns:a14="http://schemas.microsoft.com/office/drawing/2010/main">
-                <a:effectLst>
-                  <a:outerShdw dist="35921" dir="2700000" algn="ctr" rotWithShape="0">
-                    <a:schemeClr val="bg2"/>
-                  </a:outerShdw>
-                </a:effectLst>
-              </a14:hiddenEffects>
-            </a:ext>
-          </a:extLst>
-        </p:spPr>
-      </p:pic>
-      <p:pic>
-        <p:nvPicPr>
-          <p:cNvPr id="3075" name="Picture 3"/>
-          <p:cNvPicPr>
-            <a:picLocks noChangeAspect="1" noChangeArrowheads="1"/>
-          </p:cNvPicPr>
-          <p:nvPr/>
-        </p:nvPicPr>
-        <p:blipFill rotWithShape="1">
-          <a:blip r:embed="rId4">
-            <a:extLst>
-              <a:ext uri="{28A0092B-C50C-407E-A947-70E740481C1C}">
-                <a14:useLocalDpi xmlns:a14="http://schemas.microsoft.com/office/drawing/2010/main" val="0"/>
-              </a:ext>
-            </a:extLst>
-          </a:blip>
-          <a:srcRect l="1398" b="2195"/>
-          <a:stretch/>
-        </p:blipFill>
-        <p:spPr bwMode="auto">
-          <a:xfrm>
-            <a:off x="5830785" y="1452810"/>
-            <a:ext cx="5459197" cy="4338947"/>
-          </a:xfrm>
-          <a:prstGeom prst="rect">
-            <a:avLst/>
-          </a:prstGeom>
-          <a:noFill/>
-          <a:ln>
-            <a:noFill/>
-          </a:ln>
-          <a:effectLst/>
-          <a:extLst>
-            <a:ext uri="{909E8E84-426E-40DD-AFC4-6F175D3DCCD1}">
-              <a14:hiddenFill xmlns:a14="http://schemas.microsoft.com/office/drawing/2010/main">
-                <a:solidFill>
-                  <a:schemeClr val="accent1"/>
-                </a:solidFill>
-              </a14:hiddenFill>
-            </a:ext>
-            <a:ext uri="{91240B29-F687-4F45-9708-019B960494DF}">
-              <a14:hiddenLine xmlns:a14="http://schemas.microsoft.com/office/drawing/2010/main" w="9525">
-                <a:solidFill>
-                  <a:schemeClr val="tx1"/>
-                </a:solidFill>
-                <a:miter lim="800000"/>
-                <a:headEnd/>
-                <a:tailEnd/>
-              </a14:hiddenLine>
-            </a:ext>
-            <a:ext uri="{AF507438-7753-43E0-B8FC-AC1667EBCBE1}">
-              <a14:hiddenEffects xmlns:a14="http://schemas.microsoft.com/office/drawing/2010/main">
-                <a:effectLst>
-                  <a:outerShdw dist="35921" dir="2700000" algn="ctr" rotWithShape="0">
-                    <a:schemeClr val="bg2"/>
-                  </a:outerShdw>
-                </a:effectLst>
-              </a14:hiddenEffects>
-            </a:ext>
-          </a:extLst>
-        </p:spPr>
-      </p:pic>
-      <p:sp>
-        <p:nvSpPr>
-          <p:cNvPr id="5" name="TextBox 4"/>
-          <p:cNvSpPr txBox="1"/>
-          <p:nvPr/>
-        </p:nvSpPr>
-        <p:spPr>
-          <a:xfrm>
-            <a:off x="5830784" y="5935700"/>
-            <a:ext cx="5459197" cy="492443"/>
-          </a:xfrm>
-          <a:prstGeom prst="rect">
-            <a:avLst/>
-          </a:prstGeom>
-          <a:noFill/>
-        </p:spPr>
-        <p:txBody>
-          <a:bodyPr wrap="square" rtlCol="0">
-            <a:spAutoFit/>
-          </a:bodyPr>
-          <a:lstStyle/>
-          <a:p>
-            <a:pPr algn="ctr"/>
-            <a:r>
-              <a:rPr lang="ru-RU" sz="2600" dirty="0" smtClean="0">
-                <a:solidFill>
-                  <a:schemeClr val="bg1"/>
-                </a:solidFill>
-                <a:latin typeface="Book Antiqua" pitchFamily="18" charset="0"/>
-              </a:rPr>
-              <a:t>Окно сохранения в </a:t>
-            </a:r>
-            <a:r>
-              <a:rPr lang="en-US" sz="2600" dirty="0" err="1" smtClean="0">
-                <a:solidFill>
-                  <a:schemeClr val="bg1"/>
-                </a:solidFill>
-                <a:latin typeface="Book Antiqua" pitchFamily="18" charset="0"/>
-              </a:rPr>
-              <a:t>csv</a:t>
-            </a:r>
-            <a:r>
-              <a:rPr lang="en-US" sz="2600" dirty="0" smtClean="0">
-                <a:solidFill>
-                  <a:schemeClr val="bg1"/>
-                </a:solidFill>
-                <a:latin typeface="Book Antiqua" pitchFamily="18" charset="0"/>
-              </a:rPr>
-              <a:t> </a:t>
-            </a:r>
-            <a:r>
-              <a:rPr lang="ru-RU" sz="2600" dirty="0" smtClean="0">
-                <a:solidFill>
-                  <a:schemeClr val="bg1"/>
-                </a:solidFill>
-                <a:latin typeface="Book Antiqua" pitchFamily="18" charset="0"/>
-              </a:rPr>
-              <a:t>файл</a:t>
-            </a:r>
-            <a:endParaRPr lang="ru-RU" sz="2600" dirty="0">
-              <a:solidFill>
-                <a:schemeClr val="bg1"/>
-              </a:solidFill>
-              <a:latin typeface="Book Antiqua" pitchFamily="18" charset="0"/>
-            </a:endParaRPr>
-          </a:p>
-        </p:txBody>
-      </p:sp>
-      <p:sp>
-        <p:nvSpPr>
-          <p:cNvPr id="13" name="TextBox 12"/>
-          <p:cNvSpPr txBox="1"/>
-          <p:nvPr/>
-        </p:nvSpPr>
-        <p:spPr>
-          <a:xfrm>
-            <a:off x="449982" y="5514760"/>
-            <a:ext cx="4638675" cy="892552"/>
-          </a:xfrm>
-          <a:prstGeom prst="rect">
-            <a:avLst/>
-          </a:prstGeom>
-          <a:noFill/>
-        </p:spPr>
-        <p:txBody>
-          <a:bodyPr wrap="square" rtlCol="0">
-            <a:spAutoFit/>
-          </a:bodyPr>
-          <a:lstStyle/>
-          <a:p>
-            <a:pPr algn="ctr"/>
-            <a:r>
-              <a:rPr lang="ru-RU" sz="2600" dirty="0" smtClean="0">
-                <a:solidFill>
-                  <a:schemeClr val="bg1"/>
-                </a:solidFill>
-                <a:latin typeface="Book Antiqua" pitchFamily="18" charset="0"/>
-              </a:rPr>
-              <a:t>Окно редактирования контактов</a:t>
-            </a:r>
-            <a:endParaRPr lang="ru-RU" sz="2600" dirty="0">
-              <a:solidFill>
-                <a:schemeClr val="bg1"/>
-              </a:solidFill>
-              <a:latin typeface="Book Antiqua" pitchFamily="18" charset="0"/>
-            </a:endParaRPr>
-          </a:p>
-        </p:txBody>
-      </p:sp>
-    </p:spTree>
-  </p:cSld>
-  <p:clrMapOvr>
-    <a:masterClrMapping/>
-  </p:clrMapOvr>
-</p:sld>
-</file>
-
-<file path=ppt/slides/slide11.xml><?xml version="1.0" encoding="utf-8"?>
 <p:sld xmlns:a="http://schemas.openxmlformats.org/drawingml/2006/main" xmlns:r="http://schemas.openxmlformats.org/officeDocument/2006/relationships" xmlns:p="http://schemas.openxmlformats.org/presentationml/2006/main">
   <p:cSld>
     <p:spTree>
@@ -12319,73 +11883,17 @@
                 <a:solidFill>
                   <a:schemeClr val="lt1"/>
                 </a:solidFill>
-                <a:latin typeface="Book Antiqua"/>
+                <a:latin typeface="Times New Roman" panose="02020603050405020304" pitchFamily="18" charset="0"/>
                 <a:ea typeface="Book Antiqua"/>
-                <a:cs typeface="Book Antiqua"/>
+                <a:cs typeface="Times New Roman" panose="02020603050405020304" pitchFamily="18" charset="0"/>
                 <a:sym typeface="Book Antiqua"/>
               </a:rPr>
-              <a:t>Руководство оператора</a:t>
+              <a:t>Решение ЗЛП симплекс-методом</a:t>
             </a:r>
-            <a:r>
-              <a:rPr lang="en-US" sz="3200" dirty="0">
-                <a:solidFill>
-                  <a:schemeClr val="lt1"/>
-                </a:solidFill>
-                <a:latin typeface="Book Antiqua"/>
-                <a:ea typeface="Book Antiqua"/>
-                <a:cs typeface="Book Antiqua"/>
-                <a:sym typeface="Book Antiqua"/>
-              </a:rPr>
-              <a:t> </a:t>
-            </a:r>
-            <a:r>
-              <a:rPr lang="ru-RU" sz="3200" dirty="0">
-                <a:solidFill>
-                  <a:schemeClr val="lt1"/>
-                </a:solidFill>
-                <a:latin typeface="Book Antiqua"/>
-                <a:ea typeface="Book Antiqua"/>
-                <a:cs typeface="Book Antiqua"/>
-                <a:sym typeface="Book Antiqua"/>
-              </a:rPr>
-              <a:t>по программе </a:t>
-            </a:r>
-            <a:br>
-              <a:rPr lang="ru-RU" sz="3200" dirty="0">
-                <a:solidFill>
-                  <a:schemeClr val="lt1"/>
-                </a:solidFill>
-                <a:latin typeface="Book Antiqua"/>
-                <a:ea typeface="Book Antiqua"/>
-                <a:cs typeface="Book Antiqua"/>
-                <a:sym typeface="Book Antiqua"/>
-              </a:rPr>
-            </a:br>
-            <a:r>
-              <a:rPr lang="ru-RU" sz="3200" dirty="0">
-                <a:solidFill>
-                  <a:schemeClr val="lt1"/>
-                </a:solidFill>
-                <a:latin typeface="Book Antiqua"/>
-                <a:ea typeface="Book Antiqua"/>
-                <a:cs typeface="Book Antiqua"/>
-                <a:sym typeface="Book Antiqua"/>
-              </a:rPr>
-              <a:t>Решение </a:t>
-            </a:r>
-            <a:r>
-              <a:rPr lang="ru-RU" sz="3200" dirty="0" smtClean="0">
-                <a:solidFill>
-                  <a:schemeClr val="lt1"/>
-                </a:solidFill>
-                <a:latin typeface="Book Antiqua"/>
-                <a:ea typeface="Book Antiqua"/>
-                <a:cs typeface="Book Antiqua"/>
-                <a:sym typeface="Book Antiqua"/>
-              </a:rPr>
-              <a:t>ЗЛП симплекс-методом</a:t>
-            </a:r>
-            <a:endParaRPr lang="ru-RU" sz="3200" dirty="0"/>
+            <a:endParaRPr lang="ru-RU" sz="3200" dirty="0">
+              <a:latin typeface="Times New Roman" panose="02020603050405020304" pitchFamily="18" charset="0"/>
+              <a:cs typeface="Times New Roman" panose="02020603050405020304" pitchFamily="18" charset="0"/>
+            </a:endParaRPr>
           </a:p>
         </p:txBody>
       </p:sp>
@@ -12461,7 +11969,8 @@
                 <a:solidFill>
                   <a:schemeClr val="bg1"/>
                 </a:solidFill>
-                <a:latin typeface="Book Antiqua" pitchFamily="18" charset="0"/>
+                <a:latin typeface="Times New Roman" panose="02020603050405020304" pitchFamily="18" charset="0"/>
+                <a:cs typeface="Times New Roman" panose="02020603050405020304" pitchFamily="18" charset="0"/>
               </a:rPr>
               <a:t>Главная страница</a:t>
             </a:r>
@@ -12496,7 +12005,8 @@
                 <a:solidFill>
                   <a:schemeClr val="bg1"/>
                 </a:solidFill>
-                <a:latin typeface="Book Antiqua" pitchFamily="18" charset="0"/>
+                <a:latin typeface="Times New Roman" panose="02020603050405020304" pitchFamily="18" charset="0"/>
+                <a:cs typeface="Times New Roman" panose="02020603050405020304" pitchFamily="18" charset="0"/>
               </a:rPr>
               <a:t>Окно ввода данных</a:t>
             </a:r>
@@ -12516,7 +12026,7 @@
 </p:sld>
 </file>
 
-<file path=ppt/slides/slide12.xml><?xml version="1.0" encoding="utf-8"?>
+<file path=ppt/slides/slide11.xml><?xml version="1.0" encoding="utf-8"?>
 <p:sld xmlns:a="http://schemas.openxmlformats.org/drawingml/2006/main" xmlns:r="http://schemas.openxmlformats.org/officeDocument/2006/relationships" xmlns:p="http://schemas.openxmlformats.org/presentationml/2006/main">
   <p:cSld>
     <p:spTree>
@@ -12555,73 +12065,17 @@
                 <a:solidFill>
                   <a:schemeClr val="lt1"/>
                 </a:solidFill>
-                <a:latin typeface="Book Antiqua"/>
+                <a:latin typeface="Times New Roman" panose="02020603050405020304" pitchFamily="18" charset="0"/>
                 <a:ea typeface="Book Antiqua"/>
-                <a:cs typeface="Book Antiqua"/>
+                <a:cs typeface="Times New Roman" panose="02020603050405020304" pitchFamily="18" charset="0"/>
                 <a:sym typeface="Book Antiqua"/>
               </a:rPr>
-              <a:t>Руководство оператора</a:t>
+              <a:t>Решение ЗЛП графическим методом</a:t>
             </a:r>
-            <a:r>
-              <a:rPr lang="en-US" sz="3200" dirty="0">
-                <a:solidFill>
-                  <a:schemeClr val="lt1"/>
-                </a:solidFill>
-                <a:latin typeface="Book Antiqua"/>
-                <a:ea typeface="Book Antiqua"/>
-                <a:cs typeface="Book Antiqua"/>
-                <a:sym typeface="Book Antiqua"/>
-              </a:rPr>
-              <a:t> </a:t>
-            </a:r>
-            <a:r>
-              <a:rPr lang="ru-RU" sz="3200" dirty="0">
-                <a:solidFill>
-                  <a:schemeClr val="lt1"/>
-                </a:solidFill>
-                <a:latin typeface="Book Antiqua"/>
-                <a:ea typeface="Book Antiqua"/>
-                <a:cs typeface="Book Antiqua"/>
-                <a:sym typeface="Book Antiqua"/>
-              </a:rPr>
-              <a:t>по программе </a:t>
-            </a:r>
-            <a:br>
-              <a:rPr lang="ru-RU" sz="3200" dirty="0">
-                <a:solidFill>
-                  <a:schemeClr val="lt1"/>
-                </a:solidFill>
-                <a:latin typeface="Book Antiqua"/>
-                <a:ea typeface="Book Antiqua"/>
-                <a:cs typeface="Book Antiqua"/>
-                <a:sym typeface="Book Antiqua"/>
-              </a:rPr>
-            </a:br>
-            <a:r>
-              <a:rPr lang="ru-RU" sz="3200" dirty="0">
-                <a:solidFill>
-                  <a:schemeClr val="lt1"/>
-                </a:solidFill>
-                <a:latin typeface="Book Antiqua"/>
-                <a:ea typeface="Book Antiqua"/>
-                <a:cs typeface="Book Antiqua"/>
-                <a:sym typeface="Book Antiqua"/>
-              </a:rPr>
-              <a:t>Решение </a:t>
-            </a:r>
-            <a:r>
-              <a:rPr lang="ru-RU" sz="3200" dirty="0" smtClean="0">
-                <a:solidFill>
-                  <a:schemeClr val="lt1"/>
-                </a:solidFill>
-                <a:latin typeface="Book Antiqua"/>
-                <a:ea typeface="Book Antiqua"/>
-                <a:cs typeface="Book Antiqua"/>
-                <a:sym typeface="Book Antiqua"/>
-              </a:rPr>
-              <a:t>ЗЛП графическим методом</a:t>
-            </a:r>
-            <a:endParaRPr lang="ru-RU" sz="3200" dirty="0"/>
+            <a:endParaRPr lang="ru-RU" sz="3200" dirty="0">
+              <a:latin typeface="Times New Roman" panose="02020603050405020304" pitchFamily="18" charset="0"/>
+              <a:cs typeface="Times New Roman" panose="02020603050405020304" pitchFamily="18" charset="0"/>
+            </a:endParaRPr>
           </a:p>
         </p:txBody>
       </p:sp>
@@ -12762,7 +12216,7 @@
         <p:spPr>
           <a:xfrm>
             <a:off x="1341912" y="5498937"/>
-            <a:ext cx="2767104" cy="492443"/>
+            <a:ext cx="2525050" cy="492443"/>
           </a:xfrm>
           <a:prstGeom prst="rect">
             <a:avLst/>
@@ -12776,20 +12230,15 @@
           <a:lstStyle/>
           <a:p>
             <a:r>
-              <a:rPr lang="ru-RU" sz="2600" dirty="0" smtClean="0">
+              <a:rPr lang="ru-RU" sz="2600" dirty="0">
                 <a:solidFill>
                   <a:schemeClr val="bg1"/>
                 </a:solidFill>
-                <a:latin typeface="Book Antiqua" pitchFamily="18" charset="0"/>
+                <a:latin typeface="Times New Roman" panose="02020603050405020304" pitchFamily="18" charset="0"/>
+                <a:cs typeface="Times New Roman" panose="02020603050405020304" pitchFamily="18" charset="0"/>
               </a:rPr>
               <a:t>Окно задачи №1</a:t>
             </a:r>
-            <a:endParaRPr lang="ru-RU" sz="2600" dirty="0">
-              <a:solidFill>
-                <a:schemeClr val="bg1"/>
-              </a:solidFill>
-              <a:latin typeface="Book Antiqua" pitchFamily="18" charset="0"/>
-            </a:endParaRPr>
           </a:p>
         </p:txBody>
       </p:sp>
@@ -12802,7 +12251,7 @@
         <p:spPr>
           <a:xfrm>
             <a:off x="7569764" y="5613003"/>
-            <a:ext cx="2783134" cy="492443"/>
+            <a:ext cx="2525050" cy="492443"/>
           </a:xfrm>
           <a:prstGeom prst="rect">
             <a:avLst/>
@@ -12816,20 +12265,15 @@
           <a:lstStyle/>
           <a:p>
             <a:r>
-              <a:rPr lang="ru-RU" sz="2600" dirty="0" smtClean="0">
+              <a:rPr lang="ru-RU" sz="2600" dirty="0">
                 <a:solidFill>
                   <a:schemeClr val="bg1"/>
                 </a:solidFill>
-                <a:latin typeface="Book Antiqua" pitchFamily="18" charset="0"/>
+                <a:latin typeface="Times New Roman" panose="02020603050405020304" pitchFamily="18" charset="0"/>
+                <a:cs typeface="Times New Roman" panose="02020603050405020304" pitchFamily="18" charset="0"/>
               </a:rPr>
               <a:t>Окно задачи №2</a:t>
             </a:r>
-            <a:endParaRPr lang="ru-RU" sz="2600" dirty="0">
-              <a:solidFill>
-                <a:schemeClr val="bg1"/>
-              </a:solidFill>
-              <a:latin typeface="Book Antiqua" pitchFamily="18" charset="0"/>
-            </a:endParaRPr>
           </a:p>
         </p:txBody>
       </p:sp>
@@ -12846,7 +12290,7 @@
 </p:sld>
 </file>
 
-<file path=ppt/slides/slide13.xml><?xml version="1.0" encoding="utf-8"?>
+<file path=ppt/slides/slide12.xml><?xml version="1.0" encoding="utf-8"?>
 <p:sld xmlns:a="http://schemas.openxmlformats.org/drawingml/2006/main" xmlns:r="http://schemas.openxmlformats.org/officeDocument/2006/relationships" xmlns:p="http://schemas.openxmlformats.org/presentationml/2006/main">
   <p:cSld>
     <p:spTree>
@@ -12885,7 +12329,8 @@
                 <a:solidFill>
                   <a:schemeClr val="bg1"/>
                 </a:solidFill>
-                <a:latin typeface="Book Antiqua" pitchFamily="18" charset="0"/>
+                <a:latin typeface="Times New Roman" panose="02020603050405020304" pitchFamily="18" charset="0"/>
+                <a:cs typeface="Times New Roman" panose="02020603050405020304" pitchFamily="18" charset="0"/>
               </a:rPr>
               <a:t>Тестирование приложения </a:t>
             </a:r>
@@ -12894,7 +12339,8 @@
                 <a:solidFill>
                   <a:schemeClr val="bg1"/>
                 </a:solidFill>
-                <a:latin typeface="Book Antiqua" pitchFamily="18" charset="0"/>
+                <a:latin typeface="Times New Roman" panose="02020603050405020304" pitchFamily="18" charset="0"/>
+                <a:cs typeface="Times New Roman" panose="02020603050405020304" pitchFamily="18" charset="0"/>
               </a:rPr>
             </a:br>
             <a:r>
@@ -12902,11 +12348,15 @@
                 <a:solidFill>
                   <a:schemeClr val="bg1"/>
                 </a:solidFill>
-                <a:latin typeface="Book Antiqua" pitchFamily="18" charset="0"/>
+                <a:latin typeface="Times New Roman" panose="02020603050405020304" pitchFamily="18" charset="0"/>
+                <a:cs typeface="Times New Roman" panose="02020603050405020304" pitchFamily="18" charset="0"/>
               </a:rPr>
               <a:t>(Медицинская лаборатория)</a:t>
             </a:r>
-            <a:endParaRPr lang="ru-RU" dirty="0"/>
+            <a:endParaRPr lang="ru-RU" dirty="0">
+              <a:latin typeface="Times New Roman" panose="02020603050405020304" pitchFamily="18" charset="0"/>
+              <a:cs typeface="Times New Roman" panose="02020603050405020304" pitchFamily="18" charset="0"/>
+            </a:endParaRPr>
           </a:p>
         </p:txBody>
       </p:sp>
@@ -12919,14 +12369,14 @@
           <p:nvPr>
             <p:extLst>
               <p:ext uri="{D42A27DB-BD31-4B8C-83A1-F6EECF244321}">
-                <p14:modId xmlns:p14="http://schemas.microsoft.com/office/powerpoint/2010/main" val="3919636215"/>
+                <p14:modId xmlns:p14="http://schemas.microsoft.com/office/powerpoint/2010/main" val="1877972860"/>
               </p:ext>
             </p:extLst>
           </p:nvPr>
         </p:nvGraphicFramePr>
         <p:xfrm>
           <a:off x="209853" y="1735369"/>
-          <a:ext cx="5965316" cy="4279237"/>
+          <a:ext cx="5965316" cy="4175774"/>
         </p:xfrm>
         <a:graphic>
           <a:graphicData uri="http://schemas.openxmlformats.org/drawingml/2006/table">
@@ -12935,8 +12385,20 @@
                 <a:tableStyleId>{5C22544A-7EE6-4342-B048-85BDC9FD1C3A}</a:tableStyleId>
               </a:tblPr>
               <a:tblGrid>
-                <a:gridCol w="1722805"/>
-                <a:gridCol w="4242511"/>
+                <a:gridCol w="1722805">
+                  <a:extLst>
+                    <a:ext uri="{9D8B030D-6E8A-4147-A177-3AD203B41FA5}">
+                      <a16:colId xmlns:a16="http://schemas.microsoft.com/office/drawing/2014/main" val="20000"/>
+                    </a:ext>
+                  </a:extLst>
+                </a:gridCol>
+                <a:gridCol w="4242511">
+                  <a:extLst>
+                    <a:ext uri="{9D8B030D-6E8A-4147-A177-3AD203B41FA5}">
+                      <a16:colId xmlns:a16="http://schemas.microsoft.com/office/drawing/2014/main" val="20001"/>
+                    </a:ext>
+                  </a:extLst>
+                </a:gridCol>
               </a:tblGrid>
               <a:tr h="200748">
                 <a:tc>
@@ -12953,16 +12415,10 @@
                         </a:spcAft>
                       </a:pPr>
                       <a:r>
-                        <a:rPr lang="ru-RU" sz="1200" dirty="0" err="1">
-                          <a:effectLst/>
-                        </a:rPr>
-                        <a:t>TestCase</a:t>
-                      </a:r>
-                      <a:r>
                         <a:rPr lang="ru-RU" sz="1200" dirty="0">
                           <a:effectLst/>
                         </a:rPr>
-                        <a:t> #</a:t>
+                        <a:t>TestCase #</a:t>
                       </a:r>
                       <a:endParaRPr lang="ru-RU" sz="1100" dirty="0">
                         <a:effectLst/>
@@ -12988,12 +12444,12 @@
                         </a:spcAft>
                       </a:pPr>
                       <a:r>
-                        <a:rPr lang="ru-RU" sz="1100">
+                        <a:rPr lang="ru-RU" sz="1100" dirty="0">
                           <a:effectLst/>
                         </a:rPr>
                         <a:t>1</a:t>
                       </a:r>
-                      <a:endParaRPr lang="ru-RU" sz="1100">
+                      <a:endParaRPr lang="ru-RU" sz="1100" dirty="0">
                         <a:effectLst/>
                         <a:latin typeface="Calibri"/>
                         <a:ea typeface="Calibri"/>
@@ -13003,6 +12459,11 @@
                   </a:txBody>
                   <a:tcPr marL="68580" marR="68580" marT="0" marB="0"/>
                 </a:tc>
+                <a:extLst>
+                  <a:ext uri="{0D108BD9-81ED-4DB2-BD59-A6C34878D82A}">
+                    <a16:rowId xmlns:a16="http://schemas.microsoft.com/office/drawing/2014/main" val="10000"/>
+                  </a:ext>
+                </a:extLst>
               </a:tr>
               <a:tr h="200748">
                 <a:tc>
@@ -13019,12 +12480,12 @@
                         </a:spcAft>
                       </a:pPr>
                       <a:r>
-                        <a:rPr lang="ru-RU" sz="1200">
+                        <a:rPr lang="ru-RU" sz="1200" dirty="0">
                           <a:effectLst/>
                         </a:rPr>
                         <a:t>Приоритет теста</a:t>
                       </a:r>
-                      <a:endParaRPr lang="ru-RU" sz="1100">
+                      <a:endParaRPr lang="ru-RU" sz="1100" dirty="0">
                         <a:effectLst/>
                         <a:latin typeface="Calibri"/>
                         <a:ea typeface="Calibri"/>
@@ -13048,12 +12509,12 @@
                         </a:spcAft>
                       </a:pPr>
                       <a:r>
-                        <a:rPr lang="ru-RU" sz="1100">
+                        <a:rPr lang="ru-RU" sz="1100" dirty="0">
                           <a:effectLst/>
                         </a:rPr>
                         <a:t>Высокий</a:t>
                       </a:r>
-                      <a:endParaRPr lang="ru-RU" sz="1100">
+                      <a:endParaRPr lang="ru-RU" sz="1100" dirty="0">
                         <a:effectLst/>
                         <a:latin typeface="Calibri"/>
                         <a:ea typeface="Calibri"/>
@@ -13063,6 +12524,11 @@
                   </a:txBody>
                   <a:tcPr marL="68580" marR="68580" marT="0" marB="0"/>
                 </a:tc>
+                <a:extLst>
+                  <a:ext uri="{0D108BD9-81ED-4DB2-BD59-A6C34878D82A}">
+                    <a16:rowId xmlns:a16="http://schemas.microsoft.com/office/drawing/2014/main" val="10001"/>
+                  </a:ext>
+                </a:extLst>
               </a:tr>
               <a:tr h="415294">
                 <a:tc>
@@ -13079,12 +12545,12 @@
                         </a:spcAft>
                       </a:pPr>
                       <a:r>
-                        <a:rPr lang="ru-RU" sz="1200">
+                        <a:rPr lang="ru-RU" sz="1200" dirty="0">
                           <a:effectLst/>
                         </a:rPr>
                         <a:t>Название тестирования/Имя</a:t>
                       </a:r>
-                      <a:endParaRPr lang="ru-RU" sz="1100">
+                      <a:endParaRPr lang="ru-RU" sz="1100" dirty="0">
                         <a:effectLst/>
                         <a:latin typeface="Calibri"/>
                         <a:ea typeface="Calibri"/>
@@ -13108,12 +12574,12 @@
                         </a:spcAft>
                       </a:pPr>
                       <a:r>
-                        <a:rPr lang="ru-RU" sz="1100">
+                        <a:rPr lang="ru-RU" sz="1100" dirty="0">
                           <a:effectLst/>
                         </a:rPr>
                         <a:t>Авторизация пользователя</a:t>
                       </a:r>
-                      <a:endParaRPr lang="ru-RU" sz="1100">
+                      <a:endParaRPr lang="ru-RU" sz="1100" dirty="0">
                         <a:effectLst/>
                         <a:latin typeface="Calibri"/>
                         <a:ea typeface="Calibri"/>
@@ -13123,6 +12589,11 @@
                   </a:txBody>
                   <a:tcPr marL="68580" marR="68580" marT="0" marB="0"/>
                 </a:tc>
+                <a:extLst>
+                  <a:ext uri="{0D108BD9-81ED-4DB2-BD59-A6C34878D82A}">
+                    <a16:rowId xmlns:a16="http://schemas.microsoft.com/office/drawing/2014/main" val="10002"/>
+                  </a:ext>
+                </a:extLst>
               </a:tr>
               <a:tr h="380703">
                 <a:tc>
@@ -13139,12 +12610,12 @@
                         </a:spcAft>
                       </a:pPr>
                       <a:r>
-                        <a:rPr lang="ru-RU" sz="1200">
+                        <a:rPr lang="ru-RU" sz="1200" dirty="0">
                           <a:effectLst/>
                         </a:rPr>
                         <a:t>Резюме испытания</a:t>
                       </a:r>
-                      <a:endParaRPr lang="ru-RU" sz="1100">
+                      <a:endParaRPr lang="ru-RU" sz="1100" dirty="0">
                         <a:effectLst/>
                         <a:latin typeface="Calibri"/>
                         <a:ea typeface="Calibri"/>
@@ -13168,12 +12639,12 @@
                         </a:spcAft>
                       </a:pPr>
                       <a:r>
-                        <a:rPr lang="ru-RU" sz="1100">
+                        <a:rPr lang="ru-RU" sz="1100" dirty="0">
                           <a:effectLst/>
                         </a:rPr>
                         <a:t>Проверить процесс авторизации пользователя в приложении медицинская лаборатория.</a:t>
                       </a:r>
-                      <a:endParaRPr lang="ru-RU" sz="1100">
+                      <a:endParaRPr lang="ru-RU" sz="1100" dirty="0">
                         <a:effectLst/>
                         <a:latin typeface="Calibri"/>
                         <a:ea typeface="Calibri"/>
@@ -13183,6 +12654,11 @@
                   </a:txBody>
                   <a:tcPr marL="68580" marR="68580" marT="0" marB="0"/>
                 </a:tc>
+                <a:extLst>
+                  <a:ext uri="{0D108BD9-81ED-4DB2-BD59-A6C34878D82A}">
+                    <a16:rowId xmlns:a16="http://schemas.microsoft.com/office/drawing/2014/main" val="10003"/>
+                  </a:ext>
+                </a:extLst>
               </a:tr>
               <a:tr h="774037">
                 <a:tc>
@@ -13199,12 +12675,12 @@
                         </a:spcAft>
                       </a:pPr>
                       <a:r>
-                        <a:rPr lang="ru-RU" sz="1200">
+                        <a:rPr lang="ru-RU" sz="1200" dirty="0">
                           <a:effectLst/>
                         </a:rPr>
                         <a:t>Шаги тестирования</a:t>
                       </a:r>
-                      <a:endParaRPr lang="ru-RU" sz="1100">
+                      <a:endParaRPr lang="ru-RU" sz="1100" dirty="0">
                         <a:effectLst/>
                         <a:latin typeface="Calibri"/>
                         <a:ea typeface="Calibri"/>
@@ -13230,7 +12706,7 @@
                         <a:buAutoNum type="arabicPeriod"/>
                       </a:pPr>
                       <a:r>
-                        <a:rPr lang="ru-RU" sz="1100">
+                        <a:rPr lang="ru-RU" sz="1100" dirty="0">
                           <a:effectLst/>
                         </a:rPr>
                         <a:t>Открыть приложение медицинская лаборатория.</a:t>
@@ -13248,7 +12724,7 @@
                         <a:buAutoNum type="arabicPeriod"/>
                       </a:pPr>
                       <a:r>
-                        <a:rPr lang="ru-RU" sz="1100">
+                        <a:rPr lang="ru-RU" sz="1100" dirty="0">
                           <a:effectLst/>
                         </a:rPr>
                         <a:t>Нажать кнопку «Войти» в верхней части экрана.</a:t>
@@ -13266,7 +12742,7 @@
                         <a:buAutoNum type="arabicPeriod"/>
                       </a:pPr>
                       <a:r>
-                        <a:rPr lang="ru-RU" sz="1100">
+                        <a:rPr lang="ru-RU" sz="1100" dirty="0">
                           <a:effectLst/>
                         </a:rPr>
                         <a:t>Ввести имя пользователя и пароль.</a:t>
@@ -13284,12 +12760,12 @@
                         <a:buAutoNum type="arabicPeriod"/>
                       </a:pPr>
                       <a:r>
-                        <a:rPr lang="ru-RU" sz="1100">
+                        <a:rPr lang="ru-RU" sz="1100" dirty="0">
                           <a:effectLst/>
                         </a:rPr>
                         <a:t>Нажать кнопку «Войти».</a:t>
                       </a:r>
-                      <a:endParaRPr lang="ru-RU" sz="1100">
+                      <a:endParaRPr lang="ru-RU" sz="1100" dirty="0">
                         <a:effectLst/>
                         <a:latin typeface="Calibri"/>
                         <a:ea typeface="Calibri"/>
@@ -13299,6 +12775,11 @@
                   </a:txBody>
                   <a:tcPr marL="68580" marR="68580" marT="0" marB="0"/>
                 </a:tc>
+                <a:extLst>
+                  <a:ext uri="{0D108BD9-81ED-4DB2-BD59-A6C34878D82A}">
+                    <a16:rowId xmlns:a16="http://schemas.microsoft.com/office/drawing/2014/main" val="10004"/>
+                  </a:ext>
+                </a:extLst>
               </a:tr>
               <a:tr h="380703">
                 <a:tc>
@@ -13315,12 +12796,12 @@
                         </a:spcAft>
                       </a:pPr>
                       <a:r>
-                        <a:rPr lang="ru-RU" sz="1200">
+                        <a:rPr lang="ru-RU" sz="1200" dirty="0">
                           <a:effectLst/>
                         </a:rPr>
                         <a:t>Данные тестирования</a:t>
                       </a:r>
-                      <a:endParaRPr lang="ru-RU" sz="1100">
+                      <a:endParaRPr lang="ru-RU" sz="1100" dirty="0">
                         <a:effectLst/>
                         <a:latin typeface="Calibri"/>
                         <a:ea typeface="Calibri"/>
@@ -13346,7 +12827,7 @@
                         <a:buChar char=""/>
                       </a:pPr>
                       <a:r>
-                        <a:rPr lang="ru-RU" sz="1100">
+                        <a:rPr lang="ru-RU" sz="1100" dirty="0">
                           <a:effectLst/>
                         </a:rPr>
                         <a:t>имя пользователя: test_user</a:t>
@@ -13364,12 +12845,12 @@
                         <a:buChar char=""/>
                       </a:pPr>
                       <a:r>
-                        <a:rPr lang="ru-RU" sz="1100">
+                        <a:rPr lang="ru-RU" sz="1100" dirty="0">
                           <a:effectLst/>
                         </a:rPr>
                         <a:t>пароль: password</a:t>
                       </a:r>
-                      <a:endParaRPr lang="ru-RU" sz="1100">
+                      <a:endParaRPr lang="ru-RU" sz="1100" dirty="0">
                         <a:effectLst/>
                         <a:latin typeface="Calibri"/>
                         <a:ea typeface="Calibri"/>
@@ -13379,6 +12860,11 @@
                   </a:txBody>
                   <a:tcPr marL="68580" marR="68580" marT="0" marB="0"/>
                 </a:tc>
+                <a:extLst>
+                  <a:ext uri="{0D108BD9-81ED-4DB2-BD59-A6C34878D82A}">
+                    <a16:rowId xmlns:a16="http://schemas.microsoft.com/office/drawing/2014/main" val="10005"/>
+                  </a:ext>
+                </a:extLst>
               </a:tr>
               <a:tr h="200748">
                 <a:tc>
@@ -13395,12 +12881,12 @@
                         </a:spcAft>
                       </a:pPr>
                       <a:r>
-                        <a:rPr lang="ru-RU" sz="1200">
+                        <a:rPr lang="ru-RU" sz="1200" dirty="0">
                           <a:effectLst/>
                         </a:rPr>
                         <a:t>Ожидаемый результат</a:t>
                       </a:r>
-                      <a:endParaRPr lang="ru-RU" sz="1100">
+                      <a:endParaRPr lang="ru-RU" sz="1100" dirty="0">
                         <a:effectLst/>
                         <a:latin typeface="Calibri"/>
                         <a:ea typeface="Calibri"/>
@@ -13424,12 +12910,12 @@
                         </a:spcAft>
                       </a:pPr>
                       <a:r>
-                        <a:rPr lang="ru-RU" sz="1100">
+                        <a:rPr lang="ru-RU" sz="1100" dirty="0">
                           <a:effectLst/>
                         </a:rPr>
                         <a:t>Пользователь успешно авторизуется в системе.</a:t>
                       </a:r>
-                      <a:endParaRPr lang="ru-RU" sz="1100">
+                      <a:endParaRPr lang="ru-RU" sz="1100" dirty="0">
                         <a:effectLst/>
                         <a:latin typeface="Calibri"/>
                         <a:ea typeface="Calibri"/>
@@ -13439,6 +12925,11 @@
                   </a:txBody>
                   <a:tcPr marL="68580" marR="68580" marT="0" marB="0"/>
                 </a:tc>
+                <a:extLst>
+                  <a:ext uri="{0D108BD9-81ED-4DB2-BD59-A6C34878D82A}">
+                    <a16:rowId xmlns:a16="http://schemas.microsoft.com/office/drawing/2014/main" val="10006"/>
+                  </a:ext>
+                </a:extLst>
               </a:tr>
               <a:tr h="200748">
                 <a:tc>
@@ -13455,12 +12946,12 @@
                         </a:spcAft>
                       </a:pPr>
                       <a:r>
-                        <a:rPr lang="ru-RU" sz="1200">
+                        <a:rPr lang="ru-RU" sz="1200" dirty="0">
                           <a:effectLst/>
                         </a:rPr>
                         <a:t>Фактический результат</a:t>
                       </a:r>
-                      <a:endParaRPr lang="ru-RU" sz="1100">
+                      <a:endParaRPr lang="ru-RU" sz="1100" dirty="0">
                         <a:effectLst/>
                         <a:latin typeface="Calibri"/>
                         <a:ea typeface="Calibri"/>
@@ -13484,12 +12975,12 @@
                         </a:spcAft>
                       </a:pPr>
                       <a:r>
-                        <a:rPr lang="ru-RU" sz="1100">
+                        <a:rPr lang="ru-RU" sz="1100" dirty="0">
                           <a:effectLst/>
                         </a:rPr>
                         <a:t>Пользователь успешно авторизуется в системе.</a:t>
                       </a:r>
-                      <a:endParaRPr lang="ru-RU" sz="1100">
+                      <a:endParaRPr lang="ru-RU" sz="1100" dirty="0">
                         <a:effectLst/>
                         <a:latin typeface="Calibri"/>
                         <a:ea typeface="Calibri"/>
@@ -13499,6 +12990,11 @@
                   </a:txBody>
                   <a:tcPr marL="68580" marR="68580" marT="0" marB="0"/>
                 </a:tc>
+                <a:extLst>
+                  <a:ext uri="{0D108BD9-81ED-4DB2-BD59-A6C34878D82A}">
+                    <a16:rowId xmlns:a16="http://schemas.microsoft.com/office/drawing/2014/main" val="10007"/>
+                  </a:ext>
+                </a:extLst>
               </a:tr>
               <a:tr h="380703">
                 <a:tc>
@@ -13515,12 +13011,12 @@
                         </a:spcAft>
                       </a:pPr>
                       <a:r>
-                        <a:rPr lang="ru-RU" sz="1200">
+                        <a:rPr lang="ru-RU" sz="1200" dirty="0">
                           <a:effectLst/>
                         </a:rPr>
                         <a:t>Предпосылки</a:t>
                       </a:r>
-                      <a:endParaRPr lang="ru-RU" sz="1100">
+                      <a:endParaRPr lang="ru-RU" sz="1100" dirty="0">
                         <a:effectLst/>
                         <a:latin typeface="Calibri"/>
                         <a:ea typeface="Calibri"/>
@@ -13544,12 +13040,12 @@
                         </a:spcAft>
                       </a:pPr>
                       <a:r>
-                        <a:rPr lang="ru-RU" sz="1100">
+                        <a:rPr lang="ru-RU" sz="1100" dirty="0">
                           <a:effectLst/>
                         </a:rPr>
                         <a:t>Пользователь ранее зарегистрировался в приложении медицинская лаборатория.</a:t>
                       </a:r>
-                      <a:endParaRPr lang="ru-RU" sz="1100">
+                      <a:endParaRPr lang="ru-RU" sz="1100" dirty="0">
                         <a:effectLst/>
                         <a:latin typeface="Calibri"/>
                         <a:ea typeface="Calibri"/>
@@ -13559,6 +13055,11 @@
                   </a:txBody>
                   <a:tcPr marL="68580" marR="68580" marT="0" marB="0"/>
                 </a:tc>
+                <a:extLst>
+                  <a:ext uri="{0D108BD9-81ED-4DB2-BD59-A6C34878D82A}">
+                    <a16:rowId xmlns:a16="http://schemas.microsoft.com/office/drawing/2014/main" val="10008"/>
+                  </a:ext>
+                </a:extLst>
               </a:tr>
               <a:tr h="200748">
                 <a:tc>
@@ -13575,12 +13076,12 @@
                         </a:spcAft>
                       </a:pPr>
                       <a:r>
-                        <a:rPr lang="ru-RU" sz="1200">
+                        <a:rPr lang="ru-RU" sz="1200" dirty="0">
                           <a:effectLst/>
                         </a:rPr>
                         <a:t>Постусловия</a:t>
                       </a:r>
-                      <a:endParaRPr lang="ru-RU" sz="1100">
+                      <a:endParaRPr lang="ru-RU" sz="1100" dirty="0">
                         <a:effectLst/>
                         <a:latin typeface="Calibri"/>
                         <a:ea typeface="Calibri"/>
@@ -13619,6 +13120,11 @@
                   </a:txBody>
                   <a:tcPr marL="68580" marR="68580" marT="0" marB="0"/>
                 </a:tc>
+                <a:extLst>
+                  <a:ext uri="{0D108BD9-81ED-4DB2-BD59-A6C34878D82A}">
+                    <a16:rowId xmlns:a16="http://schemas.microsoft.com/office/drawing/2014/main" val="10009"/>
+                  </a:ext>
+                </a:extLst>
               </a:tr>
               <a:tr h="200748">
                 <a:tc>
@@ -13635,12 +13141,12 @@
                         </a:spcAft>
                       </a:pPr>
                       <a:r>
-                        <a:rPr lang="ru-RU" sz="1200">
+                        <a:rPr lang="ru-RU" sz="1200" dirty="0">
                           <a:effectLst/>
                         </a:rPr>
                         <a:t>Статус (Pass/Fail)</a:t>
                       </a:r>
-                      <a:endParaRPr lang="ru-RU" sz="1100">
+                      <a:endParaRPr lang="ru-RU" sz="1100" dirty="0">
                         <a:effectLst/>
                         <a:latin typeface="Calibri"/>
                         <a:ea typeface="Calibri"/>
@@ -13664,12 +13170,13 @@
                         </a:spcAft>
                       </a:pPr>
                       <a:r>
-                        <a:rPr lang="en-US" sz="1100">
+                        <a:rPr lang="en-US" sz="1100" dirty="0">
                           <a:effectLst/>
+                          <a:latin typeface="Abadi" panose="020B0604020104020204" pitchFamily="34" charset="0"/>
                         </a:rPr>
                         <a:t>Pass</a:t>
                       </a:r>
-                      <a:endParaRPr lang="ru-RU" sz="1100">
+                      <a:endParaRPr lang="ru-RU" sz="1100" dirty="0">
                         <a:effectLst/>
                         <a:latin typeface="Calibri"/>
                         <a:ea typeface="Calibri"/>
@@ -13679,6 +13186,11 @@
                   </a:txBody>
                   <a:tcPr marL="68580" marR="68580" marT="0" marB="0"/>
                 </a:tc>
+                <a:extLst>
+                  <a:ext uri="{0D108BD9-81ED-4DB2-BD59-A6C34878D82A}">
+                    <a16:rowId xmlns:a16="http://schemas.microsoft.com/office/drawing/2014/main" val="10010"/>
+                  </a:ext>
+                </a:extLst>
               </a:tr>
               <a:tr h="200748">
                 <a:tc>
@@ -13695,12 +13207,12 @@
                         </a:spcAft>
                       </a:pPr>
                       <a:r>
-                        <a:rPr lang="ru-RU" sz="1200">
+                        <a:rPr lang="ru-RU" sz="1200" dirty="0">
                           <a:effectLst/>
                         </a:rPr>
                         <a:t>Комментарии</a:t>
                       </a:r>
-                      <a:endParaRPr lang="ru-RU" sz="1100">
+                      <a:endParaRPr lang="ru-RU" sz="1100" dirty="0">
                         <a:effectLst/>
                         <a:latin typeface="Calibri"/>
                         <a:ea typeface="Calibri"/>
@@ -13739,6 +13251,11 @@
                   </a:txBody>
                   <a:tcPr marL="68580" marR="68580" marT="0" marB="0"/>
                 </a:tc>
+                <a:extLst>
+                  <a:ext uri="{0D108BD9-81ED-4DB2-BD59-A6C34878D82A}">
+                    <a16:rowId xmlns:a16="http://schemas.microsoft.com/office/drawing/2014/main" val="10011"/>
+                  </a:ext>
+                </a:extLst>
               </a:tr>
             </a:tbl>
           </a:graphicData>
@@ -13770,16 +13287,18 @@
                 <a:solidFill>
                   <a:schemeClr val="bg1"/>
                 </a:solidFill>
-                <a:latin typeface="Book Antiqua" pitchFamily="18" charset="0"/>
+                <a:latin typeface="Times New Roman" panose="02020603050405020304" pitchFamily="18" charset="0"/>
+                <a:cs typeface="Times New Roman" panose="02020603050405020304" pitchFamily="18" charset="0"/>
               </a:rPr>
               <a:t>Использование </a:t>
             </a:r>
             <a:r>
-              <a:rPr lang="en-US" sz="2600" dirty="0" err="1">
+              <a:rPr lang="en-US" sz="2600" dirty="0">
                 <a:solidFill>
                   <a:schemeClr val="bg1"/>
                 </a:solidFill>
-                <a:latin typeface="Book Antiqua" pitchFamily="18" charset="0"/>
+                <a:latin typeface="Times New Roman" panose="02020603050405020304" pitchFamily="18" charset="0"/>
+                <a:cs typeface="Times New Roman" panose="02020603050405020304" pitchFamily="18" charset="0"/>
               </a:rPr>
               <a:t>TestCase</a:t>
             </a:r>
@@ -13787,7 +13306,8 @@
               <a:solidFill>
                 <a:schemeClr val="bg1"/>
               </a:solidFill>
-              <a:latin typeface="Book Antiqua" pitchFamily="18" charset="0"/>
+              <a:latin typeface="Times New Roman" panose="02020603050405020304" pitchFamily="18" charset="0"/>
+              <a:cs typeface="Times New Roman" panose="02020603050405020304" pitchFamily="18" charset="0"/>
             </a:endParaRPr>
           </a:p>
         </p:txBody>
@@ -13865,7 +13385,7 @@
         <p:spPr>
           <a:xfrm>
             <a:off x="7283174" y="6179691"/>
-            <a:ext cx="4025461" cy="492443"/>
+            <a:ext cx="3700052" cy="492443"/>
           </a:xfrm>
           <a:prstGeom prst="rect">
             <a:avLst/>
@@ -13882,24 +13402,27 @@
                 <a:solidFill>
                   <a:schemeClr val="bg1"/>
                 </a:solidFill>
-                <a:latin typeface="Book Antiqua" pitchFamily="18" charset="0"/>
+                <a:latin typeface="Times New Roman" panose="02020603050405020304" pitchFamily="18" charset="0"/>
+                <a:cs typeface="Times New Roman" panose="02020603050405020304" pitchFamily="18" charset="0"/>
               </a:rPr>
               <a:t>Использование </a:t>
             </a:r>
             <a:r>
-              <a:rPr lang="en-US" sz="2600" dirty="0" err="1">
+              <a:rPr lang="en-US" sz="2600" dirty="0">
                 <a:solidFill>
                   <a:schemeClr val="bg1"/>
                 </a:solidFill>
-                <a:latin typeface="Book Antiqua" pitchFamily="18" charset="0"/>
+                <a:latin typeface="Times New Roman" panose="02020603050405020304" pitchFamily="18" charset="0"/>
+                <a:cs typeface="Times New Roman" panose="02020603050405020304" pitchFamily="18" charset="0"/>
               </a:rPr>
-              <a:t>UnitCase</a:t>
+              <a:t>UnitTest</a:t>
             </a:r>
             <a:endParaRPr lang="ru-RU" sz="2600" dirty="0">
               <a:solidFill>
                 <a:schemeClr val="bg1"/>
               </a:solidFill>
-              <a:latin typeface="Book Antiqua" pitchFamily="18" charset="0"/>
+              <a:latin typeface="Times New Roman" panose="02020603050405020304" pitchFamily="18" charset="0"/>
+              <a:cs typeface="Times New Roman" panose="02020603050405020304" pitchFamily="18" charset="0"/>
             </a:endParaRPr>
           </a:p>
         </p:txBody>
@@ -13917,7 +13440,7 @@
 </p:sld>
 </file>
 
-<file path=ppt/slides/slide14.xml><?xml version="1.0" encoding="utf-8"?>
+<file path=ppt/slides/slide13.xml><?xml version="1.0" encoding="utf-8"?>
 <p:sld xmlns:a="http://schemas.openxmlformats.org/drawingml/2006/main" xmlns:r="http://schemas.openxmlformats.org/officeDocument/2006/relationships" xmlns:p="http://schemas.openxmlformats.org/presentationml/2006/main">
   <p:cSld>
     <p:spTree>
@@ -13956,7 +13479,8 @@
                 <a:solidFill>
                   <a:schemeClr val="bg1"/>
                 </a:solidFill>
-                <a:latin typeface="Book Antiqua" pitchFamily="18" charset="0"/>
+                <a:latin typeface="Times New Roman" panose="02020603050405020304" pitchFamily="18" charset="0"/>
+                <a:cs typeface="Times New Roman" panose="02020603050405020304" pitchFamily="18" charset="0"/>
               </a:rPr>
               <a:t>Тестирование приложения </a:t>
             </a:r>
@@ -13965,7 +13489,8 @@
                 <a:solidFill>
                   <a:schemeClr val="bg1"/>
                 </a:solidFill>
-                <a:latin typeface="Book Antiqua" pitchFamily="18" charset="0"/>
+                <a:latin typeface="Times New Roman" panose="02020603050405020304" pitchFamily="18" charset="0"/>
+                <a:cs typeface="Times New Roman" panose="02020603050405020304" pitchFamily="18" charset="0"/>
               </a:rPr>
             </a:br>
             <a:r>
@@ -13973,11 +13498,15 @@
                 <a:solidFill>
                   <a:schemeClr val="bg1"/>
                 </a:solidFill>
-                <a:latin typeface="Book Antiqua" pitchFamily="18" charset="0"/>
+                <a:latin typeface="Times New Roman" panose="02020603050405020304" pitchFamily="18" charset="0"/>
+                <a:cs typeface="Times New Roman" panose="02020603050405020304" pitchFamily="18" charset="0"/>
               </a:rPr>
               <a:t>(Медицинская лаборатория)</a:t>
             </a:r>
-            <a:endParaRPr lang="ru-RU" dirty="0"/>
+            <a:endParaRPr lang="ru-RU" dirty="0">
+              <a:latin typeface="Times New Roman" panose="02020603050405020304" pitchFamily="18" charset="0"/>
+              <a:cs typeface="Times New Roman" panose="02020603050405020304" pitchFamily="18" charset="0"/>
+            </a:endParaRPr>
           </a:p>
         </p:txBody>
       </p:sp>
@@ -14025,9 +13554,27 @@
                 <a:tableStyleId>{5C22544A-7EE6-4342-B048-85BDC9FD1C3A}</a:tableStyleId>
               </a:tblPr>
               <a:tblGrid>
-                <a:gridCol w="2615140"/>
-                <a:gridCol w="3474399"/>
-                <a:gridCol w="5429527"/>
+                <a:gridCol w="2615140">
+                  <a:extLst>
+                    <a:ext uri="{9D8B030D-6E8A-4147-A177-3AD203B41FA5}">
+                      <a16:colId xmlns:a16="http://schemas.microsoft.com/office/drawing/2014/main" val="20000"/>
+                    </a:ext>
+                  </a:extLst>
+                </a:gridCol>
+                <a:gridCol w="3474399">
+                  <a:extLst>
+                    <a:ext uri="{9D8B030D-6E8A-4147-A177-3AD203B41FA5}">
+                      <a16:colId xmlns:a16="http://schemas.microsoft.com/office/drawing/2014/main" val="20001"/>
+                    </a:ext>
+                  </a:extLst>
+                </a:gridCol>
+                <a:gridCol w="5429527">
+                  <a:extLst>
+                    <a:ext uri="{9D8B030D-6E8A-4147-A177-3AD203B41FA5}">
+                      <a16:colId xmlns:a16="http://schemas.microsoft.com/office/drawing/2014/main" val="20002"/>
+                    </a:ext>
+                  </a:extLst>
+                </a:gridCol>
               </a:tblGrid>
               <a:tr h="769152">
                 <a:tc>
@@ -14120,7 +13667,7 @@
                           <a:spcPts val="0"/>
                         </a:spcAft>
                       </a:pPr>
-                      <a:endParaRPr lang="ru-RU" sz="900" dirty="0" smtClean="0">
+                      <a:endParaRPr lang="ru-RU" sz="900" dirty="0">
                         <a:effectLst/>
                       </a:endParaRPr>
                     </a:p>
@@ -14134,16 +13681,10 @@
                         </a:spcAft>
                       </a:pPr>
                       <a:r>
-                        <a:rPr lang="ru-RU" sz="900" dirty="0" smtClean="0">
-                          <a:effectLst/>
-                        </a:rPr>
-                        <a:t>Убедитесь</a:t>
-                      </a:r>
-                      <a:r>
                         <a:rPr lang="ru-RU" sz="900" dirty="0">
                           <a:effectLst/>
                         </a:rPr>
-                        <a:t>, что приложение установлено и запущено на устройстве, на котором будет проводиться тестирование.</a:t>
+                        <a:t>Убедитесь, что приложение установлено и запущено на устройстве, на котором будет проводиться тестирование.</a:t>
                       </a:r>
                       <a:endParaRPr lang="ru-RU" sz="900" dirty="0">
                         <a:effectLst/>
@@ -14168,7 +13709,7 @@
                           <a:spcPts val="0"/>
                         </a:spcAft>
                       </a:pPr>
-                      <a:endParaRPr lang="ru-RU" sz="1100" dirty="0" smtClean="0">
+                      <a:endParaRPr lang="ru-RU" sz="1100" dirty="0">
                         <a:effectLst/>
                         <a:latin typeface="Calibri"/>
                         <a:ea typeface="Calibri"/>
@@ -14185,7 +13726,7 @@
                         </a:spcAft>
                       </a:pPr>
                       <a:r>
-                        <a:rPr lang="ru-RU" sz="1100" dirty="0" smtClean="0">
+                        <a:rPr lang="ru-RU" sz="1100" dirty="0">
                           <a:effectLst/>
                           <a:latin typeface="Calibri"/>
                           <a:ea typeface="Calibri"/>
@@ -14193,16 +13734,15 @@
                         </a:rPr>
                         <a:t>Фото</a:t>
                       </a:r>
-                      <a:endParaRPr lang="ru-RU" sz="1100" dirty="0">
-                        <a:effectLst/>
-                        <a:latin typeface="Calibri"/>
-                        <a:ea typeface="Calibri"/>
-                        <a:cs typeface="Times New Roman"/>
-                      </a:endParaRPr>
                     </a:p>
                   </a:txBody>
                   <a:tcPr marL="28233" marR="28233" marT="0" marB="0"/>
                 </a:tc>
+                <a:extLst>
+                  <a:ext uri="{0D108BD9-81ED-4DB2-BD59-A6C34878D82A}">
+                    <a16:rowId xmlns:a16="http://schemas.microsoft.com/office/drawing/2014/main" val="10000"/>
+                  </a:ext>
+                </a:extLst>
               </a:tr>
               <a:tr h="1599931">
                 <a:tc>
@@ -14295,7 +13835,7 @@
                           <a:spcPts val="0"/>
                         </a:spcAft>
                       </a:pPr>
-                      <a:endParaRPr lang="ru-RU" sz="900" dirty="0" smtClean="0">
+                      <a:endParaRPr lang="ru-RU" sz="900" dirty="0">
                         <a:effectLst/>
                       </a:endParaRPr>
                     </a:p>
@@ -14309,16 +13849,10 @@
                         </a:spcAft>
                       </a:pPr>
                       <a:r>
-                        <a:rPr lang="ru-RU" sz="900" dirty="0" smtClean="0">
-                          <a:effectLst/>
-                        </a:rPr>
-                        <a:t>Откройте </a:t>
-                      </a:r>
-                      <a:r>
                         <a:rPr lang="ru-RU" sz="900" dirty="0">
                           <a:effectLst/>
                         </a:rPr>
-                        <a:t>приложение и проверьте, что все основные элементы, такие как заголовок, поиск, кнопка добавления контакта, список контактов, отображаются корректно и имеют соответствующий дизайн.</a:t>
+                        <a:t>Откройте приложение и проверьте, что все основные элементы, такие как заголовок, поиск, кнопка добавления контакта, список контактов, отображаются корректно и имеют соответствующий дизайн.</a:t>
                       </a:r>
                       <a:endParaRPr lang="ru-RU" sz="900" dirty="0">
                         <a:effectLst/>
@@ -14353,6 +13887,11 @@
                   </a:txBody>
                   <a:tcPr marL="28233" marR="28233" marT="0" marB="0"/>
                 </a:tc>
+                <a:extLst>
+                  <a:ext uri="{0D108BD9-81ED-4DB2-BD59-A6C34878D82A}">
+                    <a16:rowId xmlns:a16="http://schemas.microsoft.com/office/drawing/2014/main" val="10001"/>
+                  </a:ext>
+                </a:extLst>
               </a:tr>
               <a:tr h="1349280">
                 <a:tc>
@@ -14413,7 +13952,7 @@
                           <a:spcPts val="0"/>
                         </a:spcAft>
                       </a:pPr>
-                      <a:endParaRPr lang="ru-RU" sz="900" dirty="0" smtClean="0">
+                      <a:endParaRPr lang="ru-RU" sz="900" dirty="0">
                         <a:effectLst/>
                       </a:endParaRPr>
                     </a:p>
@@ -14427,16 +13966,10 @@
                         </a:spcAft>
                       </a:pPr>
                       <a:r>
-                        <a:rPr lang="ru-RU" sz="900" dirty="0" smtClean="0">
-                          <a:effectLst/>
-                        </a:rPr>
-                        <a:t>Выберите </a:t>
-                      </a:r>
-                      <a:r>
                         <a:rPr lang="ru-RU" sz="900" dirty="0">
                           <a:effectLst/>
                         </a:rPr>
-                        <a:t>пациента и нажмите на кнопку удаления. Подтвердите удаление и убедитесь, что пациент удален из списка.</a:t>
+                        <a:t>Выберите пациента и нажмите на кнопку удаления. Подтвердите удаление и убедитесь, что пациент удален из списка.</a:t>
                       </a:r>
                       <a:endParaRPr lang="ru-RU" sz="900" dirty="0">
                         <a:effectLst/>
@@ -14471,6 +14004,11 @@
                   </a:txBody>
                   <a:tcPr marL="28233" marR="28233" marT="0" marB="0"/>
                 </a:tc>
+                <a:extLst>
+                  <a:ext uri="{0D108BD9-81ED-4DB2-BD59-A6C34878D82A}">
+                    <a16:rowId xmlns:a16="http://schemas.microsoft.com/office/drawing/2014/main" val="10002"/>
+                  </a:ext>
+                </a:extLst>
               </a:tr>
               <a:tr h="1096435">
                 <a:tc>
@@ -14547,7 +14085,7 @@
                           <a:spcPts val="0"/>
                         </a:spcAft>
                       </a:pPr>
-                      <a:endParaRPr lang="ru-RU" sz="900" dirty="0" smtClean="0">
+                      <a:endParaRPr lang="ru-RU" sz="900" dirty="0">
                         <a:effectLst/>
                       </a:endParaRPr>
                     </a:p>
@@ -14561,16 +14099,10 @@
                         </a:spcAft>
                       </a:pPr>
                       <a:r>
-                        <a:rPr lang="ru-RU" sz="900" dirty="0" smtClean="0">
-                          <a:effectLst/>
-                        </a:rPr>
-                        <a:t>Введите </a:t>
-                      </a:r>
-                      <a:r>
                         <a:rPr lang="ru-RU" sz="900" dirty="0">
                           <a:effectLst/>
                         </a:rPr>
-                        <a:t>пробелы и специальные символы в поля формы и убедитесь, что приложение корректно обрабатывает такие данные.</a:t>
+                        <a:t>Введите пробелы и специальные символы в поля формы и убедитесь, что приложение корректно обрабатывает такие данные.</a:t>
                       </a:r>
                       <a:endParaRPr lang="ru-RU" sz="900" dirty="0">
                         <a:effectLst/>
@@ -14605,6 +14137,11 @@
                   </a:txBody>
                   <a:tcPr marL="28233" marR="28233" marT="0" marB="0"/>
                 </a:tc>
+                <a:extLst>
+                  <a:ext uri="{0D108BD9-81ED-4DB2-BD59-A6C34878D82A}">
+                    <a16:rowId xmlns:a16="http://schemas.microsoft.com/office/drawing/2014/main" val="10003"/>
+                  </a:ext>
+                </a:extLst>
               </a:tr>
             </a:tbl>
           </a:graphicData>
@@ -14617,7 +14154,7 @@
           <p:nvPr/>
         </p:nvPicPr>
         <p:blipFill>
-          <a:blip r:embed="rId2">
+          <a:blip r:embed="rId3">
             <a:extLst>
               <a:ext uri="{28A0092B-C50C-407E-A947-70E740481C1C}">
                 <a14:useLocalDpi xmlns:a14="http://schemas.microsoft.com/office/drawing/2010/main" val="0"/>
@@ -14647,7 +14184,7 @@
           <p:nvPr/>
         </p:nvPicPr>
         <p:blipFill>
-          <a:blip r:embed="rId3"/>
+          <a:blip r:embed="rId4"/>
           <a:stretch>
             <a:fillRect/>
           </a:stretch>
@@ -14669,7 +14206,7 @@
           <p:nvPr/>
         </p:nvPicPr>
         <p:blipFill rotWithShape="1">
-          <a:blip r:embed="rId4">
+          <a:blip r:embed="rId5">
             <a:extLst>
               <a:ext uri="{28A0092B-C50C-407E-A947-70E740481C1C}">
                 <a14:useLocalDpi xmlns:a14="http://schemas.microsoft.com/office/drawing/2010/main" val="0"/>
@@ -14725,16 +14262,11 @@
                 <a:solidFill>
                   <a:schemeClr val="bg1"/>
                 </a:solidFill>
-                <a:latin typeface="Book Antiqua" pitchFamily="18" charset="0"/>
+                <a:latin typeface="Times New Roman" panose="02020603050405020304" pitchFamily="18" charset="0"/>
+                <a:cs typeface="Times New Roman" panose="02020603050405020304" pitchFamily="18" charset="0"/>
               </a:rPr>
               <a:t>Визуальное тестирование программы</a:t>
             </a:r>
-            <a:endParaRPr lang="ru-RU" sz="2600" dirty="0">
-              <a:solidFill>
-                <a:schemeClr val="bg1"/>
-              </a:solidFill>
-              <a:latin typeface="Book Antiqua" pitchFamily="18" charset="0"/>
-            </a:endParaRPr>
           </a:p>
         </p:txBody>
       </p:sp>
@@ -14751,7 +14283,7 @@
 </p:sld>
 </file>
 
-<file path=ppt/slides/slide15.xml><?xml version="1.0" encoding="utf-8"?>
+<file path=ppt/slides/slide14.xml><?xml version="1.0" encoding="utf-8"?>
 <p:sld xmlns:a="http://schemas.openxmlformats.org/drawingml/2006/main" xmlns:r="http://schemas.openxmlformats.org/officeDocument/2006/relationships" xmlns:p="http://schemas.openxmlformats.org/presentationml/2006/main">
   <p:cSld>
     <p:spTree>
@@ -14790,44 +14322,29 @@
                 <a:solidFill>
                   <a:schemeClr val="bg1"/>
                 </a:solidFill>
-                <a:latin typeface="Book Antiqua" pitchFamily="18" charset="0"/>
+                <a:latin typeface="Times New Roman" panose="02020603050405020304" pitchFamily="18" charset="0"/>
+                <a:cs typeface="Times New Roman" panose="02020603050405020304" pitchFamily="18" charset="0"/>
               </a:rPr>
               <a:t>Тестирование приложения </a:t>
             </a:r>
-            <a:r>
-              <a:rPr lang="ru-RU" sz="3200" dirty="0" smtClean="0">
+            <a:br>
+              <a:rPr lang="ru-RU" sz="3200" dirty="0">
                 <a:solidFill>
                   <a:schemeClr val="bg1"/>
                 </a:solidFill>
-                <a:latin typeface="Book Antiqua" pitchFamily="18" charset="0"/>
-              </a:rPr>
-              <a:t/>
-            </a:r>
-            <a:br>
-              <a:rPr lang="ru-RU" sz="3200" dirty="0" smtClean="0">
-                <a:solidFill>
-                  <a:schemeClr val="bg1"/>
-                </a:solidFill>
-                <a:latin typeface="Book Antiqua" pitchFamily="18" charset="0"/>
+                <a:latin typeface="Times New Roman" panose="02020603050405020304" pitchFamily="18" charset="0"/>
+                <a:cs typeface="Times New Roman" panose="02020603050405020304" pitchFamily="18" charset="0"/>
               </a:rPr>
             </a:br>
-            <a:r>
-              <a:rPr lang="ru-RU" sz="3200" dirty="0" smtClean="0">
-                <a:solidFill>
-                  <a:schemeClr val="bg1"/>
-                </a:solidFill>
-                <a:latin typeface="Book Antiqua" pitchFamily="18" charset="0"/>
-              </a:rPr>
-              <a:t>(</a:t>
-            </a:r>
             <a:r>
               <a:rPr lang="ru-RU" sz="3200" dirty="0">
                 <a:solidFill>
                   <a:schemeClr val="bg1"/>
                 </a:solidFill>
-                <a:latin typeface="Book Antiqua" pitchFamily="18" charset="0"/>
+                <a:latin typeface="Times New Roman" panose="02020603050405020304" pitchFamily="18" charset="0"/>
+                <a:cs typeface="Times New Roman" panose="02020603050405020304" pitchFamily="18" charset="0"/>
               </a:rPr>
-              <a:t>Телефонный справочник)</a:t>
+              <a:t>(Телефонный справочник)</a:t>
             </a:r>
           </a:p>
         </p:txBody>
@@ -14841,14 +14358,14 @@
           <p:nvPr>
             <p:extLst>
               <p:ext uri="{D42A27DB-BD31-4B8C-83A1-F6EECF244321}">
-                <p14:modId xmlns:p14="http://schemas.microsoft.com/office/powerpoint/2010/main" val="3994696652"/>
+                <p14:modId xmlns:p14="http://schemas.microsoft.com/office/powerpoint/2010/main" val="3740950368"/>
               </p:ext>
             </p:extLst>
           </p:nvPr>
         </p:nvGraphicFramePr>
         <p:xfrm>
           <a:off x="296885" y="1339908"/>
-          <a:ext cx="5712030" cy="4784598"/>
+          <a:ext cx="5712030" cy="4660973"/>
         </p:xfrm>
         <a:graphic>
           <a:graphicData uri="http://schemas.openxmlformats.org/drawingml/2006/table">
@@ -14857,8 +14374,20 @@
                 <a:tableStyleId>{5C22544A-7EE6-4342-B048-85BDC9FD1C3A}</a:tableStyleId>
               </a:tblPr>
               <a:tblGrid>
-                <a:gridCol w="1649654"/>
-                <a:gridCol w="4062376"/>
+                <a:gridCol w="1649654">
+                  <a:extLst>
+                    <a:ext uri="{9D8B030D-6E8A-4147-A177-3AD203B41FA5}">
+                      <a16:colId xmlns:a16="http://schemas.microsoft.com/office/drawing/2014/main" val="20000"/>
+                    </a:ext>
+                  </a:extLst>
+                </a:gridCol>
+                <a:gridCol w="4062376">
+                  <a:extLst>
+                    <a:ext uri="{9D8B030D-6E8A-4147-A177-3AD203B41FA5}">
+                      <a16:colId xmlns:a16="http://schemas.microsoft.com/office/drawing/2014/main" val="20001"/>
+                    </a:ext>
+                  </a:extLst>
+                </a:gridCol>
               </a:tblGrid>
               <a:tr h="204462">
                 <a:tc>
@@ -14875,16 +14404,10 @@
                         </a:spcAft>
                       </a:pPr>
                       <a:r>
-                        <a:rPr lang="ru-RU" sz="1200" dirty="0" err="1">
-                          <a:effectLst/>
-                        </a:rPr>
-                        <a:t>TestCase</a:t>
-                      </a:r>
-                      <a:r>
                         <a:rPr lang="ru-RU" sz="1200" dirty="0">
                           <a:effectLst/>
                         </a:rPr>
-                        <a:t> #</a:t>
+                        <a:t>TestCase #</a:t>
                       </a:r>
                       <a:endParaRPr lang="ru-RU" sz="1100" dirty="0">
                         <a:effectLst/>
@@ -14910,12 +14433,12 @@
                         </a:spcAft>
                       </a:pPr>
                       <a:r>
-                        <a:rPr lang="ru-RU" sz="1100">
+                        <a:rPr lang="ru-RU" sz="1100" dirty="0">
                           <a:effectLst/>
                         </a:rPr>
                         <a:t>1</a:t>
                       </a:r>
-                      <a:endParaRPr lang="ru-RU" sz="1100">
+                      <a:endParaRPr lang="ru-RU" sz="1100" dirty="0">
                         <a:effectLst/>
                         <a:latin typeface="Calibri"/>
                         <a:ea typeface="Calibri"/>
@@ -14925,6 +14448,11 @@
                   </a:txBody>
                   <a:tcPr marL="68580" marR="68580" marT="0" marB="0"/>
                 </a:tc>
+                <a:extLst>
+                  <a:ext uri="{0D108BD9-81ED-4DB2-BD59-A6C34878D82A}">
+                    <a16:rowId xmlns:a16="http://schemas.microsoft.com/office/drawing/2014/main" val="10000"/>
+                  </a:ext>
+                </a:extLst>
               </a:tr>
               <a:tr h="204462">
                 <a:tc>
@@ -14941,12 +14469,12 @@
                         </a:spcAft>
                       </a:pPr>
                       <a:r>
-                        <a:rPr lang="ru-RU" sz="1200">
+                        <a:rPr lang="ru-RU" sz="1200" dirty="0">
                           <a:effectLst/>
                         </a:rPr>
                         <a:t>Приоритет теста</a:t>
                       </a:r>
-                      <a:endParaRPr lang="ru-RU" sz="1100">
+                      <a:endParaRPr lang="ru-RU" sz="1100" dirty="0">
                         <a:effectLst/>
                         <a:latin typeface="Calibri"/>
                         <a:ea typeface="Calibri"/>
@@ -14985,6 +14513,11 @@
                   </a:txBody>
                   <a:tcPr marL="68580" marR="68580" marT="0" marB="0"/>
                 </a:tc>
+                <a:extLst>
+                  <a:ext uri="{0D108BD9-81ED-4DB2-BD59-A6C34878D82A}">
+                    <a16:rowId xmlns:a16="http://schemas.microsoft.com/office/drawing/2014/main" val="10001"/>
+                  </a:ext>
+                </a:extLst>
               </a:tr>
               <a:tr h="408925">
                 <a:tc>
@@ -15045,6 +14578,11 @@
                   </a:txBody>
                   <a:tcPr marL="68580" marR="68580" marT="0" marB="0"/>
                 </a:tc>
+                <a:extLst>
+                  <a:ext uri="{0D108BD9-81ED-4DB2-BD59-A6C34878D82A}">
+                    <a16:rowId xmlns:a16="http://schemas.microsoft.com/office/drawing/2014/main" val="10002"/>
+                  </a:ext>
+                </a:extLst>
               </a:tr>
               <a:tr h="374847">
                 <a:tc>
@@ -15061,12 +14599,12 @@
                         </a:spcAft>
                       </a:pPr>
                       <a:r>
-                        <a:rPr lang="ru-RU" sz="1200">
+                        <a:rPr lang="ru-RU" sz="1200" dirty="0">
                           <a:effectLst/>
                         </a:rPr>
                         <a:t>Резюме испытания</a:t>
                       </a:r>
-                      <a:endParaRPr lang="ru-RU" sz="1100">
+                      <a:endParaRPr lang="ru-RU" sz="1100" dirty="0">
                         <a:effectLst/>
                         <a:latin typeface="Calibri"/>
                         <a:ea typeface="Calibri"/>
@@ -15090,12 +14628,12 @@
                         </a:spcAft>
                       </a:pPr>
                       <a:r>
-                        <a:rPr lang="ru-RU" sz="1100">
+                        <a:rPr lang="ru-RU" sz="1100" dirty="0">
                           <a:effectLst/>
                         </a:rPr>
                         <a:t>Проверка возможности добавления нового контакта в телефонный справочник</a:t>
                       </a:r>
-                      <a:endParaRPr lang="ru-RU" sz="1100">
+                      <a:endParaRPr lang="ru-RU" sz="1100" dirty="0">
                         <a:effectLst/>
                         <a:latin typeface="Calibri"/>
                         <a:ea typeface="Calibri"/>
@@ -15105,6 +14643,11 @@
                   </a:txBody>
                   <a:tcPr marL="68580" marR="68580" marT="0" marB="0"/>
                 </a:tc>
+                <a:extLst>
+                  <a:ext uri="{0D108BD9-81ED-4DB2-BD59-A6C34878D82A}">
+                    <a16:rowId xmlns:a16="http://schemas.microsoft.com/office/drawing/2014/main" val="10003"/>
+                  </a:ext>
+                </a:extLst>
               </a:tr>
               <a:tr h="749695">
                 <a:tc>
@@ -15150,7 +14693,7 @@
                         </a:spcAft>
                       </a:pPr>
                       <a:r>
-                        <a:rPr lang="ru-RU" sz="1100">
+                        <a:rPr lang="ru-RU" sz="1100" dirty="0">
                           <a:effectLst/>
                         </a:rPr>
                         <a:t>1. Открыть приложение телефонный справочник </a:t>
@@ -15166,7 +14709,7 @@
                         </a:spcAft>
                       </a:pPr>
                       <a:r>
-                        <a:rPr lang="ru-RU" sz="1100">
+                        <a:rPr lang="ru-RU" sz="1100" dirty="0">
                           <a:effectLst/>
                         </a:rPr>
                         <a:t>2. Нажать на кнопку "Добавить контакт"</a:t>
@@ -15182,7 +14725,7 @@
                         </a:spcAft>
                       </a:pPr>
                       <a:r>
-                        <a:rPr lang="ru-RU" sz="1100">
+                        <a:rPr lang="ru-RU" sz="1100" dirty="0">
                           <a:effectLst/>
                         </a:rPr>
                         <a:t>3. Заполнить все поля (имя, фамилия, телефонный номер)</a:t>
@@ -15198,12 +14741,12 @@
                         </a:spcAft>
                       </a:pPr>
                       <a:r>
-                        <a:rPr lang="ru-RU" sz="1100">
+                        <a:rPr lang="ru-RU" sz="1100" dirty="0">
                           <a:effectLst/>
                         </a:rPr>
                         <a:t>4. Нажать на кнопку "Сохранить"</a:t>
                       </a:r>
-                      <a:endParaRPr lang="ru-RU" sz="1100">
+                      <a:endParaRPr lang="ru-RU" sz="1100" dirty="0">
                         <a:effectLst/>
                         <a:latin typeface="Calibri"/>
                         <a:ea typeface="Calibri"/>
@@ -15213,6 +14756,11 @@
                   </a:txBody>
                   <a:tcPr marL="68580" marR="68580" marT="0" marB="0"/>
                 </a:tc>
+                <a:extLst>
+                  <a:ext uri="{0D108BD9-81ED-4DB2-BD59-A6C34878D82A}">
+                    <a16:rowId xmlns:a16="http://schemas.microsoft.com/office/drawing/2014/main" val="10004"/>
+                  </a:ext>
+                </a:extLst>
               </a:tr>
               <a:tr h="562271">
                 <a:tc>
@@ -15229,12 +14777,12 @@
                         </a:spcAft>
                       </a:pPr>
                       <a:r>
-                        <a:rPr lang="ru-RU" sz="1200">
+                        <a:rPr lang="ru-RU" sz="1200" dirty="0">
                           <a:effectLst/>
                         </a:rPr>
                         <a:t>Данные тестирования</a:t>
                       </a:r>
-                      <a:endParaRPr lang="ru-RU" sz="1100">
+                      <a:endParaRPr lang="ru-RU" sz="1100" dirty="0">
                         <a:effectLst/>
                         <a:latin typeface="Calibri"/>
                         <a:ea typeface="Calibri"/>
@@ -15305,6 +14853,11 @@
                   </a:txBody>
                   <a:tcPr marL="68580" marR="68580" marT="0" marB="0"/>
                 </a:tc>
+                <a:extLst>
+                  <a:ext uri="{0D108BD9-81ED-4DB2-BD59-A6C34878D82A}">
+                    <a16:rowId xmlns:a16="http://schemas.microsoft.com/office/drawing/2014/main" val="10005"/>
+                  </a:ext>
+                </a:extLst>
               </a:tr>
               <a:tr h="408925">
                 <a:tc>
@@ -15321,12 +14874,12 @@
                         </a:spcAft>
                       </a:pPr>
                       <a:r>
-                        <a:rPr lang="ru-RU" sz="1200">
+                        <a:rPr lang="ru-RU" sz="1200" dirty="0">
                           <a:effectLst/>
                         </a:rPr>
                         <a:t>Ожидаемый результат</a:t>
                       </a:r>
-                      <a:endParaRPr lang="ru-RU" sz="1100">
+                      <a:endParaRPr lang="ru-RU" sz="1100" dirty="0">
                         <a:effectLst/>
                         <a:latin typeface="Calibri"/>
                         <a:ea typeface="Calibri"/>
@@ -15365,6 +14918,11 @@
                   </a:txBody>
                   <a:tcPr marL="68580" marR="68580" marT="0" marB="0"/>
                 </a:tc>
+                <a:extLst>
+                  <a:ext uri="{0D108BD9-81ED-4DB2-BD59-A6C34878D82A}">
+                    <a16:rowId xmlns:a16="http://schemas.microsoft.com/office/drawing/2014/main" val="10006"/>
+                  </a:ext>
+                </a:extLst>
               </a:tr>
               <a:tr h="408925">
                 <a:tc>
@@ -15381,12 +14939,12 @@
                         </a:spcAft>
                       </a:pPr>
                       <a:r>
-                        <a:rPr lang="ru-RU" sz="1200">
+                        <a:rPr lang="ru-RU" sz="1200" dirty="0">
                           <a:effectLst/>
                         </a:rPr>
                         <a:t>Фактический результат</a:t>
                       </a:r>
-                      <a:endParaRPr lang="ru-RU" sz="1100">
+                      <a:endParaRPr lang="ru-RU" sz="1100" dirty="0">
                         <a:effectLst/>
                         <a:latin typeface="Calibri"/>
                         <a:ea typeface="Calibri"/>
@@ -15410,12 +14968,12 @@
                         </a:spcAft>
                       </a:pPr>
                       <a:r>
-                        <a:rPr lang="ru-RU" sz="1100">
+                        <a:rPr lang="ru-RU" sz="1100" dirty="0">
                           <a:effectLst/>
                         </a:rPr>
                         <a:t>Новый контакт успешно добавлен в телефонный справочник</a:t>
                       </a:r>
-                      <a:endParaRPr lang="ru-RU" sz="1100">
+                      <a:endParaRPr lang="ru-RU" sz="1100" dirty="0">
                         <a:effectLst/>
                         <a:latin typeface="Calibri"/>
                         <a:ea typeface="Calibri"/>
@@ -15425,6 +14983,11 @@
                   </a:txBody>
                   <a:tcPr marL="68580" marR="68580" marT="0" marB="0"/>
                 </a:tc>
+                <a:extLst>
+                  <a:ext uri="{0D108BD9-81ED-4DB2-BD59-A6C34878D82A}">
+                    <a16:rowId xmlns:a16="http://schemas.microsoft.com/office/drawing/2014/main" val="10007"/>
+                  </a:ext>
+                </a:extLst>
               </a:tr>
               <a:tr h="374847">
                 <a:tc>
@@ -15441,12 +15004,12 @@
                         </a:spcAft>
                       </a:pPr>
                       <a:r>
-                        <a:rPr lang="ru-RU" sz="1200">
+                        <a:rPr lang="ru-RU" sz="1200" dirty="0">
                           <a:effectLst/>
                         </a:rPr>
                         <a:t>Предпосылки</a:t>
                       </a:r>
-                      <a:endParaRPr lang="ru-RU" sz="1100">
+                      <a:endParaRPr lang="ru-RU" sz="1100" dirty="0">
                         <a:effectLst/>
                         <a:latin typeface="Calibri"/>
                         <a:ea typeface="Calibri"/>
@@ -15485,6 +15048,11 @@
                   </a:txBody>
                   <a:tcPr marL="68580" marR="68580" marT="0" marB="0"/>
                 </a:tc>
+                <a:extLst>
+                  <a:ext uri="{0D108BD9-81ED-4DB2-BD59-A6C34878D82A}">
+                    <a16:rowId xmlns:a16="http://schemas.microsoft.com/office/drawing/2014/main" val="10008"/>
+                  </a:ext>
+                </a:extLst>
               </a:tr>
               <a:tr h="204462">
                 <a:tc>
@@ -15501,12 +15069,12 @@
                         </a:spcAft>
                       </a:pPr>
                       <a:r>
-                        <a:rPr lang="ru-RU" sz="1200">
+                        <a:rPr lang="ru-RU" sz="1200" dirty="0">
                           <a:effectLst/>
                         </a:rPr>
                         <a:t>Постусловия</a:t>
                       </a:r>
-                      <a:endParaRPr lang="ru-RU" sz="1100">
+                      <a:endParaRPr lang="ru-RU" sz="1100" dirty="0">
                         <a:effectLst/>
                         <a:latin typeface="Calibri"/>
                         <a:ea typeface="Calibri"/>
@@ -15530,12 +15098,12 @@
                         </a:spcAft>
                       </a:pPr>
                       <a:r>
-                        <a:rPr lang="ru-RU" sz="1100">
+                        <a:rPr lang="ru-RU" sz="1100" dirty="0">
                           <a:effectLst/>
                         </a:rPr>
                         <a:t>Новый контакт должен быть добавлен в телефонный справочник</a:t>
                       </a:r>
-                      <a:endParaRPr lang="ru-RU" sz="1100">
+                      <a:endParaRPr lang="ru-RU" sz="1100" dirty="0">
                         <a:effectLst/>
                         <a:latin typeface="Calibri"/>
                         <a:ea typeface="Calibri"/>
@@ -15545,6 +15113,11 @@
                   </a:txBody>
                   <a:tcPr marL="68580" marR="68580" marT="0" marB="0"/>
                 </a:tc>
+                <a:extLst>
+                  <a:ext uri="{0D108BD9-81ED-4DB2-BD59-A6C34878D82A}">
+                    <a16:rowId xmlns:a16="http://schemas.microsoft.com/office/drawing/2014/main" val="10009"/>
+                  </a:ext>
+                </a:extLst>
               </a:tr>
               <a:tr h="204462">
                 <a:tc>
@@ -15561,12 +15134,24 @@
                         </a:spcAft>
                       </a:pPr>
                       <a:r>
-                        <a:rPr lang="ru-RU" sz="1200">
+                        <a:rPr lang="ru-RU" sz="1200" dirty="0">
                           <a:effectLst/>
                         </a:rPr>
-                        <a:t>Статус (Pass/Fail)</a:t>
+                        <a:t>Статус (Pass/</a:t>
                       </a:r>
-                      <a:endParaRPr lang="ru-RU" sz="1100">
+                      <a:r>
+                        <a:rPr lang="ru-RU" sz="1200" dirty="0" err="1">
+                          <a:effectLst/>
+                        </a:rPr>
+                        <a:t>Fail</a:t>
+                      </a:r>
+                      <a:r>
+                        <a:rPr lang="ru-RU" sz="1200" dirty="0">
+                          <a:effectLst/>
+                        </a:rPr>
+                        <a:t>)</a:t>
+                      </a:r>
+                      <a:endParaRPr lang="ru-RU" sz="1100" dirty="0">
                         <a:effectLst/>
                         <a:latin typeface="Calibri"/>
                         <a:ea typeface="Calibri"/>
@@ -15592,6 +15177,7 @@
                       <a:r>
                         <a:rPr lang="en-US" sz="1100" dirty="0">
                           <a:effectLst/>
+                          <a:latin typeface="Abadi" panose="020B0604020104020204" pitchFamily="34" charset="0"/>
                         </a:rPr>
                         <a:t>Pass</a:t>
                       </a:r>
@@ -15605,6 +15191,11 @@
                   </a:txBody>
                   <a:tcPr marL="68580" marR="68580" marT="0" marB="0"/>
                 </a:tc>
+                <a:extLst>
+                  <a:ext uri="{0D108BD9-81ED-4DB2-BD59-A6C34878D82A}">
+                    <a16:rowId xmlns:a16="http://schemas.microsoft.com/office/drawing/2014/main" val="10010"/>
+                  </a:ext>
+                </a:extLst>
               </a:tr>
               <a:tr h="204462">
                 <a:tc>
@@ -15665,6 +15256,11 @@
                   </a:txBody>
                   <a:tcPr marL="68580" marR="68580" marT="0" marB="0"/>
                 </a:tc>
+                <a:extLst>
+                  <a:ext uri="{0D108BD9-81ED-4DB2-BD59-A6C34878D82A}">
+                    <a16:rowId xmlns:a16="http://schemas.microsoft.com/office/drawing/2014/main" val="10011"/>
+                  </a:ext>
+                </a:extLst>
               </a:tr>
             </a:tbl>
           </a:graphicData>
@@ -15693,20 +15289,22 @@
           <a:lstStyle/>
           <a:p>
             <a:r>
-              <a:rPr lang="ru-RU" sz="2600" dirty="0" smtClean="0">
+              <a:rPr lang="ru-RU" sz="2600" dirty="0">
                 <a:solidFill>
                   <a:schemeClr val="bg1"/>
                 </a:solidFill>
-                <a:latin typeface="Book Antiqua" pitchFamily="18" charset="0"/>
+                <a:latin typeface="Times New Roman" panose="02020603050405020304" pitchFamily="18" charset="0"/>
+                <a:cs typeface="Times New Roman" panose="02020603050405020304" pitchFamily="18" charset="0"/>
               </a:rPr>
               <a:t>Использование </a:t>
             </a:r>
             <a:r>
-              <a:rPr lang="en-US" sz="2600" dirty="0" err="1" smtClean="0">
+              <a:rPr lang="en-US" sz="2600" dirty="0" err="1">
                 <a:solidFill>
                   <a:schemeClr val="bg1"/>
                 </a:solidFill>
-                <a:latin typeface="Book Antiqua" pitchFamily="18" charset="0"/>
+                <a:latin typeface="Times New Roman" panose="02020603050405020304" pitchFamily="18" charset="0"/>
+                <a:cs typeface="Times New Roman" panose="02020603050405020304" pitchFamily="18" charset="0"/>
               </a:rPr>
               <a:t>TestCase</a:t>
             </a:r>
@@ -15714,7 +15312,8 @@
               <a:solidFill>
                 <a:schemeClr val="bg1"/>
               </a:solidFill>
-              <a:latin typeface="Book Antiqua" pitchFamily="18" charset="0"/>
+              <a:latin typeface="Times New Roman" panose="02020603050405020304" pitchFamily="18" charset="0"/>
+              <a:cs typeface="Times New Roman" panose="02020603050405020304" pitchFamily="18" charset="0"/>
             </a:endParaRPr>
           </a:p>
         </p:txBody>
@@ -15792,14 +15391,14 @@
         <p:spPr>
           <a:xfrm>
             <a:off x="6831912" y="5384045"/>
-            <a:ext cx="4025461" cy="492443"/>
+            <a:ext cx="3940864" cy="492443"/>
           </a:xfrm>
           <a:prstGeom prst="rect">
             <a:avLst/>
           </a:prstGeom>
         </p:spPr>
         <p:txBody>
-          <a:bodyPr wrap="none">
+          <a:bodyPr wrap="square">
             <a:spAutoFit/>
           </a:bodyPr>
           <a:lstStyle/>
@@ -15809,7 +15408,8 @@
                 <a:solidFill>
                   <a:schemeClr val="bg1"/>
                 </a:solidFill>
-                <a:latin typeface="Book Antiqua" pitchFamily="18" charset="0"/>
+                <a:latin typeface="Times New Roman" panose="02020603050405020304" pitchFamily="18" charset="0"/>
+                <a:cs typeface="Times New Roman" panose="02020603050405020304" pitchFamily="18" charset="0"/>
               </a:rPr>
               <a:t>Использование </a:t>
             </a:r>
@@ -15818,15 +15418,17 @@
                 <a:solidFill>
                   <a:schemeClr val="bg1"/>
                 </a:solidFill>
-                <a:latin typeface="Book Antiqua" pitchFamily="18" charset="0"/>
+                <a:latin typeface="Times New Roman" panose="02020603050405020304" pitchFamily="18" charset="0"/>
+                <a:cs typeface="Times New Roman" panose="02020603050405020304" pitchFamily="18" charset="0"/>
               </a:rPr>
-              <a:t>UnitCase</a:t>
+              <a:t>UnitTest</a:t>
             </a:r>
             <a:endParaRPr lang="ru-RU" sz="2600" dirty="0">
               <a:solidFill>
                 <a:schemeClr val="bg1"/>
               </a:solidFill>
-              <a:latin typeface="Book Antiqua" pitchFamily="18" charset="0"/>
+              <a:latin typeface="Times New Roman" panose="02020603050405020304" pitchFamily="18" charset="0"/>
+              <a:cs typeface="Times New Roman" panose="02020603050405020304" pitchFamily="18" charset="0"/>
             </a:endParaRPr>
           </a:p>
         </p:txBody>
@@ -15841,17 +15443,10 @@
   <p:clrMapOvr>
     <a:masterClrMapping/>
   </p:clrMapOvr>
-  <p:timing>
-    <p:tnLst>
-      <p:par>
-        <p:cTn id="1" dur="indefinite" restart="never" nodeType="tmRoot"/>
-      </p:par>
-    </p:tnLst>
-  </p:timing>
 </p:sld>
 </file>
 
-<file path=ppt/slides/slide16.xml><?xml version="1.0" encoding="utf-8"?>
+<file path=ppt/slides/slide15.xml><?xml version="1.0" encoding="utf-8"?>
 <p:sld xmlns:a="http://schemas.openxmlformats.org/drawingml/2006/main" xmlns:r="http://schemas.openxmlformats.org/officeDocument/2006/relationships" xmlns:p="http://schemas.openxmlformats.org/presentationml/2006/main">
   <p:cSld>
     <p:spTree>
@@ -15890,7 +15485,8 @@
                 <a:solidFill>
                   <a:schemeClr val="bg1"/>
                 </a:solidFill>
-                <a:latin typeface="Book Antiqua" pitchFamily="18" charset="0"/>
+                <a:latin typeface="Times New Roman" panose="02020603050405020304" pitchFamily="18" charset="0"/>
+                <a:cs typeface="Times New Roman" panose="02020603050405020304" pitchFamily="18" charset="0"/>
               </a:rPr>
               <a:t>Тестирование приложения </a:t>
             </a:r>
@@ -15899,7 +15495,8 @@
                 <a:solidFill>
                   <a:schemeClr val="bg1"/>
                 </a:solidFill>
-                <a:latin typeface="Book Antiqua" pitchFamily="18" charset="0"/>
+                <a:latin typeface="Times New Roman" panose="02020603050405020304" pitchFamily="18" charset="0"/>
+                <a:cs typeface="Times New Roman" panose="02020603050405020304" pitchFamily="18" charset="0"/>
               </a:rPr>
             </a:br>
             <a:r>
@@ -15907,11 +15504,15 @@
                 <a:solidFill>
                   <a:schemeClr val="bg1"/>
                 </a:solidFill>
-                <a:latin typeface="Book Antiqua" pitchFamily="18" charset="0"/>
+                <a:latin typeface="Times New Roman" panose="02020603050405020304" pitchFamily="18" charset="0"/>
+                <a:cs typeface="Times New Roman" panose="02020603050405020304" pitchFamily="18" charset="0"/>
               </a:rPr>
               <a:t>(Телефонный справочник)</a:t>
             </a:r>
-            <a:endParaRPr lang="ru-RU" dirty="0"/>
+            <a:endParaRPr lang="ru-RU" dirty="0">
+              <a:latin typeface="Times New Roman" panose="02020603050405020304" pitchFamily="18" charset="0"/>
+              <a:cs typeface="Times New Roman" panose="02020603050405020304" pitchFamily="18" charset="0"/>
+            </a:endParaRPr>
           </a:p>
         </p:txBody>
       </p:sp>
@@ -15940,9 +15541,27 @@
                 <a:tableStyleId>{5C22544A-7EE6-4342-B048-85BDC9FD1C3A}</a:tableStyleId>
               </a:tblPr>
               <a:tblGrid>
-                <a:gridCol w="2315688"/>
-                <a:gridCol w="4370119"/>
-                <a:gridCol w="4702629"/>
+                <a:gridCol w="2315688">
+                  <a:extLst>
+                    <a:ext uri="{9D8B030D-6E8A-4147-A177-3AD203B41FA5}">
+                      <a16:colId xmlns:a16="http://schemas.microsoft.com/office/drawing/2014/main" val="20000"/>
+                    </a:ext>
+                  </a:extLst>
+                </a:gridCol>
+                <a:gridCol w="4370119">
+                  <a:extLst>
+                    <a:ext uri="{9D8B030D-6E8A-4147-A177-3AD203B41FA5}">
+                      <a16:colId xmlns:a16="http://schemas.microsoft.com/office/drawing/2014/main" val="20001"/>
+                    </a:ext>
+                  </a:extLst>
+                </a:gridCol>
+                <a:gridCol w="4702629">
+                  <a:extLst>
+                    <a:ext uri="{9D8B030D-6E8A-4147-A177-3AD203B41FA5}">
+                      <a16:colId xmlns:a16="http://schemas.microsoft.com/office/drawing/2014/main" val="20002"/>
+                    </a:ext>
+                  </a:extLst>
+                </a:gridCol>
               </a:tblGrid>
               <a:tr h="894696">
                 <a:tc>
@@ -15978,19 +15597,7 @@
                         <a:rPr lang="ru-RU" sz="1000" dirty="0">
                           <a:effectLst/>
                         </a:rPr>
-                        <a:t> </a:t>
-                      </a:r>
-                      <a:r>
-                        <a:rPr lang="ru-RU" sz="1000" dirty="0" smtClean="0">
-                          <a:effectLst/>
-                        </a:rPr>
-                        <a:t>Подготовка </a:t>
-                      </a:r>
-                      <a:r>
-                        <a:rPr lang="ru-RU" sz="1000" dirty="0">
-                          <a:effectLst/>
-                        </a:rPr>
-                        <a:t>к тестированию</a:t>
+                        <a:t> Подготовка к тестированию</a:t>
                       </a:r>
                       <a:endParaRPr lang="ru-RU" sz="1000" dirty="0">
                         <a:effectLst/>
@@ -16015,7 +15622,7 @@
                           <a:spcPts val="0"/>
                         </a:spcAft>
                       </a:pPr>
-                      <a:endParaRPr lang="ru-RU" sz="1000" dirty="0" smtClean="0">
+                      <a:endParaRPr lang="ru-RU" sz="1000" dirty="0">
                         <a:effectLst/>
                       </a:endParaRPr>
                     </a:p>
@@ -16029,16 +15636,10 @@
                         </a:spcAft>
                       </a:pPr>
                       <a:r>
-                        <a:rPr lang="ru-RU" sz="1000" dirty="0" smtClean="0">
-                          <a:effectLst/>
-                        </a:rPr>
-                        <a:t>Убедитесь</a:t>
-                      </a:r>
-                      <a:r>
                         <a:rPr lang="ru-RU" sz="1000" dirty="0">
                           <a:effectLst/>
                         </a:rPr>
-                        <a:t>, что приложение установлено и запущено на устройстве, на котором будет проводиться тестирование.</a:t>
+                        <a:t>Убедитесь, что приложение установлено и запущено на устройстве, на котором будет проводиться тестирование.</a:t>
                       </a:r>
                       <a:endParaRPr lang="ru-RU" sz="1000" dirty="0">
                         <a:effectLst/>
@@ -16063,7 +15664,7 @@
                           <a:spcPts val="0"/>
                         </a:spcAft>
                       </a:pPr>
-                      <a:endParaRPr lang="ru-RU" sz="1000" dirty="0" smtClean="0">
+                      <a:endParaRPr lang="ru-RU" sz="1000" dirty="0">
                         <a:effectLst/>
                         <a:latin typeface="Calibri"/>
                         <a:ea typeface="Calibri"/>
@@ -16080,7 +15681,7 @@
                         </a:spcAft>
                       </a:pPr>
                       <a:r>
-                        <a:rPr lang="ru-RU" sz="1000" dirty="0" smtClean="0">
+                        <a:rPr lang="ru-RU" sz="1000" dirty="0">
                           <a:effectLst/>
                           <a:latin typeface="Calibri"/>
                           <a:ea typeface="Calibri"/>
@@ -16088,16 +15689,15 @@
                         </a:rPr>
                         <a:t>Фото</a:t>
                       </a:r>
-                      <a:endParaRPr lang="ru-RU" sz="1000" dirty="0">
-                        <a:effectLst/>
-                        <a:latin typeface="Calibri"/>
-                        <a:ea typeface="Calibri"/>
-                        <a:cs typeface="Times New Roman"/>
-                      </a:endParaRPr>
                     </a:p>
                   </a:txBody>
                   <a:tcPr marL="24878" marR="24878" marT="0" marB="0"/>
                 </a:tc>
+                <a:extLst>
+                  <a:ext uri="{0D108BD9-81ED-4DB2-BD59-A6C34878D82A}">
+                    <a16:rowId xmlns:a16="http://schemas.microsoft.com/office/drawing/2014/main" val="10000"/>
+                  </a:ext>
+                </a:extLst>
               </a:tr>
               <a:tr h="1187818">
                 <a:tc>
@@ -16130,16 +15730,10 @@
                         </a:spcAft>
                       </a:pPr>
                       <a:r>
-                        <a:rPr lang="ru-RU" sz="1000" dirty="0" smtClean="0">
-                          <a:effectLst/>
-                        </a:rPr>
-                        <a:t>Проверка </a:t>
-                      </a:r>
-                      <a:r>
                         <a:rPr lang="ru-RU" sz="1000" dirty="0">
                           <a:effectLst/>
                         </a:rPr>
-                        <a:t>главной страницы</a:t>
+                        <a:t>Проверка главной страницы</a:t>
                       </a:r>
                       <a:endParaRPr lang="ru-RU" sz="1000" dirty="0">
                         <a:effectLst/>
@@ -16203,6 +15797,11 @@
                   </a:txBody>
                   <a:tcPr marL="24878" marR="24878" marT="0" marB="0"/>
                 </a:tc>
+                <a:extLst>
+                  <a:ext uri="{0D108BD9-81ED-4DB2-BD59-A6C34878D82A}">
+                    <a16:rowId xmlns:a16="http://schemas.microsoft.com/office/drawing/2014/main" val="10001"/>
+                  </a:ext>
+                </a:extLst>
               </a:tr>
               <a:tr h="1187818">
                 <a:tc>
@@ -16238,19 +15837,7 @@
                         <a:rPr lang="ru-RU" sz="1000" dirty="0">
                           <a:effectLst/>
                         </a:rPr>
-                        <a:t> </a:t>
-                      </a:r>
-                      <a:r>
-                        <a:rPr lang="ru-RU" sz="1000" dirty="0" smtClean="0">
-                          <a:effectLst/>
-                        </a:rPr>
-                        <a:t>Проверка </a:t>
-                      </a:r>
-                      <a:r>
-                        <a:rPr lang="ru-RU" sz="1000" dirty="0">
-                          <a:effectLst/>
-                        </a:rPr>
-                        <a:t>редактирования контакта</a:t>
+                        <a:t> Проверка редактирования контакта</a:t>
                       </a:r>
                       <a:endParaRPr lang="ru-RU" sz="1000" dirty="0">
                         <a:effectLst/>
@@ -16314,6 +15901,11 @@
                   </a:txBody>
                   <a:tcPr marL="24878" marR="24878" marT="0" marB="0"/>
                 </a:tc>
+                <a:extLst>
+                  <a:ext uri="{0D108BD9-81ED-4DB2-BD59-A6C34878D82A}">
+                    <a16:rowId xmlns:a16="http://schemas.microsoft.com/office/drawing/2014/main" val="10002"/>
+                  </a:ext>
+                </a:extLst>
               </a:tr>
               <a:tr h="1229240">
                 <a:tc>
@@ -16330,16 +15922,10 @@
                         </a:spcAft>
                       </a:pPr>
                       <a:r>
-                        <a:rPr lang="ru-RU" sz="1000" dirty="0" smtClean="0">
-                          <a:effectLst/>
-                        </a:rPr>
-                        <a:t>Проверка </a:t>
-                      </a:r>
-                      <a:r>
                         <a:rPr lang="ru-RU" sz="1000" dirty="0">
                           <a:effectLst/>
                         </a:rPr>
-                        <a:t>состояния ошибки</a:t>
+                        <a:t>Проверка состояния ошибки</a:t>
                       </a:r>
                       <a:endParaRPr lang="ru-RU" sz="1000" dirty="0">
                         <a:effectLst/>
@@ -16403,6 +15989,11 @@
                   </a:txBody>
                   <a:tcPr marL="24878" marR="24878" marT="0" marB="0"/>
                 </a:tc>
+                <a:extLst>
+                  <a:ext uri="{0D108BD9-81ED-4DB2-BD59-A6C34878D82A}">
+                    <a16:rowId xmlns:a16="http://schemas.microsoft.com/office/drawing/2014/main" val="10003"/>
+                  </a:ext>
+                </a:extLst>
               </a:tr>
             </a:tbl>
           </a:graphicData>
@@ -16432,20 +16023,15 @@
           <a:p>
             <a:pPr algn="ctr"/>
             <a:r>
-              <a:rPr lang="ru-RU" sz="2600" dirty="0" smtClean="0">
+              <a:rPr lang="ru-RU" sz="2600" dirty="0">
                 <a:solidFill>
                   <a:schemeClr val="bg1"/>
                 </a:solidFill>
-                <a:latin typeface="Book Antiqua" pitchFamily="18" charset="0"/>
+                <a:latin typeface="Times New Roman" panose="02020603050405020304" pitchFamily="18" charset="0"/>
+                <a:cs typeface="Times New Roman" panose="02020603050405020304" pitchFamily="18" charset="0"/>
               </a:rPr>
               <a:t>Визуальное тестирование программы</a:t>
             </a:r>
-            <a:endParaRPr lang="ru-RU" sz="2600" dirty="0">
-              <a:solidFill>
-                <a:schemeClr val="bg1"/>
-              </a:solidFill>
-              <a:latin typeface="Book Antiqua" pitchFamily="18" charset="0"/>
-            </a:endParaRPr>
           </a:p>
         </p:txBody>
       </p:sp>
@@ -16525,17 +16111,10 @@
   <p:clrMapOvr>
     <a:masterClrMapping/>
   </p:clrMapOvr>
-  <p:timing>
-    <p:tnLst>
-      <p:par>
-        <p:cTn id="1" dur="indefinite" restart="never" nodeType="tmRoot"/>
-      </p:par>
-    </p:tnLst>
-  </p:timing>
 </p:sld>
 </file>
 
-<file path=ppt/slides/slide17.xml><?xml version="1.0" encoding="utf-8"?>
+<file path=ppt/slides/slide16.xml><?xml version="1.0" encoding="utf-8"?>
 <p:sld xmlns:a="http://schemas.openxmlformats.org/drawingml/2006/main" xmlns:r="http://schemas.openxmlformats.org/officeDocument/2006/relationships" xmlns:p="http://schemas.openxmlformats.org/presentationml/2006/main">
   <p:cSld>
     <p:spTree>
@@ -16596,18 +16175,21 @@
               <a:buNone/>
             </a:pPr>
             <a:r>
-              <a:rPr lang="ru-RU" sz="4000">
+              <a:rPr lang="ru-RU" sz="4000" dirty="0">
                 <a:solidFill>
                   <a:schemeClr val="lt1"/>
                 </a:solidFill>
-                <a:latin typeface="Book Antiqua"/>
+                <a:latin typeface="Times New Roman" panose="02020603050405020304" pitchFamily="18" charset="0"/>
                 <a:ea typeface="Book Antiqua"/>
-                <a:cs typeface="Book Antiqua"/>
+                <a:cs typeface="Times New Roman" panose="02020603050405020304" pitchFamily="18" charset="0"/>
                 <a:sym typeface="Book Antiqua"/>
               </a:rPr>
               <a:t>ЗАКЛЮЧЕНИЕ</a:t>
             </a:r>
-            <a:endParaRPr/>
+            <a:endParaRPr dirty="0">
+              <a:latin typeface="Times New Roman" panose="02020603050405020304" pitchFamily="18" charset="0"/>
+              <a:cs typeface="Times New Roman" panose="02020603050405020304" pitchFamily="18" charset="0"/>
+            </a:endParaRPr>
           </a:p>
         </p:txBody>
       </p:sp>
@@ -16647,26 +16229,12 @@
               <a:buSzPts val="2600"/>
             </a:pPr>
             <a:r>
-              <a:rPr lang="ru-RU" sz="2600" dirty="0" smtClean="0"/>
-              <a:t>В результате практики овладел основными видами деятельности, связанными </a:t>
+              <a:rPr lang="ru-RU" sz="2600" dirty="0">
+                <a:latin typeface="Times New Roman" panose="02020603050405020304" pitchFamily="18" charset="0"/>
+                <a:cs typeface="Times New Roman" panose="02020603050405020304" pitchFamily="18" charset="0"/>
+              </a:rPr>
+              <a:t>В результате практики овладел основными видами деятельности, связанными с осуществлением интеграции программных модулей, а также приобрел необходимые профессиональные компетенции и личностные результаты.</a:t>
             </a:r>
-            <a:r>
-              <a:rPr lang="ru-RU" sz="2600" dirty="0"/>
-              <a:t>с </a:t>
-            </a:r>
-            <a:r>
-              <a:rPr lang="ru-RU" sz="2600" dirty="0" smtClean="0"/>
-              <a:t>осуществлением </a:t>
-            </a:r>
-            <a:r>
-              <a:rPr lang="ru-RU" sz="2600" dirty="0"/>
-              <a:t>интеграции программных модулей, </a:t>
-            </a:r>
-            <a:r>
-              <a:rPr lang="ru-RU" sz="2600" dirty="0" smtClean="0"/>
-              <a:t>а также приобрел необходимые профессиональные компетенции и личностные результаты.</a:t>
-            </a:r>
-            <a:endParaRPr sz="2600" dirty="0"/>
           </a:p>
         </p:txBody>
       </p:sp>
@@ -16675,13 +16243,6 @@
   <p:clrMapOvr>
     <a:masterClrMapping/>
   </p:clrMapOvr>
-  <p:timing>
-    <p:tnLst>
-      <p:par>
-        <p:cTn id="1" dur="indefinite" restart="never" nodeType="tmRoot"/>
-      </p:par>
-    </p:tnLst>
-  </p:timing>
 </p:sld>
 </file>
 
@@ -16750,9 +16311,9 @@
                 <a:solidFill>
                   <a:schemeClr val="lt1"/>
                 </a:solidFill>
-                <a:latin typeface="Book Antiqua"/>
+                <a:latin typeface="Times New Roman" panose="02020603050405020304" pitchFamily="18" charset="0"/>
                 <a:ea typeface="Book Antiqua"/>
-                <a:cs typeface="Book Antiqua"/>
+                <a:cs typeface="Times New Roman" panose="02020603050405020304" pitchFamily="18" charset="0"/>
                 <a:sym typeface="Book Antiqua"/>
               </a:rPr>
               <a:t>ВВЕДЕНИЕ</a:t>
@@ -16761,9 +16322,9 @@
               <a:solidFill>
                 <a:schemeClr val="lt1"/>
               </a:solidFill>
-              <a:latin typeface="Book Antiqua"/>
+              <a:latin typeface="Times New Roman" panose="02020603050405020304" pitchFamily="18" charset="0"/>
               <a:ea typeface="Book Antiqua"/>
-              <a:cs typeface="Book Antiqua"/>
+              <a:cs typeface="Times New Roman" panose="02020603050405020304" pitchFamily="18" charset="0"/>
               <a:sym typeface="Book Antiqua"/>
             </a:endParaRPr>
           </a:p>
@@ -16805,10 +16366,12 @@
               <a:buNone/>
             </a:pPr>
             <a:r>
-              <a:rPr lang="ru-RU" sz="2400" dirty="0"/>
+              <a:rPr lang="ru-RU" sz="2400" dirty="0">
+                <a:latin typeface="Times New Roman" panose="02020603050405020304" pitchFamily="18" charset="0"/>
+                <a:cs typeface="Times New Roman" panose="02020603050405020304" pitchFamily="18" charset="0"/>
+              </a:rPr>
               <a:t>Этот проект посвящен изучению различных алгоритмов и программных решений, применяемых в разных сферах. </a:t>
             </a:r>
-            <a:endParaRPr lang="ru-RU" sz="2400" dirty="0" smtClean="0"/>
           </a:p>
           <a:p>
             <a:pPr marL="548640" lvl="0" indent="0">
@@ -16818,12 +16381,11 @@
               <a:buNone/>
             </a:pPr>
             <a:r>
-              <a:rPr lang="ru-RU" sz="2400" dirty="0" smtClean="0"/>
-              <a:t>Мы </a:t>
-            </a:r>
-            <a:r>
-              <a:rPr lang="ru-RU" sz="2400" dirty="0"/>
-              <a:t>рассмотрим четыре интересных проекта:</a:t>
+              <a:rPr lang="ru-RU" sz="2400" dirty="0">
+                <a:latin typeface="Times New Roman" panose="02020603050405020304" pitchFamily="18" charset="0"/>
+                <a:cs typeface="Times New Roman" panose="02020603050405020304" pitchFamily="18" charset="0"/>
+              </a:rPr>
+              <a:t>Мы рассмотрим четыре интересных проекта:</a:t>
             </a:r>
           </a:p>
           <a:p>
@@ -16835,7 +16397,10 @@
               <a:buAutoNum type="arabicParenR"/>
             </a:pPr>
             <a:r>
-              <a:rPr lang="ru-RU" sz="2400" dirty="0"/>
+              <a:rPr lang="ru-RU" sz="2400" dirty="0">
+                <a:latin typeface="Times New Roman" panose="02020603050405020304" pitchFamily="18" charset="0"/>
+                <a:cs typeface="Times New Roman" panose="02020603050405020304" pitchFamily="18" charset="0"/>
+              </a:rPr>
               <a:t>Медицинская лаборатория: Разработка программного обеспечения для управления лабораторной диагностикой.</a:t>
             </a:r>
           </a:p>
@@ -16848,7 +16413,10 @@
               <a:buAutoNum type="arabicParenR"/>
             </a:pPr>
             <a:r>
-              <a:rPr lang="ru-RU" sz="2400" dirty="0"/>
+              <a:rPr lang="ru-RU" sz="2400" dirty="0">
+                <a:latin typeface="Times New Roman" panose="02020603050405020304" pitchFamily="18" charset="0"/>
+                <a:cs typeface="Times New Roman" panose="02020603050405020304" pitchFamily="18" charset="0"/>
+              </a:rPr>
               <a:t>Телефонный справочник: Создание приложения для хранения и поиска контактной информации.</a:t>
             </a:r>
           </a:p>
@@ -16861,7 +16429,10 @@
               <a:buAutoNum type="arabicParenR"/>
             </a:pPr>
             <a:r>
-              <a:rPr lang="ru-RU" sz="2400" dirty="0"/>
+              <a:rPr lang="ru-RU" sz="2400" dirty="0">
+                <a:latin typeface="Times New Roman" panose="02020603050405020304" pitchFamily="18" charset="0"/>
+                <a:cs typeface="Times New Roman" panose="02020603050405020304" pitchFamily="18" charset="0"/>
+              </a:rPr>
               <a:t>Решение ЗЛП графическим методом: Изучение графического метода решения задач линейного программирования.</a:t>
             </a:r>
           </a:p>
@@ -16874,7 +16445,10 @@
               <a:buAutoNum type="arabicParenR"/>
             </a:pPr>
             <a:r>
-              <a:rPr lang="ru-RU" sz="2400" dirty="0"/>
+              <a:rPr lang="ru-RU" sz="2400" dirty="0">
+                <a:latin typeface="Times New Roman" panose="02020603050405020304" pitchFamily="18" charset="0"/>
+                <a:cs typeface="Times New Roman" panose="02020603050405020304" pitchFamily="18" charset="0"/>
+              </a:rPr>
               <a:t>Решение ЗЛП симплекс-методом: Изучение симплекс-метода решения задач линейного программирования.</a:t>
             </a:r>
           </a:p>
@@ -16889,373 +16463,6 @@
 </file>
 
 <file path=ppt/slides/slide3.xml><?xml version="1.0" encoding="utf-8"?>
-<p:sld xmlns:a="http://schemas.openxmlformats.org/drawingml/2006/main" xmlns:r="http://schemas.openxmlformats.org/officeDocument/2006/relationships" xmlns:p="http://schemas.openxmlformats.org/presentationml/2006/main">
-  <p:cSld>
-    <p:spTree>
-      <p:nvGrpSpPr>
-        <p:cNvPr id="1" name="Shape 103"/>
-        <p:cNvGrpSpPr/>
-        <p:nvPr/>
-      </p:nvGrpSpPr>
-      <p:grpSpPr>
-        <a:xfrm>
-          <a:off x="0" y="0"/>
-          <a:ext cx="0" cy="0"/>
-          <a:chOff x="0" y="0"/>
-          <a:chExt cx="0" cy="0"/>
-        </a:xfrm>
-      </p:grpSpPr>
-      <p:sp>
-        <p:nvSpPr>
-          <p:cNvPr id="104" name="Google Shape;104;p16"/>
-          <p:cNvSpPr txBox="1">
-            <a:spLocks noGrp="1"/>
-          </p:cNvSpPr>
-          <p:nvPr>
-            <p:ph type="title"/>
-          </p:nvPr>
-        </p:nvSpPr>
-        <p:spPr>
-          <a:xfrm>
-            <a:off x="609521" y="274638"/>
-            <a:ext cx="10971372" cy="1143000"/>
-          </a:xfrm>
-          <a:prstGeom prst="rect">
-            <a:avLst/>
-          </a:prstGeom>
-          <a:noFill/>
-          <a:ln>
-            <a:noFill/>
-          </a:ln>
-        </p:spPr>
-        <p:txBody>
-          <a:bodyPr spcFirstLastPara="1" wrap="square" lIns="91425" tIns="45700" rIns="91425" bIns="45700" anchor="ctr" anchorCtr="0">
-            <a:noAutofit/>
-          </a:bodyPr>
-          <a:lstStyle/>
-          <a:p>
-            <a:pPr marL="0" lvl="0" indent="0" algn="ctr" rtl="0">
-              <a:spcBef>
-                <a:spcPts val="0"/>
-              </a:spcBef>
-              <a:spcAft>
-                <a:spcPts val="0"/>
-              </a:spcAft>
-              <a:buClr>
-                <a:schemeClr val="lt1"/>
-              </a:buClr>
-              <a:buSzPts val="3200"/>
-              <a:buFont typeface="Book Antiqua"/>
-              <a:buNone/>
-            </a:pPr>
-            <a:r>
-              <a:rPr lang="ru-RU" sz="3200" dirty="0">
-                <a:solidFill>
-                  <a:schemeClr val="lt1"/>
-                </a:solidFill>
-                <a:latin typeface="Book Antiqua"/>
-                <a:ea typeface="Book Antiqua"/>
-                <a:cs typeface="Book Antiqua"/>
-                <a:sym typeface="Book Antiqua"/>
-              </a:rPr>
-              <a:t>Стадии разработки</a:t>
-            </a:r>
-            <a:endParaRPr sz="3200" dirty="0">
-              <a:solidFill>
-                <a:schemeClr val="lt1"/>
-              </a:solidFill>
-              <a:latin typeface="Book Antiqua"/>
-              <a:ea typeface="Book Antiqua"/>
-              <a:cs typeface="Book Antiqua"/>
-              <a:sym typeface="Book Antiqua"/>
-            </a:endParaRPr>
-          </a:p>
-        </p:txBody>
-      </p:sp>
-      <p:sp>
-        <p:nvSpPr>
-          <p:cNvPr id="105" name="Google Shape;105;p16"/>
-          <p:cNvSpPr txBox="1">
-            <a:spLocks noGrp="1"/>
-          </p:cNvSpPr>
-          <p:nvPr>
-            <p:ph type="body" idx="1"/>
-          </p:nvPr>
-        </p:nvSpPr>
-        <p:spPr>
-          <a:xfrm>
-            <a:off x="609558" y="1354400"/>
-            <a:ext cx="10971300" cy="4709100"/>
-          </a:xfrm>
-          <a:prstGeom prst="rect">
-            <a:avLst/>
-          </a:prstGeom>
-          <a:noFill/>
-          <a:ln>
-            <a:noFill/>
-          </a:ln>
-        </p:spPr>
-        <p:txBody>
-          <a:bodyPr spcFirstLastPara="1" wrap="square" lIns="91425" tIns="45700" rIns="91425" bIns="45700" anchor="t" anchorCtr="0">
-            <a:noAutofit/>
-          </a:bodyPr>
-          <a:lstStyle/>
-          <a:p>
-            <a:pPr marL="0" lvl="0" indent="0" algn="l" rtl="0">
-              <a:lnSpc>
-                <a:spcPct val="80000"/>
-              </a:lnSpc>
-              <a:spcBef>
-                <a:spcPts val="560"/>
-              </a:spcBef>
-              <a:spcAft>
-                <a:spcPts val="0"/>
-              </a:spcAft>
-              <a:buClr>
-                <a:schemeClr val="dk1"/>
-              </a:buClr>
-              <a:buSzPts val="1100"/>
-              <a:buFont typeface="Arial"/>
-              <a:buNone/>
-            </a:pPr>
-            <a:r>
-              <a:rPr lang="ru-RU" sz="2400" b="1" dirty="0"/>
-              <a:t>Анализ требований:</a:t>
-            </a:r>
-            <a:endParaRPr sz="2400" b="1" dirty="0"/>
-          </a:p>
-          <a:p>
-            <a:pPr marL="0" lvl="0" indent="0" algn="l" rtl="0">
-              <a:lnSpc>
-                <a:spcPct val="80000"/>
-              </a:lnSpc>
-              <a:spcBef>
-                <a:spcPts val="560"/>
-              </a:spcBef>
-              <a:spcAft>
-                <a:spcPts val="0"/>
-              </a:spcAft>
-              <a:buClr>
-                <a:schemeClr val="dk1"/>
-              </a:buClr>
-              <a:buSzPts val="1100"/>
-              <a:buFont typeface="Arial"/>
-              <a:buNone/>
-            </a:pPr>
-            <a:r>
-              <a:rPr lang="ru-RU" sz="2400" dirty="0"/>
-              <a:t>На данной стадии формулируются цели и задачи проекта, выделяются базовые сущности. Создается основа для дальнейшего проектирования</a:t>
-            </a:r>
-            <a:endParaRPr sz="2400" dirty="0"/>
-          </a:p>
-          <a:p>
-            <a:pPr marL="0" lvl="0" indent="0" algn="l" rtl="0">
-              <a:lnSpc>
-                <a:spcPct val="80000"/>
-              </a:lnSpc>
-              <a:spcBef>
-                <a:spcPts val="560"/>
-              </a:spcBef>
-              <a:spcAft>
-                <a:spcPts val="0"/>
-              </a:spcAft>
-              <a:buClr>
-                <a:schemeClr val="dk1"/>
-              </a:buClr>
-              <a:buSzPts val="1100"/>
-              <a:buFont typeface="Arial"/>
-              <a:buNone/>
-            </a:pPr>
-            <a:r>
-              <a:rPr lang="ru-RU" sz="2400" b="1" dirty="0"/>
-              <a:t>Проектирование:</a:t>
-            </a:r>
-            <a:endParaRPr sz="2400" b="1" dirty="0"/>
-          </a:p>
-          <a:p>
-            <a:pPr marL="0" lvl="0" indent="0" algn="l" rtl="0">
-              <a:lnSpc>
-                <a:spcPct val="80000"/>
-              </a:lnSpc>
-              <a:spcBef>
-                <a:spcPts val="560"/>
-              </a:spcBef>
-              <a:spcAft>
-                <a:spcPts val="0"/>
-              </a:spcAft>
-              <a:buClr>
-                <a:schemeClr val="dk1"/>
-              </a:buClr>
-              <a:buSzPts val="1100"/>
-              <a:buFont typeface="Arial"/>
-              <a:buNone/>
-            </a:pPr>
-            <a:r>
-              <a:rPr lang="ru-RU" sz="2400" dirty="0"/>
-              <a:t>На стадии проектирование должны быть выполнены перечисленные ниже этапы работ:</a:t>
-            </a:r>
-            <a:endParaRPr sz="2400" dirty="0"/>
-          </a:p>
-          <a:p>
-            <a:pPr marL="0" lvl="0" indent="0" algn="l" rtl="0">
-              <a:lnSpc>
-                <a:spcPct val="80000"/>
-              </a:lnSpc>
-              <a:spcBef>
-                <a:spcPts val="560"/>
-              </a:spcBef>
-              <a:spcAft>
-                <a:spcPts val="0"/>
-              </a:spcAft>
-              <a:buNone/>
-            </a:pPr>
-            <a:r>
-              <a:rPr lang="ru-RU" sz="2400" b="1" dirty="0"/>
-              <a:t>  Разработка программной документации;</a:t>
-            </a:r>
-            <a:endParaRPr sz="2400" b="1" dirty="0"/>
-          </a:p>
-          <a:p>
-            <a:pPr marL="0" lvl="0" indent="0" algn="l" rtl="0">
-              <a:lnSpc>
-                <a:spcPct val="80000"/>
-              </a:lnSpc>
-              <a:spcBef>
-                <a:spcPts val="560"/>
-              </a:spcBef>
-              <a:spcAft>
-                <a:spcPts val="0"/>
-              </a:spcAft>
-              <a:buClr>
-                <a:schemeClr val="dk1"/>
-              </a:buClr>
-              <a:buSzPts val="1100"/>
-              <a:buFont typeface="Arial"/>
-              <a:buNone/>
-            </a:pPr>
-            <a:r>
-              <a:rPr lang="ru-RU" sz="2400" dirty="0"/>
-              <a:t>На этом этапе происходит разработка документации.</a:t>
-            </a:r>
-            <a:endParaRPr sz="2400" dirty="0"/>
-          </a:p>
-          <a:p>
-            <a:pPr marL="0" lvl="0" indent="0" algn="l" rtl="0">
-              <a:lnSpc>
-                <a:spcPct val="80000"/>
-              </a:lnSpc>
-              <a:spcBef>
-                <a:spcPts val="560"/>
-              </a:spcBef>
-              <a:spcAft>
-                <a:spcPts val="0"/>
-              </a:spcAft>
-              <a:buClr>
-                <a:schemeClr val="dk1"/>
-              </a:buClr>
-              <a:buSzPts val="1100"/>
-              <a:buFont typeface="Arial"/>
-              <a:buNone/>
-            </a:pPr>
-            <a:r>
-              <a:rPr lang="ru-RU" sz="2400" b="1" dirty="0"/>
-              <a:t>  Разработка алгоритма программы;</a:t>
-            </a:r>
-            <a:endParaRPr sz="2400" b="1" dirty="0"/>
-          </a:p>
-          <a:p>
-            <a:pPr marL="0" lvl="0" indent="0" algn="l" rtl="0">
-              <a:lnSpc>
-                <a:spcPct val="80000"/>
-              </a:lnSpc>
-              <a:spcBef>
-                <a:spcPts val="560"/>
-              </a:spcBef>
-              <a:spcAft>
-                <a:spcPts val="0"/>
-              </a:spcAft>
-              <a:buClr>
-                <a:schemeClr val="dk1"/>
-              </a:buClr>
-              <a:buSzPts val="1100"/>
-              <a:buFont typeface="Arial"/>
-              <a:buNone/>
-            </a:pPr>
-            <a:r>
-              <a:rPr lang="ru-RU" sz="2400" dirty="0"/>
-              <a:t>На этапе разработки алгоритма программы должен быть разработан алгоритм работы программы.</a:t>
-            </a:r>
-            <a:endParaRPr sz="2400" dirty="0"/>
-          </a:p>
-          <a:p>
-            <a:pPr marL="0" lvl="0" indent="0" algn="l" rtl="0">
-              <a:lnSpc>
-                <a:spcPct val="80000"/>
-              </a:lnSpc>
-              <a:spcBef>
-                <a:spcPts val="560"/>
-              </a:spcBef>
-              <a:spcAft>
-                <a:spcPts val="0"/>
-              </a:spcAft>
-              <a:buClr>
-                <a:schemeClr val="dk1"/>
-              </a:buClr>
-              <a:buSzPts val="1100"/>
-              <a:buFont typeface="Arial"/>
-              <a:buNone/>
-            </a:pPr>
-            <a:r>
-              <a:rPr lang="ru-RU" sz="2400" b="1" dirty="0"/>
-              <a:t>  Тестирование и отладка.</a:t>
-            </a:r>
-            <a:endParaRPr sz="2400" b="1" dirty="0"/>
-          </a:p>
-          <a:p>
-            <a:pPr marL="0" lvl="0" indent="0" algn="l" rtl="0">
-              <a:lnSpc>
-                <a:spcPct val="80000"/>
-              </a:lnSpc>
-              <a:spcBef>
-                <a:spcPts val="560"/>
-              </a:spcBef>
-              <a:spcAft>
-                <a:spcPts val="0"/>
-              </a:spcAft>
-              <a:buNone/>
-            </a:pPr>
-            <a:r>
-              <a:rPr lang="ru-RU" sz="2400" dirty="0"/>
-              <a:t>На стадии тестирование и отладка происходит проверка алгоритмов, реализованных в программе на работоспособность в различных ситуациях. </a:t>
-            </a:r>
-            <a:endParaRPr sz="2400" dirty="0"/>
-          </a:p>
-          <a:p>
-            <a:pPr marL="0" lvl="0" indent="0" algn="l" rtl="0">
-              <a:lnSpc>
-                <a:spcPct val="80000"/>
-              </a:lnSpc>
-              <a:spcBef>
-                <a:spcPts val="560"/>
-              </a:spcBef>
-              <a:spcAft>
-                <a:spcPts val="0"/>
-              </a:spcAft>
-              <a:buNone/>
-            </a:pPr>
-            <a:endParaRPr sz="2400" dirty="0"/>
-          </a:p>
-        </p:txBody>
-      </p:sp>
-    </p:spTree>
-  </p:cSld>
-  <p:clrMapOvr>
-    <a:masterClrMapping/>
-  </p:clrMapOvr>
-</p:sld>
-</file>
-
-<file path=ppt/slides/slide4.xml><?xml version="1.0" encoding="utf-8"?>
 <p:sld xmlns:a="http://schemas.openxmlformats.org/drawingml/2006/main" xmlns:r="http://schemas.openxmlformats.org/officeDocument/2006/relationships" xmlns:p="http://schemas.openxmlformats.org/presentationml/2006/main">
   <p:cSld>
     <p:spTree>
@@ -17311,17 +16518,17 @@
                 <a:solidFill>
                   <a:schemeClr val="lt1"/>
                 </a:solidFill>
-                <a:latin typeface="Book Antiqua"/>
+                <a:latin typeface="Times New Roman" panose="02020603050405020304" pitchFamily="18" charset="0"/>
                 <a:ea typeface="Book Antiqua"/>
-                <a:cs typeface="Book Antiqua"/>
+                <a:cs typeface="Times New Roman" panose="02020603050405020304" pitchFamily="18" charset="0"/>
                 <a:sym typeface="Book Antiqua"/>
               </a:rPr>
               <a:t>Диаграммы </a:t>
             </a:r>
             <a:endParaRPr sz="3200" dirty="0">
-              <a:latin typeface="Book Antiqua"/>
+              <a:latin typeface="Times New Roman" panose="02020603050405020304" pitchFamily="18" charset="0"/>
               <a:ea typeface="Book Antiqua"/>
-              <a:cs typeface="Book Antiqua"/>
+              <a:cs typeface="Times New Roman" panose="02020603050405020304" pitchFamily="18" charset="0"/>
               <a:sym typeface="Book Antiqua"/>
             </a:endParaRPr>
           </a:p>
@@ -17390,24 +16597,24 @@
               <a:buNone/>
             </a:pPr>
             <a:r>
-              <a:rPr lang="ru-RU" sz="2300">
+              <a:rPr lang="ru-RU" sz="2300" dirty="0">
                 <a:solidFill>
                   <a:schemeClr val="lt1"/>
                 </a:solidFill>
-                <a:latin typeface="Book Antiqua"/>
+                <a:latin typeface="Times New Roman" panose="02020603050405020304" pitchFamily="18" charset="0"/>
                 <a:ea typeface="Book Antiqua"/>
-                <a:cs typeface="Book Antiqua"/>
+                <a:cs typeface="Times New Roman" panose="02020603050405020304" pitchFamily="18" charset="0"/>
                 <a:sym typeface="Book Antiqua"/>
               </a:rPr>
               <a:t>Диаграмма вариантов использования</a:t>
             </a:r>
-            <a:endParaRPr sz="2300">
+            <a:endParaRPr sz="2300" dirty="0">
               <a:solidFill>
                 <a:schemeClr val="lt1"/>
               </a:solidFill>
-              <a:latin typeface="Book Antiqua"/>
+              <a:latin typeface="Times New Roman" panose="02020603050405020304" pitchFamily="18" charset="0"/>
               <a:ea typeface="Book Antiqua"/>
-              <a:cs typeface="Book Antiqua"/>
+              <a:cs typeface="Times New Roman" panose="02020603050405020304" pitchFamily="18" charset="0"/>
               <a:sym typeface="Book Antiqua"/>
             </a:endParaRPr>
           </a:p>
@@ -17476,24 +16683,24 @@
               <a:buNone/>
             </a:pPr>
             <a:r>
-              <a:rPr lang="ru-RU" sz="2300">
+              <a:rPr lang="ru-RU" sz="2300" dirty="0">
                 <a:solidFill>
                   <a:schemeClr val="lt1"/>
                 </a:solidFill>
-                <a:latin typeface="Book Antiqua"/>
+                <a:latin typeface="Times New Roman" panose="02020603050405020304" pitchFamily="18" charset="0"/>
                 <a:ea typeface="Book Antiqua"/>
-                <a:cs typeface="Book Antiqua"/>
+                <a:cs typeface="Times New Roman" panose="02020603050405020304" pitchFamily="18" charset="0"/>
                 <a:sym typeface="Book Antiqua"/>
               </a:rPr>
               <a:t>Диаграмма деятельности</a:t>
             </a:r>
-            <a:endParaRPr sz="2300">
+            <a:endParaRPr sz="2300" dirty="0">
               <a:solidFill>
                 <a:schemeClr val="lt1"/>
               </a:solidFill>
-              <a:latin typeface="Book Antiqua"/>
+              <a:latin typeface="Times New Roman" panose="02020603050405020304" pitchFamily="18" charset="0"/>
               <a:ea typeface="Book Antiqua"/>
-              <a:cs typeface="Book Antiqua"/>
+              <a:cs typeface="Times New Roman" panose="02020603050405020304" pitchFamily="18" charset="0"/>
               <a:sym typeface="Book Antiqua"/>
             </a:endParaRPr>
           </a:p>
@@ -17507,7 +16714,7 @@
 </p:sld>
 </file>
 
-<file path=ppt/slides/slide5.xml><?xml version="1.0" encoding="utf-8"?>
+<file path=ppt/slides/slide4.xml><?xml version="1.0" encoding="utf-8"?>
 <p:sld xmlns:a="http://schemas.openxmlformats.org/drawingml/2006/main" xmlns:r="http://schemas.openxmlformats.org/officeDocument/2006/relationships" xmlns:p="http://schemas.openxmlformats.org/presentationml/2006/main">
   <p:cSld>
     <p:spTree>
@@ -17563,14 +16770,17 @@
                 <a:solidFill>
                   <a:schemeClr val="lt1"/>
                 </a:solidFill>
-                <a:latin typeface="Book Antiqua"/>
+                <a:latin typeface="Times New Roman" panose="02020603050405020304" pitchFamily="18" charset="0"/>
                 <a:ea typeface="Book Antiqua"/>
-                <a:cs typeface="Book Antiqua"/>
+                <a:cs typeface="Times New Roman" panose="02020603050405020304" pitchFamily="18" charset="0"/>
                 <a:sym typeface="Book Antiqua"/>
               </a:rPr>
               <a:t>Диаграммы </a:t>
             </a:r>
-            <a:endParaRPr dirty="0"/>
+            <a:endParaRPr dirty="0">
+              <a:latin typeface="Times New Roman" panose="02020603050405020304" pitchFamily="18" charset="0"/>
+              <a:cs typeface="Times New Roman" panose="02020603050405020304" pitchFamily="18" charset="0"/>
+            </a:endParaRPr>
           </a:p>
         </p:txBody>
       </p:sp>
@@ -17641,9 +16851,9 @@
                 <a:solidFill>
                   <a:schemeClr val="lt1"/>
                 </a:solidFill>
-                <a:latin typeface="Book Antiqua"/>
+                <a:latin typeface="Times New Roman" panose="02020603050405020304" pitchFamily="18" charset="0"/>
                 <a:ea typeface="Book Antiqua"/>
-                <a:cs typeface="Book Antiqua"/>
+                <a:cs typeface="Times New Roman" panose="02020603050405020304" pitchFamily="18" charset="0"/>
                 <a:sym typeface="Book Antiqua"/>
               </a:rPr>
               <a:t>Диаграмму последовательности процесса принятия биоматериала лаборантом</a:t>
@@ -17652,9 +16862,9 @@
               <a:solidFill>
                 <a:schemeClr val="lt1"/>
               </a:solidFill>
-              <a:latin typeface="Book Antiqua"/>
+              <a:latin typeface="Times New Roman" panose="02020603050405020304" pitchFamily="18" charset="0"/>
               <a:ea typeface="Book Antiqua"/>
-              <a:cs typeface="Book Antiqua"/>
+              <a:cs typeface="Times New Roman" panose="02020603050405020304" pitchFamily="18" charset="0"/>
               <a:sym typeface="Book Antiqua"/>
             </a:endParaRPr>
           </a:p>
@@ -17727,9 +16937,9 @@
                 <a:solidFill>
                   <a:schemeClr val="lt1"/>
                 </a:solidFill>
-                <a:latin typeface="Book Antiqua"/>
+                <a:latin typeface="Times New Roman" panose="02020603050405020304" pitchFamily="18" charset="0"/>
                 <a:ea typeface="Book Antiqua"/>
-                <a:cs typeface="Book Antiqua"/>
+                <a:cs typeface="Times New Roman" panose="02020603050405020304" pitchFamily="18" charset="0"/>
                 <a:sym typeface="Book Antiqua"/>
               </a:rPr>
               <a:t>ER-диаграмма для информационной системы аптеки.</a:t>
@@ -17738,9 +16948,9 @@
               <a:solidFill>
                 <a:schemeClr val="lt1"/>
               </a:solidFill>
-              <a:latin typeface="Book Antiqua"/>
+              <a:latin typeface="Times New Roman" panose="02020603050405020304" pitchFamily="18" charset="0"/>
               <a:ea typeface="Book Antiqua"/>
-              <a:cs typeface="Book Antiqua"/>
+              <a:cs typeface="Times New Roman" panose="02020603050405020304" pitchFamily="18" charset="0"/>
               <a:sym typeface="Book Antiqua"/>
             </a:endParaRPr>
           </a:p>
@@ -17754,7 +16964,7 @@
 </p:sld>
 </file>
 
-<file path=ppt/slides/slide6.xml><?xml version="1.0" encoding="utf-8"?>
+<file path=ppt/slides/slide5.xml><?xml version="1.0" encoding="utf-8"?>
 <p:sld xmlns:a="http://schemas.openxmlformats.org/drawingml/2006/main" xmlns:r="http://schemas.openxmlformats.org/officeDocument/2006/relationships" xmlns:p="http://schemas.openxmlformats.org/presentationml/2006/main">
   <p:cSld>
     <p:spTree>
@@ -17798,14 +17008,17 @@
                 <a:solidFill>
                   <a:schemeClr val="lt1"/>
                 </a:solidFill>
-                <a:latin typeface="Book Antiqua"/>
+                <a:latin typeface="Times New Roman" panose="02020603050405020304" pitchFamily="18" charset="0"/>
                 <a:ea typeface="Book Antiqua"/>
-                <a:cs typeface="Book Antiqua"/>
+                <a:cs typeface="Times New Roman" panose="02020603050405020304" pitchFamily="18" charset="0"/>
                 <a:sym typeface="Book Antiqua"/>
               </a:rPr>
               <a:t>Диаграммы </a:t>
             </a:r>
-            <a:endParaRPr lang="ru-RU" sz="3200" dirty="0"/>
+            <a:endParaRPr lang="ru-RU" sz="3200" dirty="0">
+              <a:latin typeface="Times New Roman" panose="02020603050405020304" pitchFamily="18" charset="0"/>
+              <a:cs typeface="Times New Roman" panose="02020603050405020304" pitchFamily="18" charset="0"/>
+            </a:endParaRPr>
           </a:p>
         </p:txBody>
       </p:sp>
@@ -17897,11 +17110,12 @@
           <a:p>
             <a:pPr algn="ctr"/>
             <a:r>
-              <a:rPr lang="ru-RU" sz="2600" dirty="0" smtClean="0">
+              <a:rPr lang="ru-RU" sz="2600" dirty="0">
                 <a:solidFill>
                   <a:schemeClr val="bg1"/>
                 </a:solidFill>
-                <a:latin typeface="Book Antiqua" pitchFamily="18" charset="0"/>
+                <a:latin typeface="Times New Roman" panose="02020603050405020304" pitchFamily="18" charset="0"/>
+                <a:cs typeface="Times New Roman" panose="02020603050405020304" pitchFamily="18" charset="0"/>
               </a:rPr>
               <a:t>Модель базы данных </a:t>
             </a:r>
@@ -17910,24 +17124,17 @@
                 <a:solidFill>
                   <a:schemeClr val="bg1"/>
                 </a:solidFill>
-                <a:latin typeface="Book Antiqua" pitchFamily="18" charset="0"/>
+                <a:latin typeface="Times New Roman" panose="02020603050405020304" pitchFamily="18" charset="0"/>
+                <a:cs typeface="Times New Roman" panose="02020603050405020304" pitchFamily="18" charset="0"/>
               </a:rPr>
-              <a:t>SQL </a:t>
-            </a:r>
-            <a:r>
-              <a:rPr lang="en-US" sz="2600" dirty="0" smtClean="0">
-                <a:solidFill>
-                  <a:schemeClr val="bg1"/>
-                </a:solidFill>
-                <a:latin typeface="Book Antiqua" pitchFamily="18" charset="0"/>
-              </a:rPr>
-              <a:t>Server</a:t>
+              <a:t>SQL Server</a:t>
             </a:r>
             <a:endParaRPr lang="ru-RU" sz="2600" dirty="0">
               <a:solidFill>
                 <a:schemeClr val="bg1"/>
               </a:solidFill>
-              <a:latin typeface="Book Antiqua" pitchFamily="18" charset="0"/>
+              <a:latin typeface="Times New Roman" panose="02020603050405020304" pitchFamily="18" charset="0"/>
+              <a:cs typeface="Times New Roman" panose="02020603050405020304" pitchFamily="18" charset="0"/>
             </a:endParaRPr>
           </a:p>
         </p:txBody>
@@ -18020,20 +17227,15 @@
           <a:p>
             <a:pPr algn="ctr"/>
             <a:r>
-              <a:rPr lang="ru-RU" sz="2600" dirty="0" smtClean="0">
+              <a:rPr lang="ru-RU" sz="2600" dirty="0">
                 <a:solidFill>
                   <a:schemeClr val="bg1"/>
                 </a:solidFill>
-                <a:latin typeface="Book Antiqua" pitchFamily="18" charset="0"/>
+                <a:latin typeface="Times New Roman" panose="02020603050405020304" pitchFamily="18" charset="0"/>
+                <a:cs typeface="Times New Roman" panose="02020603050405020304" pitchFamily="18" charset="0"/>
               </a:rPr>
               <a:t>Таблицы базы данных Медицинская лаборатория</a:t>
             </a:r>
-            <a:endParaRPr lang="ru-RU" sz="2600" dirty="0">
-              <a:solidFill>
-                <a:schemeClr val="bg1"/>
-              </a:solidFill>
-              <a:latin typeface="Book Antiqua" pitchFamily="18" charset="0"/>
-            </a:endParaRPr>
           </a:p>
         </p:txBody>
       </p:sp>
@@ -18047,17 +17249,10 @@
   <p:clrMapOvr>
     <a:masterClrMapping/>
   </p:clrMapOvr>
-  <p:timing>
-    <p:tnLst>
-      <p:par>
-        <p:cTn id="1" dur="indefinite" restart="never" nodeType="tmRoot"/>
-      </p:par>
-    </p:tnLst>
-  </p:timing>
 </p:sld>
 </file>
 
-<file path=ppt/slides/slide7.xml><?xml version="1.0" encoding="utf-8"?>
+<file path=ppt/slides/slide6.xml><?xml version="1.0" encoding="utf-8"?>
 <p:sld xmlns:a="http://schemas.openxmlformats.org/drawingml/2006/main" xmlns:r="http://schemas.openxmlformats.org/officeDocument/2006/relationships" xmlns:p="http://schemas.openxmlformats.org/presentationml/2006/main">
   <p:cSld>
     <p:spTree>
@@ -18105,68 +17300,21 @@
               </a:spcBef>
             </a:pPr>
             <a:r>
-              <a:rPr lang="ru-RU" sz="3200" dirty="0" smtClean="0">
+              <a:rPr lang="ru-RU" sz="3200" dirty="0">
                 <a:solidFill>
                   <a:schemeClr val="lt1"/>
                 </a:solidFill>
-                <a:latin typeface="Book Antiqua"/>
+                <a:latin typeface="Times New Roman" panose="02020603050405020304" pitchFamily="18" charset="0"/>
                 <a:ea typeface="Book Antiqua"/>
-                <a:cs typeface="Book Antiqua"/>
-                <a:sym typeface="Book Antiqua"/>
-              </a:rPr>
-              <a:t>Руководство оператора</a:t>
-            </a:r>
-            <a:r>
-              <a:rPr lang="en-US" sz="3200" dirty="0" smtClean="0">
-                <a:solidFill>
-                  <a:schemeClr val="lt1"/>
-                </a:solidFill>
-                <a:latin typeface="Book Antiqua"/>
-                <a:ea typeface="Book Antiqua"/>
-                <a:cs typeface="Book Antiqua"/>
-                <a:sym typeface="Book Antiqua"/>
-              </a:rPr>
-              <a:t> </a:t>
-            </a:r>
-            <a:r>
-              <a:rPr lang="ru-RU" sz="3200" dirty="0" smtClean="0">
-                <a:solidFill>
-                  <a:schemeClr val="lt1"/>
-                </a:solidFill>
-                <a:latin typeface="Book Antiqua"/>
-                <a:ea typeface="Book Antiqua"/>
-                <a:cs typeface="Book Antiqua"/>
-                <a:sym typeface="Book Antiqua"/>
-              </a:rPr>
-              <a:t>по программе </a:t>
-            </a:r>
-            <a:br>
-              <a:rPr lang="ru-RU" sz="3200" dirty="0" smtClean="0">
-                <a:solidFill>
-                  <a:schemeClr val="lt1"/>
-                </a:solidFill>
-                <a:latin typeface="Book Antiqua"/>
-                <a:ea typeface="Book Antiqua"/>
-                <a:cs typeface="Book Antiqua"/>
-                <a:sym typeface="Book Antiqua"/>
-              </a:rPr>
-            </a:br>
-            <a:r>
-              <a:rPr lang="ru-RU" sz="3200" dirty="0" smtClean="0">
-                <a:solidFill>
-                  <a:schemeClr val="lt1"/>
-                </a:solidFill>
-                <a:latin typeface="Book Antiqua"/>
-                <a:ea typeface="Book Antiqua"/>
-                <a:cs typeface="Book Antiqua"/>
+                <a:cs typeface="Times New Roman" panose="02020603050405020304" pitchFamily="18" charset="0"/>
                 <a:sym typeface="Book Antiqua"/>
               </a:rPr>
               <a:t>Медицинская лаборатория</a:t>
             </a:r>
             <a:endParaRPr sz="3200" dirty="0">
-              <a:latin typeface="Book Antiqua"/>
+              <a:latin typeface="Times New Roman" panose="02020603050405020304" pitchFamily="18" charset="0"/>
               <a:ea typeface="Book Antiqua"/>
-              <a:cs typeface="Book Antiqua"/>
+              <a:cs typeface="Times New Roman" panose="02020603050405020304" pitchFamily="18" charset="0"/>
               <a:sym typeface="Book Antiqua"/>
             </a:endParaRPr>
           </a:p>
@@ -18184,7 +17332,7 @@
         </p:nvSpPr>
         <p:spPr>
           <a:xfrm>
-            <a:off x="-122565" y="5536978"/>
+            <a:off x="-30252" y="5536978"/>
             <a:ext cx="2898826" cy="744483"/>
           </a:xfrm>
           <a:prstGeom prst="rect">
@@ -18193,7 +17341,7 @@
         </p:spPr>
         <p:txBody>
           <a:bodyPr spcFirstLastPara="1" wrap="square" lIns="91425" tIns="45700" rIns="91425" bIns="45700" anchor="t" anchorCtr="0">
-            <a:normAutofit fontScale="92500" lnSpcReduction="20000"/>
+            <a:normAutofit/>
           </a:bodyPr>
           <a:lstStyle/>
           <a:p>
@@ -18207,14 +17355,23 @@
               <a:buNone/>
             </a:pPr>
             <a:r>
-              <a:rPr lang="ru-RU" sz="2600" dirty="0" smtClean="0"/>
+              <a:rPr lang="ru-RU" sz="2600" dirty="0">
+                <a:latin typeface="Times New Roman" panose="02020603050405020304" pitchFamily="18" charset="0"/>
+                <a:cs typeface="Times New Roman" panose="02020603050405020304" pitchFamily="18" charset="0"/>
+              </a:rPr>
               <a:t>Окно авторизации</a:t>
             </a:r>
             <a:r>
-              <a:rPr lang="en-US" sz="2600" dirty="0"/>
+              <a:rPr lang="en-US" sz="2600" dirty="0">
+                <a:latin typeface="Times New Roman" panose="02020603050405020304" pitchFamily="18" charset="0"/>
+                <a:cs typeface="Times New Roman" panose="02020603050405020304" pitchFamily="18" charset="0"/>
+              </a:rPr>
               <a:t>:</a:t>
             </a:r>
-            <a:endParaRPr sz="2600" dirty="0"/>
+            <a:endParaRPr sz="2600" dirty="0">
+              <a:latin typeface="Times New Roman" panose="02020603050405020304" pitchFamily="18" charset="0"/>
+              <a:cs typeface="Times New Roman" panose="02020603050405020304" pitchFamily="18" charset="0"/>
+            </a:endParaRPr>
           </a:p>
         </p:txBody>
       </p:sp>
@@ -18230,7 +17387,7 @@
         </p:nvSpPr>
         <p:spPr>
           <a:xfrm>
-            <a:off x="2474823" y="1781368"/>
+            <a:off x="2555385" y="1564075"/>
             <a:ext cx="4343351" cy="641129"/>
           </a:xfrm>
           <a:prstGeom prst="rect">
@@ -18253,14 +17410,23 @@
               <a:buNone/>
             </a:pPr>
             <a:r>
-              <a:rPr lang="ru-RU" sz="2600" b="1" dirty="0"/>
+              <a:rPr lang="ru-RU" sz="2600" b="1" dirty="0">
+                <a:latin typeface="Times New Roman" panose="02020603050405020304" pitchFamily="18" charset="0"/>
+                <a:cs typeface="Times New Roman" panose="02020603050405020304" pitchFamily="18" charset="0"/>
+              </a:rPr>
               <a:t>Панель </a:t>
             </a:r>
             <a:r>
-              <a:rPr lang="ru-RU" sz="2600" dirty="0"/>
+              <a:rPr lang="ru-RU" sz="2600" dirty="0">
+                <a:latin typeface="Times New Roman" panose="02020603050405020304" pitchFamily="18" charset="0"/>
+                <a:cs typeface="Times New Roman" panose="02020603050405020304" pitchFamily="18" charset="0"/>
+              </a:rPr>
               <a:t>администратора:</a:t>
             </a:r>
-            <a:endParaRPr sz="2600" dirty="0"/>
+            <a:endParaRPr sz="2600" dirty="0">
+              <a:latin typeface="Times New Roman" panose="02020603050405020304" pitchFamily="18" charset="0"/>
+              <a:cs typeface="Times New Roman" panose="02020603050405020304" pitchFamily="18" charset="0"/>
+            </a:endParaRPr>
           </a:p>
         </p:txBody>
       </p:sp>
@@ -18487,16 +17653,11 @@
                 <a:solidFill>
                   <a:schemeClr val="bg1"/>
                 </a:solidFill>
-                <a:latin typeface="Book Antiqua" pitchFamily="18" charset="0"/>
+                <a:latin typeface="Times New Roman" panose="02020603050405020304" pitchFamily="18" charset="0"/>
+                <a:cs typeface="Times New Roman" panose="02020603050405020304" pitchFamily="18" charset="0"/>
               </a:rPr>
               <a:t>Панель доктора:</a:t>
             </a:r>
-            <a:endParaRPr lang="ru-RU" sz="2600" dirty="0">
-              <a:solidFill>
-                <a:schemeClr val="bg1"/>
-              </a:solidFill>
-              <a:latin typeface="Book Antiqua" pitchFamily="18" charset="0"/>
-            </a:endParaRPr>
           </a:p>
         </p:txBody>
       </p:sp>
@@ -18505,17 +17666,10 @@
   <p:clrMapOvr>
     <a:masterClrMapping/>
   </p:clrMapOvr>
-  <p:timing>
-    <p:tnLst>
-      <p:par>
-        <p:cTn id="1" dur="indefinite" restart="never" nodeType="tmRoot"/>
-      </p:par>
-    </p:tnLst>
-  </p:timing>
 </p:sld>
 </file>
 
-<file path=ppt/slides/slide8.xml><?xml version="1.0" encoding="utf-8"?>
+<file path=ppt/slides/slide7.xml><?xml version="1.0" encoding="utf-8"?>
 <p:sld xmlns:a="http://schemas.openxmlformats.org/drawingml/2006/main" xmlns:r="http://schemas.openxmlformats.org/officeDocument/2006/relationships" xmlns:p="http://schemas.openxmlformats.org/presentationml/2006/main">
   <p:cSld>
     <p:spTree>
@@ -18567,64 +17721,17 @@
                 <a:solidFill>
                   <a:schemeClr val="lt1"/>
                 </a:solidFill>
-                <a:latin typeface="Book Antiqua"/>
+                <a:latin typeface="Times New Roman" panose="02020603050405020304" pitchFamily="18" charset="0"/>
                 <a:ea typeface="Book Antiqua"/>
-                <a:cs typeface="Book Antiqua"/>
-                <a:sym typeface="Book Antiqua"/>
-              </a:rPr>
-              <a:t>Руководство оператора</a:t>
-            </a:r>
-            <a:r>
-              <a:rPr lang="en-US" sz="3200" dirty="0">
-                <a:solidFill>
-                  <a:schemeClr val="lt1"/>
-                </a:solidFill>
-                <a:latin typeface="Book Antiqua"/>
-                <a:ea typeface="Book Antiqua"/>
-                <a:cs typeface="Book Antiqua"/>
-                <a:sym typeface="Book Antiqua"/>
-              </a:rPr>
-              <a:t> </a:t>
-            </a:r>
-            <a:r>
-              <a:rPr lang="ru-RU" sz="3200" dirty="0">
-                <a:solidFill>
-                  <a:schemeClr val="lt1"/>
-                </a:solidFill>
-                <a:latin typeface="Book Antiqua"/>
-                <a:ea typeface="Book Antiqua"/>
-                <a:cs typeface="Book Antiqua"/>
-                <a:sym typeface="Book Antiqua"/>
-              </a:rPr>
-              <a:t>по программе </a:t>
-            </a:r>
-            <a:br>
-              <a:rPr lang="ru-RU" sz="3200" dirty="0">
-                <a:solidFill>
-                  <a:schemeClr val="lt1"/>
-                </a:solidFill>
-                <a:latin typeface="Book Antiqua"/>
-                <a:ea typeface="Book Antiqua"/>
-                <a:cs typeface="Book Antiqua"/>
-                <a:sym typeface="Book Antiqua"/>
-              </a:rPr>
-            </a:br>
-            <a:r>
-              <a:rPr lang="ru-RU" sz="3200" dirty="0">
-                <a:solidFill>
-                  <a:schemeClr val="lt1"/>
-                </a:solidFill>
-                <a:latin typeface="Book Antiqua"/>
-                <a:ea typeface="Book Antiqua"/>
-                <a:cs typeface="Book Antiqua"/>
+                <a:cs typeface="Times New Roman" panose="02020603050405020304" pitchFamily="18" charset="0"/>
                 <a:sym typeface="Book Antiqua"/>
               </a:rPr>
               <a:t>Медицинская лаборатория</a:t>
             </a:r>
             <a:endParaRPr sz="3200" dirty="0">
-              <a:latin typeface="Book Antiqua"/>
+              <a:latin typeface="Times New Roman" panose="02020603050405020304" pitchFamily="18" charset="0"/>
               <a:ea typeface="Book Antiqua"/>
-              <a:cs typeface="Book Antiqua"/>
+              <a:cs typeface="Times New Roman" panose="02020603050405020304" pitchFamily="18" charset="0"/>
               <a:sym typeface="Book Antiqua"/>
             </a:endParaRPr>
           </a:p>
@@ -18729,16 +17836,11 @@
                 <a:solidFill>
                   <a:schemeClr val="bg1"/>
                 </a:solidFill>
-                <a:latin typeface="Book Antiqua" pitchFamily="18" charset="0"/>
+                <a:latin typeface="Times New Roman" panose="02020603050405020304" pitchFamily="18" charset="0"/>
+                <a:cs typeface="Times New Roman" panose="02020603050405020304" pitchFamily="18" charset="0"/>
               </a:rPr>
               <a:t>Создание штрих-кода:</a:t>
             </a:r>
-            <a:endParaRPr lang="ru-RU" sz="2600" dirty="0">
-              <a:solidFill>
-                <a:schemeClr val="bg1"/>
-              </a:solidFill>
-              <a:latin typeface="Book Antiqua" pitchFamily="18" charset="0"/>
-            </a:endParaRPr>
           </a:p>
         </p:txBody>
       </p:sp>
@@ -18841,25 +17943,18 @@
                 <a:solidFill>
                   <a:schemeClr val="bg1"/>
                 </a:solidFill>
-                <a:latin typeface="Book Antiqua" pitchFamily="18" charset="0"/>
+                <a:latin typeface="Times New Roman" panose="02020603050405020304" pitchFamily="18" charset="0"/>
+                <a:cs typeface="Times New Roman" panose="02020603050405020304" pitchFamily="18" charset="0"/>
               </a:rPr>
-              <a:t>Добавление </a:t>
-            </a:r>
-            <a:r>
-              <a:rPr lang="ru-RU" sz="2600" dirty="0" smtClean="0">
-                <a:solidFill>
-                  <a:schemeClr val="bg1"/>
-                </a:solidFill>
-                <a:latin typeface="Book Antiqua" pitchFamily="18" charset="0"/>
-              </a:rPr>
-              <a:t>записи</a:t>
+              <a:t>Добавление записи</a:t>
             </a:r>
             <a:r>
               <a:rPr lang="en-US" sz="2600" dirty="0">
                 <a:solidFill>
                   <a:schemeClr val="bg1"/>
                 </a:solidFill>
-                <a:latin typeface="Book Antiqua" pitchFamily="18" charset="0"/>
+                <a:latin typeface="Times New Roman" panose="02020603050405020304" pitchFamily="18" charset="0"/>
+                <a:cs typeface="Times New Roman" panose="02020603050405020304" pitchFamily="18" charset="0"/>
               </a:rPr>
               <a:t>:</a:t>
             </a:r>
@@ -18867,7 +17962,8 @@
               <a:solidFill>
                 <a:schemeClr val="bg1"/>
               </a:solidFill>
-              <a:latin typeface="Book Antiqua" pitchFamily="18" charset="0"/>
+              <a:latin typeface="Times New Roman" panose="02020603050405020304" pitchFamily="18" charset="0"/>
+              <a:cs typeface="Times New Roman" panose="02020603050405020304" pitchFamily="18" charset="0"/>
             </a:endParaRPr>
           </a:p>
           <a:p>
@@ -18880,7 +17976,10 @@
               </a:spcBef>
               <a:buSzPts val="688"/>
             </a:pPr>
-            <a:endParaRPr lang="ru-RU" dirty="0"/>
+            <a:endParaRPr lang="ru-RU" dirty="0">
+              <a:latin typeface="Times New Roman" panose="02020603050405020304" pitchFamily="18" charset="0"/>
+              <a:cs typeface="Times New Roman" panose="02020603050405020304" pitchFamily="18" charset="0"/>
+            </a:endParaRPr>
           </a:p>
         </p:txBody>
       </p:sp>
@@ -18889,17 +17988,10 @@
   <p:clrMapOvr>
     <a:masterClrMapping/>
   </p:clrMapOvr>
-  <p:timing>
-    <p:tnLst>
-      <p:par>
-        <p:cTn id="1" dur="indefinite" restart="never" nodeType="tmRoot"/>
-      </p:par>
-    </p:tnLst>
-  </p:timing>
 </p:sld>
 </file>
 
-<file path=ppt/slides/slide9.xml><?xml version="1.0" encoding="utf-8"?>
+<file path=ppt/slides/slide8.xml><?xml version="1.0" encoding="utf-8"?>
 <p:sld xmlns:a="http://schemas.openxmlformats.org/drawingml/2006/main" xmlns:r="http://schemas.openxmlformats.org/officeDocument/2006/relationships" xmlns:p="http://schemas.openxmlformats.org/presentationml/2006/main">
   <p:cSld>
     <p:spTree>
@@ -18947,80 +18039,21 @@
               </a:spcBef>
             </a:pPr>
             <a:r>
-              <a:rPr lang="ru-RU" sz="3200" dirty="0" smtClean="0">
-                <a:solidFill>
-                  <a:schemeClr val="lt1"/>
-                </a:solidFill>
-                <a:latin typeface="Book Antiqua"/>
-                <a:ea typeface="Book Antiqua"/>
-                <a:cs typeface="Book Antiqua"/>
-                <a:sym typeface="Book Antiqua"/>
-              </a:rPr>
-              <a:t>Руководство оператора</a:t>
-            </a:r>
-            <a:r>
-              <a:rPr lang="en-US" sz="3200" dirty="0" smtClean="0">
-                <a:solidFill>
-                  <a:schemeClr val="lt1"/>
-                </a:solidFill>
-                <a:latin typeface="Book Antiqua"/>
-                <a:ea typeface="Book Antiqua"/>
-                <a:cs typeface="Book Antiqua"/>
-                <a:sym typeface="Book Antiqua"/>
-              </a:rPr>
-              <a:t> </a:t>
-            </a:r>
-            <a:r>
-              <a:rPr lang="ru-RU" sz="3200" dirty="0" smtClean="0">
-                <a:solidFill>
-                  <a:schemeClr val="lt1"/>
-                </a:solidFill>
-                <a:latin typeface="Book Antiqua"/>
-                <a:ea typeface="Book Antiqua"/>
-                <a:cs typeface="Book Antiqua"/>
-                <a:sym typeface="Book Antiqua"/>
-              </a:rPr>
-              <a:t>по программе </a:t>
-            </a:r>
-            <a:r>
               <a:rPr lang="ru-RU" sz="3200" dirty="0">
                 <a:solidFill>
                   <a:schemeClr val="lt1"/>
                 </a:solidFill>
-                <a:latin typeface="Book Antiqua"/>
+                <a:latin typeface="Times New Roman" panose="02020603050405020304" pitchFamily="18" charset="0"/>
                 <a:ea typeface="Book Antiqua"/>
-                <a:cs typeface="Book Antiqua"/>
-                <a:sym typeface="Book Antiqua"/>
-              </a:rPr>
-              <a:t/>
-            </a:r>
-            <a:br>
-              <a:rPr lang="ru-RU" sz="3200" dirty="0">
-                <a:solidFill>
-                  <a:schemeClr val="lt1"/>
-                </a:solidFill>
-                <a:latin typeface="Book Antiqua"/>
-                <a:ea typeface="Book Antiqua"/>
-                <a:cs typeface="Book Antiqua"/>
-                <a:sym typeface="Book Antiqua"/>
-              </a:rPr>
-            </a:br>
-            <a:r>
-              <a:rPr lang="ru-RU" sz="3200" dirty="0">
-                <a:solidFill>
-                  <a:schemeClr val="lt1"/>
-                </a:solidFill>
-                <a:latin typeface="Book Antiqua"/>
-                <a:ea typeface="Book Antiqua"/>
-                <a:cs typeface="Book Antiqua"/>
+                <a:cs typeface="Times New Roman" panose="02020603050405020304" pitchFamily="18" charset="0"/>
                 <a:sym typeface="Book Antiqua"/>
               </a:rPr>
               <a:t>Телефонный справочник</a:t>
             </a:r>
             <a:endParaRPr sz="3200" dirty="0">
-              <a:latin typeface="Book Antiqua"/>
+              <a:latin typeface="Times New Roman" panose="02020603050405020304" pitchFamily="18" charset="0"/>
               <a:ea typeface="Book Antiqua"/>
-              <a:cs typeface="Book Antiqua"/>
+              <a:cs typeface="Times New Roman" panose="02020603050405020304" pitchFamily="18" charset="0"/>
               <a:sym typeface="Book Antiqua"/>
             </a:endParaRPr>
           </a:p>
@@ -19099,7 +18132,7 @@
         <p:spPr>
           <a:xfrm>
             <a:off x="973775" y="5193116"/>
-            <a:ext cx="4879862" cy="492443"/>
+            <a:ext cx="4392549" cy="492443"/>
           </a:xfrm>
           <a:prstGeom prst="rect">
             <a:avLst/>
@@ -19113,20 +18146,15 @@
           <a:lstStyle/>
           <a:p>
             <a:r>
-              <a:rPr lang="ru-RU" sz="2600" dirty="0" smtClean="0">
+              <a:rPr lang="ru-RU" sz="2600" dirty="0">
                 <a:solidFill>
                   <a:schemeClr val="bg1"/>
                 </a:solidFill>
-                <a:latin typeface="Book Antiqua" pitchFamily="18" charset="0"/>
+                <a:latin typeface="Times New Roman" panose="02020603050405020304" pitchFamily="18" charset="0"/>
+                <a:cs typeface="Times New Roman" panose="02020603050405020304" pitchFamily="18" charset="0"/>
               </a:rPr>
               <a:t>Главная страница программы</a:t>
             </a:r>
-            <a:endParaRPr lang="ru-RU" sz="2600" dirty="0">
-              <a:solidFill>
-                <a:schemeClr val="bg1"/>
-              </a:solidFill>
-              <a:latin typeface="Book Antiqua" pitchFamily="18" charset="0"/>
-            </a:endParaRPr>
           </a:p>
         </p:txBody>
       </p:sp>
@@ -19203,7 +18231,7 @@
         <p:spPr>
           <a:xfrm>
             <a:off x="7224703" y="5298757"/>
-            <a:ext cx="4431021" cy="492443"/>
+            <a:ext cx="3988592" cy="492443"/>
           </a:xfrm>
           <a:prstGeom prst="rect">
             <a:avLst/>
@@ -19217,20 +18245,309 @@
           <a:lstStyle/>
           <a:p>
             <a:r>
-              <a:rPr lang="ru-RU" sz="2600" dirty="0" smtClean="0">
+              <a:rPr lang="ru-RU" sz="2600" dirty="0">
                 <a:solidFill>
                   <a:schemeClr val="bg1"/>
                 </a:solidFill>
-                <a:latin typeface="Book Antiqua" pitchFamily="18" charset="0"/>
+                <a:latin typeface="Times New Roman" panose="02020603050405020304" pitchFamily="18" charset="0"/>
+                <a:cs typeface="Times New Roman" panose="02020603050405020304" pitchFamily="18" charset="0"/>
               </a:rPr>
               <a:t>Окно добавления контакта</a:t>
             </a:r>
-            <a:endParaRPr lang="ru-RU" sz="2600" dirty="0">
-              <a:solidFill>
-                <a:schemeClr val="bg1"/>
-              </a:solidFill>
-              <a:latin typeface="Book Antiqua" pitchFamily="18" charset="0"/>
+          </a:p>
+        </p:txBody>
+      </p:sp>
+    </p:spTree>
+  </p:cSld>
+  <p:clrMapOvr>
+    <a:masterClrMapping/>
+  </p:clrMapOvr>
+</p:sld>
+</file>
+
+<file path=ppt/slides/slide9.xml><?xml version="1.0" encoding="utf-8"?>
+<p:sld xmlns:a="http://schemas.openxmlformats.org/drawingml/2006/main" xmlns:r="http://schemas.openxmlformats.org/officeDocument/2006/relationships" xmlns:p="http://schemas.openxmlformats.org/presentationml/2006/main">
+  <p:cSld>
+    <p:spTree>
+      <p:nvGrpSpPr>
+        <p:cNvPr id="1" name="Shape 149"/>
+        <p:cNvGrpSpPr/>
+        <p:nvPr/>
+      </p:nvGrpSpPr>
+      <p:grpSpPr>
+        <a:xfrm>
+          <a:off x="0" y="0"/>
+          <a:ext cx="0" cy="0"/>
+          <a:chOff x="0" y="0"/>
+          <a:chExt cx="0" cy="0"/>
+        </a:xfrm>
+      </p:grpSpPr>
+      <p:sp>
+        <p:nvSpPr>
+          <p:cNvPr id="150" name="Google Shape;150;p22"/>
+          <p:cNvSpPr txBox="1">
+            <a:spLocks noGrp="1"/>
+          </p:cNvSpPr>
+          <p:nvPr>
+            <p:ph type="title"/>
+          </p:nvPr>
+        </p:nvSpPr>
+        <p:spPr>
+          <a:xfrm>
+            <a:off x="609521" y="274638"/>
+            <a:ext cx="10971300" cy="1143000"/>
+          </a:xfrm>
+          <a:prstGeom prst="rect">
+            <a:avLst/>
+          </a:prstGeom>
+        </p:spPr>
+        <p:txBody>
+          <a:bodyPr spcFirstLastPara="1" wrap="square" lIns="91425" tIns="45700" rIns="91425" bIns="45700" anchor="ctr" anchorCtr="0">
+            <a:normAutofit/>
+          </a:bodyPr>
+          <a:lstStyle/>
+          <a:p>
+            <a:pPr lvl="0">
+              <a:spcBef>
+                <a:spcPts val="560"/>
+              </a:spcBef>
+            </a:pPr>
+            <a:r>
+              <a:rPr lang="ru-RU" sz="3200" dirty="0">
+                <a:solidFill>
+                  <a:schemeClr val="lt1"/>
+                </a:solidFill>
+                <a:latin typeface="Times New Roman" panose="02020603050405020304" pitchFamily="18" charset="0"/>
+                <a:ea typeface="Book Antiqua"/>
+                <a:cs typeface="Times New Roman" panose="02020603050405020304" pitchFamily="18" charset="0"/>
+                <a:sym typeface="Book Antiqua"/>
+              </a:rPr>
+              <a:t>Телефонный справочник</a:t>
+            </a:r>
+            <a:endParaRPr sz="3200" dirty="0">
+              <a:latin typeface="Times New Roman" panose="02020603050405020304" pitchFamily="18" charset="0"/>
+              <a:ea typeface="Book Antiqua"/>
+              <a:cs typeface="Times New Roman" panose="02020603050405020304" pitchFamily="18" charset="0"/>
+              <a:sym typeface="Book Antiqua"/>
             </a:endParaRPr>
+          </a:p>
+        </p:txBody>
+      </p:sp>
+      <p:pic>
+        <p:nvPicPr>
+          <p:cNvPr id="3074" name="Picture 2"/>
+          <p:cNvPicPr>
+            <a:picLocks noChangeAspect="1" noChangeArrowheads="1"/>
+          </p:cNvPicPr>
+          <p:nvPr/>
+        </p:nvPicPr>
+        <p:blipFill>
+          <a:blip r:embed="rId3">
+            <a:extLst>
+              <a:ext uri="{28A0092B-C50C-407E-A947-70E740481C1C}">
+                <a14:useLocalDpi xmlns:a14="http://schemas.microsoft.com/office/drawing/2010/main" val="0"/>
+              </a:ext>
+            </a:extLst>
+          </a:blip>
+          <a:srcRect/>
+          <a:stretch>
+            <a:fillRect/>
+          </a:stretch>
+        </p:blipFill>
+        <p:spPr bwMode="auto">
+          <a:xfrm>
+            <a:off x="449983" y="1741095"/>
+            <a:ext cx="4638675" cy="3762375"/>
+          </a:xfrm>
+          <a:prstGeom prst="rect">
+            <a:avLst/>
+          </a:prstGeom>
+          <a:noFill/>
+          <a:ln>
+            <a:noFill/>
+          </a:ln>
+          <a:effectLst/>
+          <a:extLst>
+            <a:ext uri="{909E8E84-426E-40DD-AFC4-6F175D3DCCD1}">
+              <a14:hiddenFill xmlns:a14="http://schemas.microsoft.com/office/drawing/2010/main">
+                <a:solidFill>
+                  <a:schemeClr val="accent1"/>
+                </a:solidFill>
+              </a14:hiddenFill>
+            </a:ext>
+            <a:ext uri="{91240B29-F687-4F45-9708-019B960494DF}">
+              <a14:hiddenLine xmlns:a14="http://schemas.microsoft.com/office/drawing/2010/main" w="9525">
+                <a:solidFill>
+                  <a:schemeClr val="tx1"/>
+                </a:solidFill>
+                <a:miter lim="800000"/>
+                <a:headEnd/>
+                <a:tailEnd/>
+              </a14:hiddenLine>
+            </a:ext>
+            <a:ext uri="{AF507438-7753-43E0-B8FC-AC1667EBCBE1}">
+              <a14:hiddenEffects xmlns:a14="http://schemas.microsoft.com/office/drawing/2010/main">
+                <a:effectLst>
+                  <a:outerShdw dist="35921" dir="2700000" algn="ctr" rotWithShape="0">
+                    <a:schemeClr val="bg2"/>
+                  </a:outerShdw>
+                </a:effectLst>
+              </a14:hiddenEffects>
+            </a:ext>
+          </a:extLst>
+        </p:spPr>
+      </p:pic>
+      <p:pic>
+        <p:nvPicPr>
+          <p:cNvPr id="3075" name="Picture 3"/>
+          <p:cNvPicPr>
+            <a:picLocks noChangeAspect="1" noChangeArrowheads="1"/>
+          </p:cNvPicPr>
+          <p:nvPr/>
+        </p:nvPicPr>
+        <p:blipFill rotWithShape="1">
+          <a:blip r:embed="rId4">
+            <a:extLst>
+              <a:ext uri="{28A0092B-C50C-407E-A947-70E740481C1C}">
+                <a14:useLocalDpi xmlns:a14="http://schemas.microsoft.com/office/drawing/2010/main" val="0"/>
+              </a:ext>
+            </a:extLst>
+          </a:blip>
+          <a:srcRect l="1398" b="2195"/>
+          <a:stretch/>
+        </p:blipFill>
+        <p:spPr bwMode="auto">
+          <a:xfrm>
+            <a:off x="5830785" y="1452810"/>
+            <a:ext cx="5459197" cy="4338947"/>
+          </a:xfrm>
+          <a:prstGeom prst="rect">
+            <a:avLst/>
+          </a:prstGeom>
+          <a:noFill/>
+          <a:ln>
+            <a:noFill/>
+          </a:ln>
+          <a:effectLst/>
+          <a:extLst>
+            <a:ext uri="{909E8E84-426E-40DD-AFC4-6F175D3DCCD1}">
+              <a14:hiddenFill xmlns:a14="http://schemas.microsoft.com/office/drawing/2010/main">
+                <a:solidFill>
+                  <a:schemeClr val="accent1"/>
+                </a:solidFill>
+              </a14:hiddenFill>
+            </a:ext>
+            <a:ext uri="{91240B29-F687-4F45-9708-019B960494DF}">
+              <a14:hiddenLine xmlns:a14="http://schemas.microsoft.com/office/drawing/2010/main" w="9525">
+                <a:solidFill>
+                  <a:schemeClr val="tx1"/>
+                </a:solidFill>
+                <a:miter lim="800000"/>
+                <a:headEnd/>
+                <a:tailEnd/>
+              </a14:hiddenLine>
+            </a:ext>
+            <a:ext uri="{AF507438-7753-43E0-B8FC-AC1667EBCBE1}">
+              <a14:hiddenEffects xmlns:a14="http://schemas.microsoft.com/office/drawing/2010/main">
+                <a:effectLst>
+                  <a:outerShdw dist="35921" dir="2700000" algn="ctr" rotWithShape="0">
+                    <a:schemeClr val="bg2"/>
+                  </a:outerShdw>
+                </a:effectLst>
+              </a14:hiddenEffects>
+            </a:ext>
+          </a:extLst>
+        </p:spPr>
+      </p:pic>
+      <p:sp>
+        <p:nvSpPr>
+          <p:cNvPr id="5" name="TextBox 4"/>
+          <p:cNvSpPr txBox="1"/>
+          <p:nvPr/>
+        </p:nvSpPr>
+        <p:spPr>
+          <a:xfrm>
+            <a:off x="5830784" y="5935700"/>
+            <a:ext cx="5459197" cy="492443"/>
+          </a:xfrm>
+          <a:prstGeom prst="rect">
+            <a:avLst/>
+          </a:prstGeom>
+          <a:noFill/>
+        </p:spPr>
+        <p:txBody>
+          <a:bodyPr wrap="square" rtlCol="0">
+            <a:spAutoFit/>
+          </a:bodyPr>
+          <a:lstStyle/>
+          <a:p>
+            <a:pPr algn="ctr"/>
+            <a:r>
+              <a:rPr lang="ru-RU" sz="2600" dirty="0">
+                <a:solidFill>
+                  <a:schemeClr val="bg1"/>
+                </a:solidFill>
+                <a:latin typeface="Times New Roman" panose="02020603050405020304" pitchFamily="18" charset="0"/>
+                <a:cs typeface="Times New Roman" panose="02020603050405020304" pitchFamily="18" charset="0"/>
+              </a:rPr>
+              <a:t>Окно сохранения в </a:t>
+            </a:r>
+            <a:r>
+              <a:rPr lang="en-US" sz="2600" dirty="0">
+                <a:solidFill>
+                  <a:schemeClr val="bg1"/>
+                </a:solidFill>
+                <a:latin typeface="Times New Roman" panose="02020603050405020304" pitchFamily="18" charset="0"/>
+                <a:cs typeface="Times New Roman" panose="02020603050405020304" pitchFamily="18" charset="0"/>
+              </a:rPr>
+              <a:t>csv </a:t>
+            </a:r>
+            <a:r>
+              <a:rPr lang="ru-RU" sz="2600" dirty="0">
+                <a:solidFill>
+                  <a:schemeClr val="bg1"/>
+                </a:solidFill>
+                <a:latin typeface="Times New Roman" panose="02020603050405020304" pitchFamily="18" charset="0"/>
+                <a:cs typeface="Times New Roman" panose="02020603050405020304" pitchFamily="18" charset="0"/>
+              </a:rPr>
+              <a:t>файл</a:t>
+            </a:r>
+          </a:p>
+        </p:txBody>
+      </p:sp>
+      <p:sp>
+        <p:nvSpPr>
+          <p:cNvPr id="13" name="TextBox 12"/>
+          <p:cNvSpPr txBox="1"/>
+          <p:nvPr/>
+        </p:nvSpPr>
+        <p:spPr>
+          <a:xfrm>
+            <a:off x="449982" y="5514760"/>
+            <a:ext cx="4638675" cy="892552"/>
+          </a:xfrm>
+          <a:prstGeom prst="rect">
+            <a:avLst/>
+          </a:prstGeom>
+          <a:noFill/>
+        </p:spPr>
+        <p:txBody>
+          <a:bodyPr wrap="square" rtlCol="0">
+            <a:spAutoFit/>
+          </a:bodyPr>
+          <a:lstStyle/>
+          <a:p>
+            <a:pPr algn="ctr"/>
+            <a:r>
+              <a:rPr lang="ru-RU" sz="2600" dirty="0">
+                <a:solidFill>
+                  <a:schemeClr val="bg1"/>
+                </a:solidFill>
+                <a:latin typeface="Times New Roman" panose="02020603050405020304" pitchFamily="18" charset="0"/>
+                <a:cs typeface="Times New Roman" panose="02020603050405020304" pitchFamily="18" charset="0"/>
+              </a:rPr>
+              <a:t>Окно редактирования контактов</a:t>
+            </a:r>
           </a:p>
         </p:txBody>
       </p:sp>
